--- a/Final project/capstone-story-Report.pptx
+++ b/Final project/capstone-story-Report.pptx
@@ -5,7 +5,7 @@
     <p:sldMasterId id="2147483660" r:id="rId4"/>
   </p:sldMasterIdLst>
   <p:notesMasterIdLst>
-    <p:notesMasterId r:id="rId25"/>
+    <p:notesMasterId r:id="rId32"/>
   </p:notesMasterIdLst>
   <p:sldIdLst>
     <p:sldId id="256" r:id="rId5"/>
@@ -13,21 +13,28 @@
     <p:sldId id="260" r:id="rId7"/>
     <p:sldId id="261" r:id="rId8"/>
     <p:sldId id="262" r:id="rId9"/>
-    <p:sldId id="263" r:id="rId10"/>
-    <p:sldId id="258" r:id="rId11"/>
-    <p:sldId id="264" r:id="rId12"/>
-    <p:sldId id="278" r:id="rId13"/>
-    <p:sldId id="279" r:id="rId14"/>
-    <p:sldId id="267" r:id="rId15"/>
-    <p:sldId id="268" r:id="rId16"/>
-    <p:sldId id="269" r:id="rId17"/>
-    <p:sldId id="270" r:id="rId18"/>
-    <p:sldId id="272" r:id="rId19"/>
-    <p:sldId id="273" r:id="rId20"/>
-    <p:sldId id="274" r:id="rId21"/>
-    <p:sldId id="275" r:id="rId22"/>
-    <p:sldId id="276" r:id="rId23"/>
-    <p:sldId id="277" r:id="rId24"/>
+    <p:sldId id="280" r:id="rId10"/>
+    <p:sldId id="281" r:id="rId11"/>
+    <p:sldId id="283" r:id="rId12"/>
+    <p:sldId id="286" r:id="rId13"/>
+    <p:sldId id="284" r:id="rId14"/>
+    <p:sldId id="285" r:id="rId15"/>
+    <p:sldId id="282" r:id="rId16"/>
+    <p:sldId id="263" r:id="rId17"/>
+    <p:sldId id="258" r:id="rId18"/>
+    <p:sldId id="264" r:id="rId19"/>
+    <p:sldId id="278" r:id="rId20"/>
+    <p:sldId id="279" r:id="rId21"/>
+    <p:sldId id="267" r:id="rId22"/>
+    <p:sldId id="268" r:id="rId23"/>
+    <p:sldId id="269" r:id="rId24"/>
+    <p:sldId id="270" r:id="rId25"/>
+    <p:sldId id="272" r:id="rId26"/>
+    <p:sldId id="273" r:id="rId27"/>
+    <p:sldId id="274" r:id="rId28"/>
+    <p:sldId id="275" r:id="rId29"/>
+    <p:sldId id="276" r:id="rId30"/>
+    <p:sldId id="277" r:id="rId31"/>
   </p:sldIdLst>
   <p:sldSz cx="12192000" cy="6858000"/>
   <p:notesSz cx="6858000" cy="1857375"/>
@@ -1918,6 +1925,426 @@
 </p:notes>
 </file>
 
+<file path=ppt/notesSlides/notesSlide4.xml><?xml version="1.0" encoding="utf-8"?>
+<p:notes xmlns:a="http://schemas.openxmlformats.org/drawingml/2006/main" xmlns:r="http://schemas.openxmlformats.org/officeDocument/2006/relationships" xmlns:p="http://schemas.openxmlformats.org/presentationml/2006/main">
+  <p:cSld>
+    <p:spTree>
+      <p:nvGrpSpPr>
+        <p:cNvPr id="1" name=""/>
+        <p:cNvGrpSpPr/>
+        <p:nvPr/>
+      </p:nvGrpSpPr>
+      <p:grpSpPr>
+        <a:xfrm>
+          <a:off x="0" y="0"/>
+          <a:ext cx="0" cy="0"/>
+          <a:chOff x="0" y="0"/>
+          <a:chExt cx="0" cy="0"/>
+        </a:xfrm>
+      </p:grpSpPr>
+      <p:sp>
+        <p:nvSpPr>
+          <p:cNvPr id="2" name="Slide Image Placeholder 1"/>
+          <p:cNvSpPr>
+            <a:spLocks noGrp="1" noRot="1" noChangeAspect="1"/>
+          </p:cNvSpPr>
+          <p:nvPr>
+            <p:ph type="sldImg"/>
+          </p:nvPr>
+        </p:nvSpPr>
+        <p:spPr/>
+      </p:sp>
+      <p:sp>
+        <p:nvSpPr>
+          <p:cNvPr id="3" name="Notes Placeholder 2"/>
+          <p:cNvSpPr>
+            <a:spLocks noGrp="1"/>
+          </p:cNvSpPr>
+          <p:nvPr>
+            <p:ph type="body" idx="1"/>
+          </p:nvPr>
+        </p:nvSpPr>
+        <p:spPr/>
+        <p:txBody>
+          <a:bodyPr/>
+          <a:lstStyle/>
+          <a:p>
+            <a:endParaRPr lang="en-US" dirty="0"/>
+          </a:p>
+        </p:txBody>
+      </p:sp>
+      <p:sp>
+        <p:nvSpPr>
+          <p:cNvPr id="4" name="Slide Number Placeholder 3"/>
+          <p:cNvSpPr>
+            <a:spLocks noGrp="1"/>
+          </p:cNvSpPr>
+          <p:nvPr>
+            <p:ph type="sldNum" sz="quarter" idx="5"/>
+          </p:nvPr>
+        </p:nvSpPr>
+        <p:spPr/>
+        <p:txBody>
+          <a:bodyPr/>
+          <a:lstStyle/>
+          <a:p>
+            <a:fld id="{EEBDA0E2-FEBD-4B65-8F16-724CF984F377}" type="slidenum">
+              <a:rPr lang="en-US" smtClean="0"/>
+              <a:t>7</a:t>
+            </a:fld>
+            <a:endParaRPr lang="en-US"/>
+          </a:p>
+        </p:txBody>
+      </p:sp>
+    </p:spTree>
+    <p:extLst>
+      <p:ext uri="{BB962C8B-B14F-4D97-AF65-F5344CB8AC3E}">
+        <p14:creationId xmlns:p14="http://schemas.microsoft.com/office/powerpoint/2010/main" val="249285356"/>
+      </p:ext>
+    </p:extLst>
+  </p:cSld>
+  <p:clrMapOvr>
+    <a:masterClrMapping/>
+  </p:clrMapOvr>
+</p:notes>
+</file>
+
+<file path=ppt/notesSlides/notesSlide5.xml><?xml version="1.0" encoding="utf-8"?>
+<p:notes xmlns:a="http://schemas.openxmlformats.org/drawingml/2006/main" xmlns:r="http://schemas.openxmlformats.org/officeDocument/2006/relationships" xmlns:p="http://schemas.openxmlformats.org/presentationml/2006/main">
+  <p:cSld>
+    <p:spTree>
+      <p:nvGrpSpPr>
+        <p:cNvPr id="1" name=""/>
+        <p:cNvGrpSpPr/>
+        <p:nvPr/>
+      </p:nvGrpSpPr>
+      <p:grpSpPr>
+        <a:xfrm>
+          <a:off x="0" y="0"/>
+          <a:ext cx="0" cy="0"/>
+          <a:chOff x="0" y="0"/>
+          <a:chExt cx="0" cy="0"/>
+        </a:xfrm>
+      </p:grpSpPr>
+      <p:sp>
+        <p:nvSpPr>
+          <p:cNvPr id="2" name="Slide Image Placeholder 1"/>
+          <p:cNvSpPr>
+            <a:spLocks noGrp="1" noRot="1" noChangeAspect="1"/>
+          </p:cNvSpPr>
+          <p:nvPr>
+            <p:ph type="sldImg"/>
+          </p:nvPr>
+        </p:nvSpPr>
+        <p:spPr/>
+      </p:sp>
+      <p:sp>
+        <p:nvSpPr>
+          <p:cNvPr id="3" name="Notes Placeholder 2"/>
+          <p:cNvSpPr>
+            <a:spLocks noGrp="1"/>
+          </p:cNvSpPr>
+          <p:nvPr>
+            <p:ph type="body" idx="1"/>
+          </p:nvPr>
+        </p:nvSpPr>
+        <p:spPr/>
+        <p:txBody>
+          <a:bodyPr/>
+          <a:lstStyle/>
+          <a:p>
+            <a:endParaRPr lang="en-US" dirty="0"/>
+          </a:p>
+        </p:txBody>
+      </p:sp>
+      <p:sp>
+        <p:nvSpPr>
+          <p:cNvPr id="4" name="Slide Number Placeholder 3"/>
+          <p:cNvSpPr>
+            <a:spLocks noGrp="1"/>
+          </p:cNvSpPr>
+          <p:nvPr>
+            <p:ph type="sldNum" sz="quarter" idx="5"/>
+          </p:nvPr>
+        </p:nvSpPr>
+        <p:spPr/>
+        <p:txBody>
+          <a:bodyPr/>
+          <a:lstStyle/>
+          <a:p>
+            <a:fld id="{EEBDA0E2-FEBD-4B65-8F16-724CF984F377}" type="slidenum">
+              <a:rPr lang="en-US" smtClean="0"/>
+              <a:t>10</a:t>
+            </a:fld>
+            <a:endParaRPr lang="en-US"/>
+          </a:p>
+        </p:txBody>
+      </p:sp>
+    </p:spTree>
+    <p:extLst>
+      <p:ext uri="{BB962C8B-B14F-4D97-AF65-F5344CB8AC3E}">
+        <p14:creationId xmlns:p14="http://schemas.microsoft.com/office/powerpoint/2010/main" val="670618222"/>
+      </p:ext>
+    </p:extLst>
+  </p:cSld>
+  <p:clrMapOvr>
+    <a:masterClrMapping/>
+  </p:clrMapOvr>
+</p:notes>
+</file>
+
+<file path=ppt/notesSlides/notesSlide6.xml><?xml version="1.0" encoding="utf-8"?>
+<p:notes xmlns:a="http://schemas.openxmlformats.org/drawingml/2006/main" xmlns:r="http://schemas.openxmlformats.org/officeDocument/2006/relationships" xmlns:p="http://schemas.openxmlformats.org/presentationml/2006/main">
+  <p:cSld>
+    <p:spTree>
+      <p:nvGrpSpPr>
+        <p:cNvPr id="1" name=""/>
+        <p:cNvGrpSpPr/>
+        <p:nvPr/>
+      </p:nvGrpSpPr>
+      <p:grpSpPr>
+        <a:xfrm>
+          <a:off x="0" y="0"/>
+          <a:ext cx="0" cy="0"/>
+          <a:chOff x="0" y="0"/>
+          <a:chExt cx="0" cy="0"/>
+        </a:xfrm>
+      </p:grpSpPr>
+      <p:sp>
+        <p:nvSpPr>
+          <p:cNvPr id="2" name="Slide Image Placeholder 1"/>
+          <p:cNvSpPr>
+            <a:spLocks noGrp="1" noRot="1" noChangeAspect="1"/>
+          </p:cNvSpPr>
+          <p:nvPr>
+            <p:ph type="sldImg"/>
+          </p:nvPr>
+        </p:nvSpPr>
+        <p:spPr/>
+      </p:sp>
+      <p:sp>
+        <p:nvSpPr>
+          <p:cNvPr id="3" name="Notes Placeholder 2"/>
+          <p:cNvSpPr>
+            <a:spLocks noGrp="1"/>
+          </p:cNvSpPr>
+          <p:nvPr>
+            <p:ph type="body" idx="1"/>
+          </p:nvPr>
+        </p:nvSpPr>
+        <p:spPr/>
+        <p:txBody>
+          <a:bodyPr/>
+          <a:lstStyle/>
+          <a:p>
+            <a:endParaRPr lang="en-US" dirty="0"/>
+          </a:p>
+        </p:txBody>
+      </p:sp>
+      <p:sp>
+        <p:nvSpPr>
+          <p:cNvPr id="4" name="Slide Number Placeholder 3"/>
+          <p:cNvSpPr>
+            <a:spLocks noGrp="1"/>
+          </p:cNvSpPr>
+          <p:nvPr>
+            <p:ph type="sldNum" sz="quarter" idx="5"/>
+          </p:nvPr>
+        </p:nvSpPr>
+        <p:spPr/>
+        <p:txBody>
+          <a:bodyPr/>
+          <a:lstStyle/>
+          <a:p>
+            <a:fld id="{EEBDA0E2-FEBD-4B65-8F16-724CF984F377}" type="slidenum">
+              <a:rPr lang="en-US" smtClean="0"/>
+              <a:t>11</a:t>
+            </a:fld>
+            <a:endParaRPr lang="en-US"/>
+          </a:p>
+        </p:txBody>
+      </p:sp>
+    </p:spTree>
+    <p:extLst>
+      <p:ext uri="{BB962C8B-B14F-4D97-AF65-F5344CB8AC3E}">
+        <p14:creationId xmlns:p14="http://schemas.microsoft.com/office/powerpoint/2010/main" val="1302327469"/>
+      </p:ext>
+    </p:extLst>
+  </p:cSld>
+  <p:clrMapOvr>
+    <a:masterClrMapping/>
+  </p:clrMapOvr>
+</p:notes>
+</file>
+
+<file path=ppt/notesSlides/notesSlide7.xml><?xml version="1.0" encoding="utf-8"?>
+<p:notes xmlns:a="http://schemas.openxmlformats.org/drawingml/2006/main" xmlns:r="http://schemas.openxmlformats.org/officeDocument/2006/relationships" xmlns:p="http://schemas.openxmlformats.org/presentationml/2006/main">
+  <p:cSld>
+    <p:spTree>
+      <p:nvGrpSpPr>
+        <p:cNvPr id="1" name=""/>
+        <p:cNvGrpSpPr/>
+        <p:nvPr/>
+      </p:nvGrpSpPr>
+      <p:grpSpPr>
+        <a:xfrm>
+          <a:off x="0" y="0"/>
+          <a:ext cx="0" cy="0"/>
+          <a:chOff x="0" y="0"/>
+          <a:chExt cx="0" cy="0"/>
+        </a:xfrm>
+      </p:grpSpPr>
+      <p:sp>
+        <p:nvSpPr>
+          <p:cNvPr id="2" name="Slide Image Placeholder 1"/>
+          <p:cNvSpPr>
+            <a:spLocks noGrp="1" noRot="1" noChangeAspect="1"/>
+          </p:cNvSpPr>
+          <p:nvPr>
+            <p:ph type="sldImg"/>
+          </p:nvPr>
+        </p:nvSpPr>
+        <p:spPr/>
+      </p:sp>
+      <p:sp>
+        <p:nvSpPr>
+          <p:cNvPr id="3" name="Notes Placeholder 2"/>
+          <p:cNvSpPr>
+            <a:spLocks noGrp="1"/>
+          </p:cNvSpPr>
+          <p:nvPr>
+            <p:ph type="body" idx="1"/>
+          </p:nvPr>
+        </p:nvSpPr>
+        <p:spPr/>
+        <p:txBody>
+          <a:bodyPr/>
+          <a:lstStyle/>
+          <a:p>
+            <a:endParaRPr lang="en-US" dirty="0"/>
+          </a:p>
+        </p:txBody>
+      </p:sp>
+      <p:sp>
+        <p:nvSpPr>
+          <p:cNvPr id="4" name="Slide Number Placeholder 3"/>
+          <p:cNvSpPr>
+            <a:spLocks noGrp="1"/>
+          </p:cNvSpPr>
+          <p:nvPr>
+            <p:ph type="sldNum" sz="quarter" idx="5"/>
+          </p:nvPr>
+        </p:nvSpPr>
+        <p:spPr/>
+        <p:txBody>
+          <a:bodyPr/>
+          <a:lstStyle/>
+          <a:p>
+            <a:fld id="{EEBDA0E2-FEBD-4B65-8F16-724CF984F377}" type="slidenum">
+              <a:rPr lang="en-US" smtClean="0"/>
+              <a:t>13</a:t>
+            </a:fld>
+            <a:endParaRPr lang="en-US"/>
+          </a:p>
+        </p:txBody>
+      </p:sp>
+    </p:spTree>
+    <p:extLst>
+      <p:ext uri="{BB962C8B-B14F-4D97-AF65-F5344CB8AC3E}">
+        <p14:creationId xmlns:p14="http://schemas.microsoft.com/office/powerpoint/2010/main" val="2715153683"/>
+      </p:ext>
+    </p:extLst>
+  </p:cSld>
+  <p:clrMapOvr>
+    <a:masterClrMapping/>
+  </p:clrMapOvr>
+</p:notes>
+</file>
+
+<file path=ppt/notesSlides/notesSlide8.xml><?xml version="1.0" encoding="utf-8"?>
+<p:notes xmlns:a="http://schemas.openxmlformats.org/drawingml/2006/main" xmlns:r="http://schemas.openxmlformats.org/officeDocument/2006/relationships" xmlns:p="http://schemas.openxmlformats.org/presentationml/2006/main">
+  <p:cSld>
+    <p:spTree>
+      <p:nvGrpSpPr>
+        <p:cNvPr id="1" name=""/>
+        <p:cNvGrpSpPr/>
+        <p:nvPr/>
+      </p:nvGrpSpPr>
+      <p:grpSpPr>
+        <a:xfrm>
+          <a:off x="0" y="0"/>
+          <a:ext cx="0" cy="0"/>
+          <a:chOff x="0" y="0"/>
+          <a:chExt cx="0" cy="0"/>
+        </a:xfrm>
+      </p:grpSpPr>
+      <p:sp>
+        <p:nvSpPr>
+          <p:cNvPr id="2" name="Slide Image Placeholder 1"/>
+          <p:cNvSpPr>
+            <a:spLocks noGrp="1" noRot="1" noChangeAspect="1"/>
+          </p:cNvSpPr>
+          <p:nvPr>
+            <p:ph type="sldImg"/>
+          </p:nvPr>
+        </p:nvSpPr>
+        <p:spPr/>
+      </p:sp>
+      <p:sp>
+        <p:nvSpPr>
+          <p:cNvPr id="3" name="Notes Placeholder 2"/>
+          <p:cNvSpPr>
+            <a:spLocks noGrp="1"/>
+          </p:cNvSpPr>
+          <p:nvPr>
+            <p:ph type="body" idx="1"/>
+          </p:nvPr>
+        </p:nvSpPr>
+        <p:spPr/>
+        <p:txBody>
+          <a:bodyPr/>
+          <a:lstStyle/>
+          <a:p>
+            <a:endParaRPr lang="en-US" dirty="0"/>
+          </a:p>
+        </p:txBody>
+      </p:sp>
+      <p:sp>
+        <p:nvSpPr>
+          <p:cNvPr id="4" name="Slide Number Placeholder 3"/>
+          <p:cNvSpPr>
+            <a:spLocks noGrp="1"/>
+          </p:cNvSpPr>
+          <p:nvPr>
+            <p:ph type="sldNum" sz="quarter" idx="5"/>
+          </p:nvPr>
+        </p:nvSpPr>
+        <p:spPr/>
+        <p:txBody>
+          <a:bodyPr/>
+          <a:lstStyle/>
+          <a:p>
+            <a:fld id="{EEBDA0E2-FEBD-4B65-8F16-724CF984F377}" type="slidenum">
+              <a:rPr lang="en-US" smtClean="0"/>
+              <a:t>14</a:t>
+            </a:fld>
+            <a:endParaRPr lang="en-US"/>
+          </a:p>
+        </p:txBody>
+      </p:sp>
+    </p:spTree>
+    <p:extLst>
+      <p:ext uri="{BB962C8B-B14F-4D97-AF65-F5344CB8AC3E}">
+        <p14:creationId xmlns:p14="http://schemas.microsoft.com/office/powerpoint/2010/main" val="2669940537"/>
+      </p:ext>
+    </p:extLst>
+  </p:cSld>
+  <p:clrMapOvr>
+    <a:masterClrMapping/>
+  </p:clrMapOvr>
+</p:notes>
+</file>
+
 <file path=ppt/slideLayouts/slideLayout1.xml><?xml version="1.0" encoding="utf-8"?>
 <p:sldLayout xmlns:a="http://schemas.openxmlformats.org/drawingml/2006/main" xmlns:r="http://schemas.openxmlformats.org/officeDocument/2006/relationships" xmlns:p="http://schemas.openxmlformats.org/presentationml/2006/main" preserve="1">
   <p:cSld name="Title Slide">
@@ -4976,7 +5403,7 @@
         </p:nvSpPr>
         <p:spPr>
           <a:xfrm>
-            <a:off x="2779200" y="456252"/>
+            <a:off x="2779200" y="1482425"/>
             <a:ext cx="7163253" cy="1325563"/>
           </a:xfrm>
         </p:spPr>
@@ -6202,7 +6629,7 @@
           <p:cNvPr id="2" name="Title 1">
             <a:extLst>
               <a:ext uri="{FF2B5EF4-FFF2-40B4-BE49-F238E27FC236}">
-                <a16:creationId xmlns:a16="http://schemas.microsoft.com/office/drawing/2014/main" id="{65C3525F-7CB4-4C06-B037-C81D2DED9B80}"/>
+                <a16:creationId xmlns:a16="http://schemas.microsoft.com/office/drawing/2014/main" id="{64632CDE-2250-CA62-630C-9ABF9B6EC47E}"/>
               </a:ext>
             </a:extLst>
           </p:cNvPr>
@@ -6215,13 +6642,25 @@
         </p:nvSpPr>
         <p:spPr/>
         <p:txBody>
-          <a:bodyPr/>
+          <a:bodyPr>
+            <a:normAutofit/>
+          </a:bodyPr>
           <a:lstStyle/>
           <a:p>
             <a:r>
-              <a:rPr lang="en-US" dirty="0"/>
-              <a:t>DATABASE TRENDS - FINDINGS &amp; IMPLICATIONS</a:t>
-            </a:r>
+              <a:rPr lang="en-US" b="1" i="0" dirty="0">
+                <a:effectLst/>
+                <a:latin typeface="-apple-system"/>
+              </a:rPr>
+              <a:t>Launch Sites Locations Analysis with Folium</a:t>
+            </a:r>
+            <a:br>
+              <a:rPr lang="en-US" b="1" i="0" dirty="0">
+                <a:effectLst/>
+                <a:latin typeface="-apple-system"/>
+              </a:rPr>
+            </a:br>
+            <a:endParaRPr lang="en-US" dirty="0"/>
           </a:p>
         </p:txBody>
       </p:sp>
@@ -6230,7 +6669,7 @@
           <p:cNvPr id="3" name="Content Placeholder 2">
             <a:extLst>
               <a:ext uri="{FF2B5EF4-FFF2-40B4-BE49-F238E27FC236}">
-                <a16:creationId xmlns:a16="http://schemas.microsoft.com/office/drawing/2014/main" id="{E4FC0D20-FACF-4D73-BD27-CF8F6B97546A}"/>
+                <a16:creationId xmlns:a16="http://schemas.microsoft.com/office/drawing/2014/main" id="{3F538B46-3B83-9851-6A02-EC0A6AAB70B6}"/>
               </a:ext>
             </a:extLst>
           </p:cNvPr>
@@ -6243,107 +6682,601 @@
         </p:nvSpPr>
         <p:spPr>
           <a:xfrm>
-            <a:off x="813816" y="1825625"/>
-            <a:ext cx="5181600" cy="4351338"/>
+            <a:off x="163773" y="1825625"/>
+            <a:ext cx="4915469" cy="4351338"/>
           </a:xfrm>
         </p:spPr>
         <p:txBody>
-          <a:bodyPr/>
+          <a:bodyPr>
+            <a:normAutofit lnSpcReduction="10000"/>
+          </a:bodyPr>
           <a:lstStyle/>
           <a:p>
-            <a:pPr marL="0" indent="0">
-              <a:buNone/>
-            </a:pPr>
-            <a:r>
-              <a:rPr lang="en-US" dirty="0"/>
-              <a:t>Findings</a:t>
-            </a:r>
-          </a:p>
-          <a:p>
-            <a:pPr marL="0" indent="0">
-              <a:buNone/>
-            </a:pPr>
-            <a:endParaRPr lang="en-US" dirty="0"/>
-          </a:p>
-          <a:p>
-            <a:r>
-              <a:rPr lang="en-US" dirty="0"/>
-              <a:t>Finding 1</a:t>
-            </a:r>
-          </a:p>
-          <a:p>
-            <a:r>
-              <a:rPr lang="en-US" dirty="0"/>
-              <a:t>Finding 2</a:t>
-            </a:r>
-          </a:p>
-          <a:p>
-            <a:r>
-              <a:rPr lang="en-US" dirty="0"/>
-              <a:t>Finding 3</a:t>
-            </a:r>
+            <a:r>
+              <a:rPr lang="en-US" b="0" i="0" dirty="0">
+                <a:effectLst/>
+                <a:latin typeface="-apple-system"/>
+              </a:rPr>
+              <a:t>Marked all launch sites on a map</a:t>
+            </a:r>
+          </a:p>
+          <a:p>
+            <a:r>
+              <a:rPr lang="en-US" b="0" i="0" dirty="0">
+                <a:effectLst/>
+                <a:latin typeface="-apple-system"/>
+              </a:rPr>
+              <a:t>Marked the success/failed launches for each site on the map</a:t>
+            </a:r>
+            <a:endParaRPr lang="en-US" dirty="0">
+              <a:latin typeface="-apple-system"/>
+            </a:endParaRPr>
+          </a:p>
+          <a:p>
+            <a:r>
+              <a:rPr lang="en-US" b="0" i="0" dirty="0">
+                <a:effectLst/>
+                <a:latin typeface="-apple-system"/>
+              </a:rPr>
+              <a:t>Calculated the distances between a launch site to its proximities</a:t>
+            </a:r>
+            <a:endParaRPr lang="en-US" dirty="0">
+              <a:latin typeface="-apple-system"/>
+            </a:endParaRPr>
+          </a:p>
+          <a:p>
+            <a:endParaRPr lang="en-US" dirty="0">
+              <a:latin typeface="-apple-system"/>
+            </a:endParaRPr>
+          </a:p>
+          <a:p>
+            <a:r>
+              <a:rPr lang="en-US" dirty="0">
+                <a:latin typeface="-apple-system"/>
+                <a:hlinkClick r:id="rId3"/>
+              </a:rPr>
+              <a:t>Click here</a:t>
+            </a:r>
+            <a:endParaRPr lang="en-US" dirty="0">
+              <a:latin typeface="-apple-system"/>
+            </a:endParaRPr>
           </a:p>
         </p:txBody>
       </p:sp>
       <p:sp>
         <p:nvSpPr>
-          <p:cNvPr id="4" name="Content Placeholder 3">
+          <p:cNvPr id="5" name="Content Placeholder 2">
             <a:extLst>
               <a:ext uri="{FF2B5EF4-FFF2-40B4-BE49-F238E27FC236}">
-                <a16:creationId xmlns:a16="http://schemas.microsoft.com/office/drawing/2014/main" id="{ACA6A89D-097D-4968-A07A-39A5B4F78A62}"/>
+                <a16:creationId xmlns:a16="http://schemas.microsoft.com/office/drawing/2014/main" id="{EAF2E95A-D4E3-4CFC-09CF-D8AD6BD12028}"/>
               </a:ext>
             </a:extLst>
           </p:cNvPr>
-          <p:cNvSpPr>
-            <a:spLocks noGrp="1"/>
+          <p:cNvSpPr txBox="1">
+            <a:spLocks/>
           </p:cNvSpPr>
-          <p:nvPr>
-            <p:ph sz="half" idx="2"/>
-          </p:nvPr>
+          <p:nvPr/>
         </p:nvSpPr>
-        <p:spPr/>
+        <p:spPr>
+          <a:xfrm>
+            <a:off x="5079242" y="1690688"/>
+            <a:ext cx="6073255" cy="4351338"/>
+          </a:xfrm>
+          <a:prstGeom prst="rect">
+            <a:avLst/>
+          </a:prstGeom>
+        </p:spPr>
         <p:txBody>
-          <a:bodyPr/>
-          <a:lstStyle/>
+          <a:bodyPr vert="horz" lIns="91440" tIns="45720" rIns="91440" bIns="45720" rtlCol="0">
+            <a:normAutofit/>
+          </a:bodyPr>
+          <a:lstStyle>
+            <a:lvl1pPr marL="228600" indent="-228600" algn="l" defTabSz="914400" rtl="0" eaLnBrk="1" latinLnBrk="0" hangingPunct="1">
+              <a:lnSpc>
+                <a:spcPct val="90000"/>
+              </a:lnSpc>
+              <a:spcBef>
+                <a:spcPts val="1000"/>
+              </a:spcBef>
+              <a:buFont typeface="Arial"/>
+              <a:buChar char="•"/>
+              <a:defRPr sz="2800" kern="1200">
+                <a:solidFill>
+                  <a:srgbClr val="0070C0"/>
+                </a:solidFill>
+                <a:latin typeface="IBM Plex Mono Text" panose="020B0509050203000203" pitchFamily="49" charset="0"/>
+                <a:ea typeface="+mn-ea"/>
+                <a:cs typeface="+mn-cs"/>
+              </a:defRPr>
+            </a:lvl1pPr>
+            <a:lvl2pPr marL="685800" indent="-228600" algn="l" defTabSz="914400" rtl="0" eaLnBrk="1" latinLnBrk="0" hangingPunct="1">
+              <a:lnSpc>
+                <a:spcPct val="90000"/>
+              </a:lnSpc>
+              <a:spcBef>
+                <a:spcPts val="500"/>
+              </a:spcBef>
+              <a:buFont typeface="Arial"/>
+              <a:buChar char="•"/>
+              <a:defRPr sz="2400" kern="1200">
+                <a:solidFill>
+                  <a:srgbClr val="0070C0"/>
+                </a:solidFill>
+                <a:latin typeface="IBM Plex Mono Text" panose="020B0509050203000203" pitchFamily="49" charset="0"/>
+                <a:ea typeface="+mn-ea"/>
+                <a:cs typeface="+mn-cs"/>
+              </a:defRPr>
+            </a:lvl2pPr>
+            <a:lvl3pPr marL="1143000" indent="-228600" algn="l" defTabSz="914400" rtl="0" eaLnBrk="1" latinLnBrk="0" hangingPunct="1">
+              <a:lnSpc>
+                <a:spcPct val="90000"/>
+              </a:lnSpc>
+              <a:spcBef>
+                <a:spcPts val="500"/>
+              </a:spcBef>
+              <a:buFont typeface="Arial"/>
+              <a:buChar char="•"/>
+              <a:defRPr sz="2000" kern="1200">
+                <a:solidFill>
+                  <a:srgbClr val="0070C0"/>
+                </a:solidFill>
+                <a:latin typeface="IBM Plex Mono Text" panose="020B0509050203000203" pitchFamily="49" charset="0"/>
+                <a:ea typeface="+mn-ea"/>
+                <a:cs typeface="+mn-cs"/>
+              </a:defRPr>
+            </a:lvl3pPr>
+            <a:lvl4pPr marL="1600200" indent="-228600" algn="l" defTabSz="914400" rtl="0" eaLnBrk="1" latinLnBrk="0" hangingPunct="1">
+              <a:lnSpc>
+                <a:spcPct val="90000"/>
+              </a:lnSpc>
+              <a:spcBef>
+                <a:spcPts val="500"/>
+              </a:spcBef>
+              <a:buFont typeface="Arial"/>
+              <a:buChar char="•"/>
+              <a:defRPr sz="1800" kern="1200">
+                <a:solidFill>
+                  <a:srgbClr val="0070C0"/>
+                </a:solidFill>
+                <a:latin typeface="IBM Plex Mono Text" panose="020B0509050203000203" pitchFamily="49" charset="0"/>
+                <a:ea typeface="+mn-ea"/>
+                <a:cs typeface="+mn-cs"/>
+              </a:defRPr>
+            </a:lvl4pPr>
+            <a:lvl5pPr marL="2057400" indent="-228600" algn="l" defTabSz="914400" rtl="0" eaLnBrk="1" latinLnBrk="0" hangingPunct="1">
+              <a:lnSpc>
+                <a:spcPct val="90000"/>
+              </a:lnSpc>
+              <a:spcBef>
+                <a:spcPts val="500"/>
+              </a:spcBef>
+              <a:buFont typeface="Arial"/>
+              <a:buChar char="•"/>
+              <a:defRPr sz="1800" kern="1200">
+                <a:solidFill>
+                  <a:srgbClr val="0070C0"/>
+                </a:solidFill>
+                <a:latin typeface="IBM Plex Mono Text" panose="020B0509050203000203" pitchFamily="49" charset="0"/>
+                <a:ea typeface="+mn-ea"/>
+                <a:cs typeface="+mn-cs"/>
+              </a:defRPr>
+            </a:lvl5pPr>
+            <a:lvl6pPr marL="2514600" indent="-228600" algn="l" defTabSz="914400" rtl="0" eaLnBrk="1" latinLnBrk="0" hangingPunct="1">
+              <a:lnSpc>
+                <a:spcPct val="90000"/>
+              </a:lnSpc>
+              <a:spcBef>
+                <a:spcPts val="500"/>
+              </a:spcBef>
+              <a:buFont typeface="Arial"/>
+              <a:buChar char="•"/>
+              <a:defRPr sz="1800" kern="1200">
+                <a:solidFill>
+                  <a:schemeClr val="tx1"/>
+                </a:solidFill>
+                <a:latin typeface="+mn-lt"/>
+                <a:ea typeface="+mn-ea"/>
+                <a:cs typeface="+mn-cs"/>
+              </a:defRPr>
+            </a:lvl6pPr>
+            <a:lvl7pPr marL="2971800" indent="-228600" algn="l" defTabSz="914400" rtl="0" eaLnBrk="1" latinLnBrk="0" hangingPunct="1">
+              <a:lnSpc>
+                <a:spcPct val="90000"/>
+              </a:lnSpc>
+              <a:spcBef>
+                <a:spcPts val="500"/>
+              </a:spcBef>
+              <a:buFont typeface="Arial"/>
+              <a:buChar char="•"/>
+              <a:defRPr sz="1800" kern="1200">
+                <a:solidFill>
+                  <a:schemeClr val="tx1"/>
+                </a:solidFill>
+                <a:latin typeface="+mn-lt"/>
+                <a:ea typeface="+mn-ea"/>
+                <a:cs typeface="+mn-cs"/>
+              </a:defRPr>
+            </a:lvl7pPr>
+            <a:lvl8pPr marL="3429000" indent="-228600" algn="l" defTabSz="914400" rtl="0" eaLnBrk="1" latinLnBrk="0" hangingPunct="1">
+              <a:lnSpc>
+                <a:spcPct val="90000"/>
+              </a:lnSpc>
+              <a:spcBef>
+                <a:spcPts val="500"/>
+              </a:spcBef>
+              <a:buFont typeface="Arial"/>
+              <a:buChar char="•"/>
+              <a:defRPr sz="1800" kern="1200">
+                <a:solidFill>
+                  <a:schemeClr val="tx1"/>
+                </a:solidFill>
+                <a:latin typeface="+mn-lt"/>
+                <a:ea typeface="+mn-ea"/>
+                <a:cs typeface="+mn-cs"/>
+              </a:defRPr>
+            </a:lvl8pPr>
+            <a:lvl9pPr marL="3886200" indent="-228600" algn="l" defTabSz="914400" rtl="0" eaLnBrk="1" latinLnBrk="0" hangingPunct="1">
+              <a:lnSpc>
+                <a:spcPct val="90000"/>
+              </a:lnSpc>
+              <a:spcBef>
+                <a:spcPts val="500"/>
+              </a:spcBef>
+              <a:buFont typeface="Arial"/>
+              <a:buChar char="•"/>
+              <a:defRPr sz="1800" kern="1200">
+                <a:solidFill>
+                  <a:schemeClr val="tx1"/>
+                </a:solidFill>
+                <a:latin typeface="+mn-lt"/>
+                <a:ea typeface="+mn-ea"/>
+                <a:cs typeface="+mn-cs"/>
+              </a:defRPr>
+            </a:lvl9pPr>
+          </a:lstStyle>
+          <a:p>
+            <a:endParaRPr lang="en-US" dirty="0">
+              <a:latin typeface="-apple-system"/>
+            </a:endParaRPr>
+          </a:p>
+        </p:txBody>
+      </p:sp>
+      <p:sp>
+        <p:nvSpPr>
+          <p:cNvPr id="6" name="Content Placeholder 2">
+            <a:extLst>
+              <a:ext uri="{FF2B5EF4-FFF2-40B4-BE49-F238E27FC236}">
+                <a16:creationId xmlns:a16="http://schemas.microsoft.com/office/drawing/2014/main" id="{EEB92A33-512D-B9A6-F947-578A20BD2CFC}"/>
+              </a:ext>
+            </a:extLst>
+          </p:cNvPr>
+          <p:cNvSpPr txBox="1">
+            <a:spLocks/>
+          </p:cNvSpPr>
+          <p:nvPr/>
+        </p:nvSpPr>
+        <p:spPr>
+          <a:xfrm>
+            <a:off x="4831307" y="1758157"/>
+            <a:ext cx="7196920" cy="4351338"/>
+          </a:xfrm>
+          <a:prstGeom prst="rect">
+            <a:avLst/>
+          </a:prstGeom>
+        </p:spPr>
+        <p:txBody>
+          <a:bodyPr vert="horz" lIns="91440" tIns="45720" rIns="91440" bIns="45720" rtlCol="0">
+            <a:normAutofit/>
+          </a:bodyPr>
+          <a:lstStyle>
+            <a:lvl1pPr marL="228600" indent="-228600" algn="l" defTabSz="914400" rtl="0" eaLnBrk="1" latinLnBrk="0" hangingPunct="1">
+              <a:lnSpc>
+                <a:spcPct val="90000"/>
+              </a:lnSpc>
+              <a:spcBef>
+                <a:spcPts val="1000"/>
+              </a:spcBef>
+              <a:buFont typeface="Arial"/>
+              <a:buChar char="•"/>
+              <a:defRPr sz="2800" kern="1200">
+                <a:solidFill>
+                  <a:srgbClr val="0070C0"/>
+                </a:solidFill>
+                <a:latin typeface="IBM Plex Mono Text" panose="020B0509050203000203" pitchFamily="49" charset="0"/>
+                <a:ea typeface="+mn-ea"/>
+                <a:cs typeface="+mn-cs"/>
+              </a:defRPr>
+            </a:lvl1pPr>
+            <a:lvl2pPr marL="685800" indent="-228600" algn="l" defTabSz="914400" rtl="0" eaLnBrk="1" latinLnBrk="0" hangingPunct="1">
+              <a:lnSpc>
+                <a:spcPct val="90000"/>
+              </a:lnSpc>
+              <a:spcBef>
+                <a:spcPts val="500"/>
+              </a:spcBef>
+              <a:buFont typeface="Arial"/>
+              <a:buChar char="•"/>
+              <a:defRPr sz="2400" kern="1200">
+                <a:solidFill>
+                  <a:srgbClr val="0070C0"/>
+                </a:solidFill>
+                <a:latin typeface="IBM Plex Mono Text" panose="020B0509050203000203" pitchFamily="49" charset="0"/>
+                <a:ea typeface="+mn-ea"/>
+                <a:cs typeface="+mn-cs"/>
+              </a:defRPr>
+            </a:lvl2pPr>
+            <a:lvl3pPr marL="1143000" indent="-228600" algn="l" defTabSz="914400" rtl="0" eaLnBrk="1" latinLnBrk="0" hangingPunct="1">
+              <a:lnSpc>
+                <a:spcPct val="90000"/>
+              </a:lnSpc>
+              <a:spcBef>
+                <a:spcPts val="500"/>
+              </a:spcBef>
+              <a:buFont typeface="Arial"/>
+              <a:buChar char="•"/>
+              <a:defRPr sz="2000" kern="1200">
+                <a:solidFill>
+                  <a:srgbClr val="0070C0"/>
+                </a:solidFill>
+                <a:latin typeface="IBM Plex Mono Text" panose="020B0509050203000203" pitchFamily="49" charset="0"/>
+                <a:ea typeface="+mn-ea"/>
+                <a:cs typeface="+mn-cs"/>
+              </a:defRPr>
+            </a:lvl3pPr>
+            <a:lvl4pPr marL="1600200" indent="-228600" algn="l" defTabSz="914400" rtl="0" eaLnBrk="1" latinLnBrk="0" hangingPunct="1">
+              <a:lnSpc>
+                <a:spcPct val="90000"/>
+              </a:lnSpc>
+              <a:spcBef>
+                <a:spcPts val="500"/>
+              </a:spcBef>
+              <a:buFont typeface="Arial"/>
+              <a:buChar char="•"/>
+              <a:defRPr sz="1800" kern="1200">
+                <a:solidFill>
+                  <a:srgbClr val="0070C0"/>
+                </a:solidFill>
+                <a:latin typeface="IBM Plex Mono Text" panose="020B0509050203000203" pitchFamily="49" charset="0"/>
+                <a:ea typeface="+mn-ea"/>
+                <a:cs typeface="+mn-cs"/>
+              </a:defRPr>
+            </a:lvl4pPr>
+            <a:lvl5pPr marL="2057400" indent="-228600" algn="l" defTabSz="914400" rtl="0" eaLnBrk="1" latinLnBrk="0" hangingPunct="1">
+              <a:lnSpc>
+                <a:spcPct val="90000"/>
+              </a:lnSpc>
+              <a:spcBef>
+                <a:spcPts val="500"/>
+              </a:spcBef>
+              <a:buFont typeface="Arial"/>
+              <a:buChar char="•"/>
+              <a:defRPr sz="1800" kern="1200">
+                <a:solidFill>
+                  <a:srgbClr val="0070C0"/>
+                </a:solidFill>
+                <a:latin typeface="IBM Plex Mono Text" panose="020B0509050203000203" pitchFamily="49" charset="0"/>
+                <a:ea typeface="+mn-ea"/>
+                <a:cs typeface="+mn-cs"/>
+              </a:defRPr>
+            </a:lvl5pPr>
+            <a:lvl6pPr marL="2514600" indent="-228600" algn="l" defTabSz="914400" rtl="0" eaLnBrk="1" latinLnBrk="0" hangingPunct="1">
+              <a:lnSpc>
+                <a:spcPct val="90000"/>
+              </a:lnSpc>
+              <a:spcBef>
+                <a:spcPts val="500"/>
+              </a:spcBef>
+              <a:buFont typeface="Arial"/>
+              <a:buChar char="•"/>
+              <a:defRPr sz="1800" kern="1200">
+                <a:solidFill>
+                  <a:schemeClr val="tx1"/>
+                </a:solidFill>
+                <a:latin typeface="+mn-lt"/>
+                <a:ea typeface="+mn-ea"/>
+                <a:cs typeface="+mn-cs"/>
+              </a:defRPr>
+            </a:lvl6pPr>
+            <a:lvl7pPr marL="2971800" indent="-228600" algn="l" defTabSz="914400" rtl="0" eaLnBrk="1" latinLnBrk="0" hangingPunct="1">
+              <a:lnSpc>
+                <a:spcPct val="90000"/>
+              </a:lnSpc>
+              <a:spcBef>
+                <a:spcPts val="500"/>
+              </a:spcBef>
+              <a:buFont typeface="Arial"/>
+              <a:buChar char="•"/>
+              <a:defRPr sz="1800" kern="1200">
+                <a:solidFill>
+                  <a:schemeClr val="tx1"/>
+                </a:solidFill>
+                <a:latin typeface="+mn-lt"/>
+                <a:ea typeface="+mn-ea"/>
+                <a:cs typeface="+mn-cs"/>
+              </a:defRPr>
+            </a:lvl7pPr>
+            <a:lvl8pPr marL="3429000" indent="-228600" algn="l" defTabSz="914400" rtl="0" eaLnBrk="1" latinLnBrk="0" hangingPunct="1">
+              <a:lnSpc>
+                <a:spcPct val="90000"/>
+              </a:lnSpc>
+              <a:spcBef>
+                <a:spcPts val="500"/>
+              </a:spcBef>
+              <a:buFont typeface="Arial"/>
+              <a:buChar char="•"/>
+              <a:defRPr sz="1800" kern="1200">
+                <a:solidFill>
+                  <a:schemeClr val="tx1"/>
+                </a:solidFill>
+                <a:latin typeface="+mn-lt"/>
+                <a:ea typeface="+mn-ea"/>
+                <a:cs typeface="+mn-cs"/>
+              </a:defRPr>
+            </a:lvl8pPr>
+            <a:lvl9pPr marL="3886200" indent="-228600" algn="l" defTabSz="914400" rtl="0" eaLnBrk="1" latinLnBrk="0" hangingPunct="1">
+              <a:lnSpc>
+                <a:spcPct val="90000"/>
+              </a:lnSpc>
+              <a:spcBef>
+                <a:spcPts val="500"/>
+              </a:spcBef>
+              <a:buFont typeface="Arial"/>
+              <a:buChar char="•"/>
+              <a:defRPr sz="1800" kern="1200">
+                <a:solidFill>
+                  <a:schemeClr val="tx1"/>
+                </a:solidFill>
+                <a:latin typeface="+mn-lt"/>
+                <a:ea typeface="+mn-ea"/>
+                <a:cs typeface="+mn-cs"/>
+              </a:defRPr>
+            </a:lvl9pPr>
+          </a:lstStyle>
           <a:p>
             <a:pPr marL="0" indent="0">
               <a:buNone/>
             </a:pPr>
             <a:r>
-              <a:rPr lang="en-US" dirty="0"/>
-              <a:t>Implications</a:t>
-            </a:r>
-          </a:p>
-          <a:p>
-            <a:pPr marL="0" indent="0">
-              <a:buNone/>
-            </a:pPr>
-            <a:endParaRPr lang="en-US" dirty="0"/>
-          </a:p>
-          <a:p>
-            <a:r>
-              <a:rPr lang="en-US" dirty="0"/>
-              <a:t>Implication 1</a:t>
-            </a:r>
-          </a:p>
-          <a:p>
-            <a:r>
-              <a:rPr lang="en-US" dirty="0"/>
-              <a:t>Implication 2</a:t>
-            </a:r>
-          </a:p>
-          <a:p>
-            <a:r>
-              <a:rPr lang="en-US" dirty="0"/>
-              <a:t>Implication 3</a:t>
+              <a:rPr lang="en-US" dirty="0">
+                <a:latin typeface="-apple-system"/>
+              </a:rPr>
+              <a:t>By combining these objects, the following geographical trends about launch locations are discovered:</a:t>
+            </a:r>
+          </a:p>
+          <a:p>
+            <a:r>
+              <a:rPr lang="en-US" dirty="0">
+                <a:solidFill>
+                  <a:schemeClr val="tx1"/>
+                </a:solidFill>
+                <a:latin typeface="-apple-system"/>
+              </a:rPr>
+              <a:t>Yes</a:t>
+            </a:r>
+            <a:r>
+              <a:rPr lang="en-US" dirty="0">
+                <a:latin typeface="-apple-system"/>
+              </a:rPr>
+              <a:t>, launch sites close proximity to </a:t>
+            </a:r>
+            <a:r>
+              <a:rPr lang="en-US" b="1" dirty="0">
+                <a:latin typeface="-apple-system"/>
+              </a:rPr>
+              <a:t>railways </a:t>
+            </a:r>
+          </a:p>
+          <a:p>
+            <a:r>
+              <a:rPr lang="en-US" dirty="0">
+                <a:solidFill>
+                  <a:schemeClr val="tx1"/>
+                </a:solidFill>
+                <a:latin typeface="-apple-system"/>
+              </a:rPr>
+              <a:t>Yes</a:t>
+            </a:r>
+            <a:r>
+              <a:rPr lang="en-US" dirty="0">
+                <a:latin typeface="-apple-system"/>
+              </a:rPr>
+              <a:t>, launch sites in close proximity to </a:t>
+            </a:r>
+            <a:r>
+              <a:rPr lang="en-US" b="1" dirty="0">
+                <a:latin typeface="-apple-system"/>
+              </a:rPr>
+              <a:t>highways</a:t>
+            </a:r>
+          </a:p>
+          <a:p>
+            <a:r>
+              <a:rPr lang="en-US" dirty="0">
+                <a:solidFill>
+                  <a:schemeClr val="tx1"/>
+                </a:solidFill>
+                <a:latin typeface="-apple-system"/>
+              </a:rPr>
+              <a:t>Yes</a:t>
+            </a:r>
+            <a:r>
+              <a:rPr lang="en-US" dirty="0">
+                <a:latin typeface="-apple-system"/>
+              </a:rPr>
+              <a:t>, launch sites in close proximity to </a:t>
+            </a:r>
+            <a:r>
+              <a:rPr lang="en-US" b="1" dirty="0">
+                <a:latin typeface="-apple-system"/>
+              </a:rPr>
+              <a:t>coastline</a:t>
+            </a:r>
+          </a:p>
+          <a:p>
+            <a:r>
+              <a:rPr lang="en-US" dirty="0">
+                <a:solidFill>
+                  <a:schemeClr val="tx1"/>
+                </a:solidFill>
+                <a:latin typeface="-apple-system"/>
+              </a:rPr>
+              <a:t>Yes</a:t>
+            </a:r>
+            <a:r>
+              <a:rPr lang="en-US" dirty="0">
+                <a:latin typeface="-apple-system"/>
+              </a:rPr>
+              <a:t>, 	launch sites keep certain distance away from </a:t>
+            </a:r>
+            <a:r>
+              <a:rPr lang="en-US" b="1" dirty="0">
+                <a:latin typeface="-apple-system"/>
+              </a:rPr>
+              <a:t>cities</a:t>
             </a:r>
           </a:p>
         </p:txBody>
       </p:sp>
+      <p:cxnSp>
+        <p:nvCxnSpPr>
+          <p:cNvPr id="10" name="Straight Connector 9">
+            <a:extLst>
+              <a:ext uri="{FF2B5EF4-FFF2-40B4-BE49-F238E27FC236}">
+                <a16:creationId xmlns:a16="http://schemas.microsoft.com/office/drawing/2014/main" id="{BA533738-BB0F-074F-501B-D279E745EC62}"/>
+              </a:ext>
+            </a:extLst>
+          </p:cNvPr>
+          <p:cNvCxnSpPr/>
+          <p:nvPr/>
+        </p:nvCxnSpPr>
+        <p:spPr>
+          <a:xfrm>
+            <a:off x="4681182" y="1419367"/>
+            <a:ext cx="0" cy="4757596"/>
+          </a:xfrm>
+          <a:prstGeom prst="line">
+            <a:avLst/>
+          </a:prstGeom>
+        </p:spPr>
+        <p:style>
+          <a:lnRef idx="1">
+            <a:schemeClr val="accent1"/>
+          </a:lnRef>
+          <a:fillRef idx="0">
+            <a:schemeClr val="accent1"/>
+          </a:fillRef>
+          <a:effectRef idx="0">
+            <a:schemeClr val="accent1"/>
+          </a:effectRef>
+          <a:fontRef idx="minor">
+            <a:schemeClr val="tx1"/>
+          </a:fontRef>
+        </p:style>
+      </p:cxnSp>
     </p:spTree>
     <p:extLst>
       <p:ext uri="{BB962C8B-B14F-4D97-AF65-F5344CB8AC3E}">
-        <p14:creationId xmlns:p14="http://schemas.microsoft.com/office/powerpoint/2010/main" val="2659604895"/>
+        <p14:creationId xmlns:p14="http://schemas.microsoft.com/office/powerpoint/2010/main" val="2026832252"/>
       </p:ext>
     </p:extLst>
   </p:cSld>
@@ -6375,7 +7308,7 @@
           <p:cNvPr id="2" name="Title 1">
             <a:extLst>
               <a:ext uri="{FF2B5EF4-FFF2-40B4-BE49-F238E27FC236}">
-                <a16:creationId xmlns:a16="http://schemas.microsoft.com/office/drawing/2014/main" id="{2873BEC0-94F5-4226-A9E7-51B66045EF49}"/>
+                <a16:creationId xmlns:a16="http://schemas.microsoft.com/office/drawing/2014/main" id="{0FE21311-E592-9BDF-2583-6F31670FF3D9}"/>
               </a:ext>
             </a:extLst>
           </p:cNvPr>
@@ -6386,21 +7319,28 @@
             <p:ph type="title"/>
           </p:nvPr>
         </p:nvSpPr>
-        <p:spPr>
-          <a:xfrm>
-            <a:off x="838200" y="365125"/>
-            <a:ext cx="10515600" cy="1325563"/>
-          </a:xfrm>
-        </p:spPr>
+        <p:spPr/>
         <p:txBody>
-          <a:bodyPr anchor="ctr">
-            <a:normAutofit/>
-          </a:bodyPr>
+          <a:bodyPr/>
           <a:lstStyle/>
           <a:p>
             <a:r>
-              <a:rPr lang="en-US" dirty="0"/>
-              <a:t>DASHBOARD</a:t>
+              <a:rPr lang="en-US" b="1" dirty="0">
+                <a:latin typeface="-apple-system"/>
+              </a:rPr>
+              <a:t>Build a Dashboard with </a:t>
+            </a:r>
+            <a:r>
+              <a:rPr lang="en-US" b="1" dirty="0" err="1">
+                <a:latin typeface="-apple-system"/>
+              </a:rPr>
+              <a:t>Plotly</a:t>
+            </a:r>
+            <a:r>
+              <a:rPr lang="en-US" b="1" dirty="0">
+                <a:latin typeface="-apple-system"/>
+              </a:rPr>
+              <a:t> Dash</a:t>
             </a:r>
           </a:p>
         </p:txBody>
@@ -6410,7 +7350,47 @@
           <p:cNvPr id="3" name="Content Placeholder 2">
             <a:extLst>
               <a:ext uri="{FF2B5EF4-FFF2-40B4-BE49-F238E27FC236}">
-                <a16:creationId xmlns:a16="http://schemas.microsoft.com/office/drawing/2014/main" id="{902FD5C4-FE5F-46D2-ABC9-49FA4BB8442F}"/>
+                <a16:creationId xmlns:a16="http://schemas.microsoft.com/office/drawing/2014/main" id="{620C2DA3-71AC-E606-BD9B-0F2BC82E8051}"/>
+              </a:ext>
+            </a:extLst>
+          </p:cNvPr>
+          <p:cNvSpPr>
+            <a:spLocks noGrp="1"/>
+          </p:cNvSpPr>
+          <p:nvPr>
+            <p:ph sz="half" idx="1"/>
+          </p:nvPr>
+        </p:nvSpPr>
+        <p:spPr/>
+        <p:txBody>
+          <a:bodyPr/>
+          <a:lstStyle/>
+          <a:p>
+            <a:pPr marL="0" indent="0">
+              <a:buNone/>
+            </a:pPr>
+            <a:r>
+              <a:rPr lang="en-US" dirty="0"/>
+              <a:t>The dashboard shows us :</a:t>
+            </a:r>
+          </a:p>
+          <a:p>
+            <a:pPr marL="0" indent="0">
+              <a:buNone/>
+            </a:pPr>
+            <a:r>
+              <a:rPr lang="en-US" dirty="0"/>
+              <a:t>1- a pie chart displaying each site's successful launch. This graph is helpful since it allows you to see the success rate of launches on specific sites or view the distribution of landing results across all launch locations.</a:t>
+            </a:r>
+          </a:p>
+        </p:txBody>
+      </p:sp>
+      <p:sp>
+        <p:nvSpPr>
+          <p:cNvPr id="4" name="Content Placeholder 3">
+            <a:extLst>
+              <a:ext uri="{FF2B5EF4-FFF2-40B4-BE49-F238E27FC236}">
+                <a16:creationId xmlns:a16="http://schemas.microsoft.com/office/drawing/2014/main" id="{AD196B8E-DE93-FE10-8198-2949183F9744}"/>
               </a:ext>
             </a:extLst>
           </p:cNvPr>
@@ -6423,60 +7403,64 @@
         </p:nvSpPr>
         <p:spPr>
           <a:xfrm>
-            <a:off x="4285075" y="3142210"/>
-            <a:ext cx="7068725" cy="2569239"/>
+            <a:off x="6096000" y="2276002"/>
+            <a:ext cx="5181600" cy="4351338"/>
           </a:xfrm>
         </p:spPr>
         <p:txBody>
-          <a:bodyPr>
-            <a:normAutofit/>
-          </a:bodyPr>
+          <a:bodyPr/>
           <a:lstStyle/>
           <a:p>
             <a:pPr marL="0" indent="0">
               <a:buNone/>
             </a:pPr>
             <a:r>
-              <a:rPr lang="en-US" sz="2200" dirty="0"/>
-              <a:t>&lt;The permanent link of the read-only view of the Cognos dashboard goes here.&gt;</a:t>
-            </a:r>
+              <a:rPr lang="en-US" dirty="0"/>
+              <a:t>2- a scatter diagram showing the link between landing success and the mass of various boosters. </a:t>
+            </a:r>
+          </a:p>
+          <a:p>
+            <a:pPr marL="0" indent="0">
+              <a:buNone/>
+            </a:pPr>
+            <a:endParaRPr lang="en-US" dirty="0"/>
+          </a:p>
+          <a:p>
+            <a:pPr marL="0" indent="0">
+              <a:buNone/>
+            </a:pPr>
+            <a:endParaRPr lang="en-US" dirty="0"/>
+          </a:p>
+          <a:p>
+            <a:pPr marL="0" indent="0">
+              <a:buNone/>
+            </a:pPr>
+            <a:endParaRPr lang="en-US" dirty="0"/>
+          </a:p>
+          <a:p>
+            <a:pPr marL="0" indent="0">
+              <a:buNone/>
+            </a:pPr>
+            <a:endParaRPr lang="en-US" dirty="0"/>
+          </a:p>
+          <a:p>
+            <a:pPr marL="0" indent="0">
+              <a:buNone/>
+            </a:pPr>
+            <a:r>
+              <a:rPr lang="en-US" dirty="0">
+                <a:hlinkClick r:id="rId3"/>
+              </a:rPr>
+              <a:t>Click here</a:t>
+            </a:r>
+            <a:endParaRPr lang="en-US" dirty="0"/>
           </a:p>
         </p:txBody>
       </p:sp>
-      <p:pic>
-        <p:nvPicPr>
-          <p:cNvPr id="5" name="Picture 4">
-            <a:extLst>
-              <a:ext uri="{FF2B5EF4-FFF2-40B4-BE49-F238E27FC236}">
-                <a16:creationId xmlns:a16="http://schemas.microsoft.com/office/drawing/2014/main" id="{49F6C466-B847-478E-ADAD-F2B14AA5067A}"/>
-              </a:ext>
-            </a:extLst>
-          </p:cNvPr>
-          <p:cNvPicPr>
-            <a:picLocks noChangeAspect="1"/>
-          </p:cNvPicPr>
-          <p:nvPr/>
-        </p:nvPicPr>
-        <p:blipFill>
-          <a:blip r:embed="rId2"/>
-          <a:stretch>
-            <a:fillRect/>
-          </a:stretch>
-        </p:blipFill>
-        <p:spPr>
-          <a:xfrm>
-            <a:off x="1077475" y="1901819"/>
-            <a:ext cx="3054361" cy="3054361"/>
-          </a:xfrm>
-          <a:prstGeom prst="rect">
-            <a:avLst/>
-          </a:prstGeom>
-        </p:spPr>
-      </p:pic>
     </p:spTree>
     <p:extLst>
       <p:ext uri="{BB962C8B-B14F-4D97-AF65-F5344CB8AC3E}">
-        <p14:creationId xmlns:p14="http://schemas.microsoft.com/office/powerpoint/2010/main" val="9691683"/>
+        <p14:creationId xmlns:p14="http://schemas.microsoft.com/office/powerpoint/2010/main" val="3846805622"/>
       </p:ext>
     </p:extLst>
   </p:cSld>
@@ -6508,7 +7492,7 @@
           <p:cNvPr id="2" name="Title 1">
             <a:extLst>
               <a:ext uri="{FF2B5EF4-FFF2-40B4-BE49-F238E27FC236}">
-                <a16:creationId xmlns:a16="http://schemas.microsoft.com/office/drawing/2014/main" id="{2873BEC0-94F5-4226-A9E7-51B66045EF49}"/>
+                <a16:creationId xmlns:a16="http://schemas.microsoft.com/office/drawing/2014/main" id="{90F24AFC-6951-EC09-17C5-F3A517763ED0}"/>
               </a:ext>
             </a:extLst>
           </p:cNvPr>
@@ -6519,31 +7503,34 @@
             <p:ph type="title"/>
           </p:nvPr>
         </p:nvSpPr>
-        <p:spPr>
-          <a:xfrm>
-            <a:off x="838200" y="365125"/>
-            <a:ext cx="10515600" cy="1325563"/>
-          </a:xfrm>
-        </p:spPr>
+        <p:spPr/>
         <p:txBody>
-          <a:bodyPr anchor="ctr">
-            <a:normAutofit/>
-          </a:bodyPr>
+          <a:bodyPr/>
           <a:lstStyle/>
           <a:p>
             <a:r>
-              <a:rPr lang="en-US" dirty="0"/>
-              <a:t>DASHBOARD TAB 1</a:t>
+              <a:rPr lang="en-US" b="0" i="0" dirty="0">
+                <a:solidFill>
+                  <a:srgbClr val="212529"/>
+                </a:solidFill>
+                <a:effectLst/>
+                <a:latin typeface="-apple-system"/>
+              </a:rPr>
+              <a:t> </a:t>
+            </a:r>
+            <a:r>
+              <a:rPr lang="en-US" sz="3600" dirty="0"/>
+              <a:t>Predictive Analysis Methodology</a:t>
             </a:r>
           </a:p>
         </p:txBody>
       </p:sp>
       <p:sp>
         <p:nvSpPr>
-          <p:cNvPr id="8" name="Content Placeholder 2">
+          <p:cNvPr id="3" name="Content Placeholder 2">
             <a:extLst>
               <a:ext uri="{FF2B5EF4-FFF2-40B4-BE49-F238E27FC236}">
-                <a16:creationId xmlns:a16="http://schemas.microsoft.com/office/drawing/2014/main" id="{EFCC0E64-0E5B-4BA1-BC72-30FA1DE96F29}"/>
+                <a16:creationId xmlns:a16="http://schemas.microsoft.com/office/drawing/2014/main" id="{F8F284AD-BCAB-E44E-A185-4B9B48DB4B5A}"/>
               </a:ext>
             </a:extLst>
           </p:cNvPr>
@@ -6551,13 +7538,13 @@
             <a:spLocks noGrp="1"/>
           </p:cNvSpPr>
           <p:nvPr>
-            <p:ph idx="1"/>
+            <p:ph sz="half" idx="1"/>
           </p:nvPr>
         </p:nvSpPr>
         <p:spPr>
           <a:xfrm>
-            <a:off x="838200" y="1690688"/>
-            <a:ext cx="10515600" cy="4351338"/>
+            <a:off x="341193" y="1825625"/>
+            <a:ext cx="11286699" cy="4351338"/>
           </a:xfrm>
         </p:spPr>
         <p:txBody>
@@ -6567,29 +7554,100 @@
             <a:pPr marL="0" indent="0">
               <a:buNone/>
             </a:pPr>
-            <a:endParaRPr lang="en-US" dirty="0"/>
+            <a:r>
+              <a:rPr lang="en-US" sz="3200" b="0" i="0" u="none" strike="noStrike" baseline="0" dirty="0">
+                <a:latin typeface="MicrosoftJhengHeiRegular"/>
+              </a:rPr>
+              <a:t>1- Create column for “Class”</a:t>
+            </a:r>
           </a:p>
           <a:p>
             <a:pPr marL="0" indent="0">
               <a:buNone/>
             </a:pPr>
-            <a:endParaRPr lang="en-US" dirty="0"/>
+            <a:r>
+              <a:rPr lang="en-US" sz="3200" dirty="0">
+                <a:latin typeface="MicrosoftJhengHeiRegular"/>
+              </a:rPr>
+              <a:t>2-</a:t>
+            </a:r>
+            <a:r>
+              <a:rPr lang="en-US" sz="3200" b="0" i="0" u="none" strike="noStrike" baseline="0" dirty="0">
+                <a:latin typeface="MicrosoftJhengHeiRegular"/>
+              </a:rPr>
+              <a:t>Standardizing the data</a:t>
+            </a:r>
+            <a:endParaRPr lang="en-US" sz="3200" dirty="0">
+              <a:latin typeface="MicrosoftJhengHeiRegular"/>
+            </a:endParaRPr>
           </a:p>
           <a:p>
             <a:pPr marL="0" indent="0">
               <a:buNone/>
             </a:pPr>
             <a:r>
-              <a:rPr lang="en-US" dirty="0"/>
-              <a:t>Screenshot of dashboard tab 1 goes here</a:t>
-            </a:r>
+              <a:rPr lang="en-US" sz="3200" b="0" i="0" u="none" strike="noStrike" baseline="0" dirty="0">
+                <a:latin typeface="MicrosoftJhengHeiRegular"/>
+              </a:rPr>
+              <a:t>3-Split into training and test set</a:t>
+            </a:r>
+          </a:p>
+          <a:p>
+            <a:pPr marL="0" indent="0" algn="l">
+              <a:buNone/>
+            </a:pPr>
+            <a:r>
+              <a:rPr lang="en-US" sz="3200" dirty="0">
+                <a:latin typeface="MicrosoftJhengHeiRegular"/>
+              </a:rPr>
+              <a:t>4- </a:t>
+            </a:r>
+            <a:r>
+              <a:rPr lang="en-US" sz="3200" b="0" i="0" u="none" strike="noStrike" baseline="0" dirty="0">
+                <a:latin typeface="MicrosoftJhengHeiRegular"/>
+              </a:rPr>
+              <a:t>Find best Hyperparameter for SVM, Decision Trees, K-Nearest Neighbors and Logistic Regression.</a:t>
+            </a:r>
+          </a:p>
+          <a:p>
+            <a:pPr marL="0" indent="0" algn="l">
+              <a:buNone/>
+            </a:pPr>
+            <a:r>
+              <a:rPr lang="en-US" sz="3200" dirty="0">
+                <a:latin typeface="MicrosoftJhengHeiRegular"/>
+              </a:rPr>
+              <a:t>5-</a:t>
+            </a:r>
+            <a:r>
+              <a:rPr lang="en-US" sz="3200" b="0" i="0" u="none" strike="noStrike" baseline="0" dirty="0">
+                <a:latin typeface="MicrosoftJhengHeiRegular"/>
+              </a:rPr>
+              <a:t>Use test data to evaluate models based on their accuracy scores and confusion matrix</a:t>
+            </a:r>
+            <a:endParaRPr lang="en-US" sz="3200" dirty="0">
+              <a:latin typeface="MicrosoftJhengHeiRegular"/>
+            </a:endParaRPr>
+          </a:p>
+          <a:p>
+            <a:pPr algn="l"/>
+            <a:r>
+              <a:rPr lang="en-US" sz="1800" b="0" i="0" u="none" strike="noStrike" baseline="0" dirty="0">
+                <a:latin typeface="MicrosoftJhengHeiRegular"/>
+                <a:hlinkClick r:id="rId2"/>
+              </a:rPr>
+              <a:t>Click here</a:t>
+            </a:r>
+            <a:endParaRPr lang="en-US" sz="1800" b="0" i="0" u="none" strike="noStrike" baseline="0" dirty="0">
+              <a:latin typeface="MicrosoftJhengHeiRegular"/>
+            </a:endParaRPr>
           </a:p>
         </p:txBody>
       </p:sp>
     </p:spTree>
     <p:extLst>
       <p:ext uri="{BB962C8B-B14F-4D97-AF65-F5344CB8AC3E}">
-        <p14:creationId xmlns:p14="http://schemas.microsoft.com/office/powerpoint/2010/main" val="916853615"/>
+        <p14:creationId xmlns:p14="http://schemas.microsoft.com/office/powerpoint/2010/main" val="2321467358"/>
       </p:ext>
     </p:extLst>
   </p:cSld>
@@ -6646,17 +7704,17 @@
           <a:p>
             <a:r>
               <a:rPr lang="en-US" dirty="0"/>
-              <a:t>DASHBOARD TAB 2</a:t>
+              <a:t>RESULTS</a:t>
             </a:r>
           </a:p>
         </p:txBody>
       </p:sp>
       <p:sp>
         <p:nvSpPr>
-          <p:cNvPr id="8" name="Content Placeholder 2">
+          <p:cNvPr id="3" name="Content Placeholder 2">
             <a:extLst>
               <a:ext uri="{FF2B5EF4-FFF2-40B4-BE49-F238E27FC236}">
-                <a16:creationId xmlns:a16="http://schemas.microsoft.com/office/drawing/2014/main" id="{EFCC0E64-0E5B-4BA1-BC72-30FA1DE96F29}"/>
+                <a16:creationId xmlns:a16="http://schemas.microsoft.com/office/drawing/2014/main" id="{902FD5C4-FE5F-46D2-ABC9-49FA4BB8442F}"/>
               </a:ext>
             </a:extLst>
           </p:cNvPr>
@@ -6664,45 +7722,44 @@
             <a:spLocks noGrp="1"/>
           </p:cNvSpPr>
           <p:nvPr>
-            <p:ph idx="1"/>
+            <p:ph sz="half" idx="2"/>
           </p:nvPr>
         </p:nvSpPr>
         <p:spPr>
           <a:xfrm>
-            <a:off x="838200" y="1690688"/>
-            <a:ext cx="10515600" cy="4351338"/>
+            <a:off x="1043114" y="1825625"/>
+            <a:ext cx="7068725" cy="4351338"/>
           </a:xfrm>
         </p:spPr>
         <p:txBody>
-          <a:bodyPr/>
+          <a:bodyPr>
+            <a:normAutofit/>
+          </a:bodyPr>
           <a:lstStyle/>
           <a:p>
             <a:pPr marL="0" indent="0">
               <a:buNone/>
             </a:pPr>
-            <a:endParaRPr lang="en-US" dirty="0"/>
+            <a:endParaRPr lang="en-US" sz="1800" dirty="0"/>
           </a:p>
           <a:p>
             <a:pPr marL="0" indent="0">
               <a:buNone/>
             </a:pPr>
-            <a:endParaRPr lang="en-US" dirty="0"/>
+            <a:endParaRPr lang="en-US" sz="1800" dirty="0"/>
           </a:p>
           <a:p>
             <a:pPr marL="0" indent="0">
               <a:buNone/>
             </a:pPr>
-            <a:r>
-              <a:rPr lang="en-US" dirty="0"/>
-              <a:t>Screenshot of dashboard tab 2 goes here</a:t>
-            </a:r>
+            <a:endParaRPr lang="en-US" sz="1800" dirty="0"/>
           </a:p>
         </p:txBody>
       </p:sp>
     </p:spTree>
     <p:extLst>
       <p:ext uri="{BB962C8B-B14F-4D97-AF65-F5344CB8AC3E}">
-        <p14:creationId xmlns:p14="http://schemas.microsoft.com/office/powerpoint/2010/main" val="3266127139"/>
+        <p14:creationId xmlns:p14="http://schemas.microsoft.com/office/powerpoint/2010/main" val="1464666480"/>
       </p:ext>
     </p:extLst>
   </p:cSld>
@@ -6734,7 +7791,7 @@
           <p:cNvPr id="2" name="Title 1">
             <a:extLst>
               <a:ext uri="{FF2B5EF4-FFF2-40B4-BE49-F238E27FC236}">
-                <a16:creationId xmlns:a16="http://schemas.microsoft.com/office/drawing/2014/main" id="{2873BEC0-94F5-4226-A9E7-51B66045EF49}"/>
+                <a16:creationId xmlns:a16="http://schemas.microsoft.com/office/drawing/2014/main" id="{65C3525F-7CB4-4C06-B037-C81D2DED9B80}"/>
               </a:ext>
             </a:extLst>
           </p:cNvPr>
@@ -6745,21 +7802,86 @@
             <p:ph type="title"/>
           </p:nvPr>
         </p:nvSpPr>
+        <p:spPr/>
+        <p:txBody>
+          <a:bodyPr/>
+          <a:lstStyle/>
+          <a:p>
+            <a:r>
+              <a:rPr lang="en-US" dirty="0"/>
+              <a:t>PROGRAMMING LANGUAGE TRENDS</a:t>
+            </a:r>
+          </a:p>
+        </p:txBody>
+      </p:sp>
+      <p:sp>
+        <p:nvSpPr>
+          <p:cNvPr id="3" name="Content Placeholder 2">
+            <a:extLst>
+              <a:ext uri="{FF2B5EF4-FFF2-40B4-BE49-F238E27FC236}">
+                <a16:creationId xmlns:a16="http://schemas.microsoft.com/office/drawing/2014/main" id="{E4FC0D20-FACF-4D73-BD27-CF8F6B97546A}"/>
+              </a:ext>
+            </a:extLst>
+          </p:cNvPr>
+          <p:cNvSpPr>
+            <a:spLocks noGrp="1"/>
+          </p:cNvSpPr>
+          <p:nvPr>
+            <p:ph sz="half" idx="1"/>
+          </p:nvPr>
+        </p:nvSpPr>
         <p:spPr>
           <a:xfrm>
-            <a:off x="838200" y="365125"/>
-            <a:ext cx="10515600" cy="1325563"/>
+            <a:off x="813816" y="1825625"/>
+            <a:ext cx="2228642" cy="501939"/>
           </a:xfrm>
         </p:spPr>
         <p:txBody>
-          <a:bodyPr anchor="ctr">
-            <a:normAutofit/>
-          </a:bodyPr>
+          <a:bodyPr/>
           <a:lstStyle/>
           <a:p>
+            <a:pPr marL="0" indent="0">
+              <a:buNone/>
+            </a:pPr>
             <a:r>
               <a:rPr lang="en-US" dirty="0"/>
-              <a:t>DASHBOARD TAB 3</a:t>
+              <a:t>Current Year</a:t>
+            </a:r>
+          </a:p>
+        </p:txBody>
+      </p:sp>
+      <p:sp>
+        <p:nvSpPr>
+          <p:cNvPr id="4" name="Content Placeholder 3">
+            <a:extLst>
+              <a:ext uri="{FF2B5EF4-FFF2-40B4-BE49-F238E27FC236}">
+                <a16:creationId xmlns:a16="http://schemas.microsoft.com/office/drawing/2014/main" id="{ACA6A89D-097D-4968-A07A-39A5B4F78A62}"/>
+              </a:ext>
+            </a:extLst>
+          </p:cNvPr>
+          <p:cNvSpPr>
+            <a:spLocks noGrp="1"/>
+          </p:cNvSpPr>
+          <p:nvPr>
+            <p:ph sz="half" idx="2"/>
+          </p:nvPr>
+        </p:nvSpPr>
+        <p:spPr>
+          <a:xfrm>
+            <a:off x="6172200" y="1825625"/>
+            <a:ext cx="1758142" cy="501939"/>
+          </a:xfrm>
+        </p:spPr>
+        <p:txBody>
+          <a:bodyPr/>
+          <a:lstStyle/>
+          <a:p>
+            <a:pPr marL="0" indent="0">
+              <a:buNone/>
+            </a:pPr>
+            <a:r>
+              <a:rPr lang="en-US" dirty="0"/>
+              <a:t>Next Year</a:t>
             </a:r>
           </a:p>
         </p:txBody>
@@ -6769,45 +7891,401 @@
           <p:cNvPr id="8" name="Content Placeholder 2">
             <a:extLst>
               <a:ext uri="{FF2B5EF4-FFF2-40B4-BE49-F238E27FC236}">
-                <a16:creationId xmlns:a16="http://schemas.microsoft.com/office/drawing/2014/main" id="{EFCC0E64-0E5B-4BA1-BC72-30FA1DE96F29}"/>
+                <a16:creationId xmlns:a16="http://schemas.microsoft.com/office/drawing/2014/main" id="{D13C2F43-A283-4FD4-9C0D-BFF93C50AC01}"/>
               </a:ext>
             </a:extLst>
           </p:cNvPr>
-          <p:cNvSpPr>
-            <a:spLocks noGrp="1"/>
+          <p:cNvSpPr txBox="1">
+            <a:spLocks/>
           </p:cNvSpPr>
-          <p:nvPr>
-            <p:ph idx="1"/>
-          </p:nvPr>
+          <p:nvPr/>
         </p:nvSpPr>
         <p:spPr>
           <a:xfrm>
-            <a:off x="838200" y="1690688"/>
-            <a:ext cx="10515600" cy="4351338"/>
+            <a:off x="838199" y="2506661"/>
+            <a:ext cx="4614949" cy="3670301"/>
           </a:xfrm>
+          <a:prstGeom prst="rect">
+            <a:avLst/>
+          </a:prstGeom>
         </p:spPr>
         <p:txBody>
-          <a:bodyPr/>
-          <a:lstStyle/>
+          <a:bodyPr vert="horz" lIns="91440" tIns="45720" rIns="91440" bIns="45720" rtlCol="0">
+            <a:normAutofit/>
+          </a:bodyPr>
+          <a:lstStyle>
+            <a:lvl1pPr marL="228600" indent="-228600" algn="l" defTabSz="914400" rtl="0" eaLnBrk="1" latinLnBrk="0" hangingPunct="1">
+              <a:lnSpc>
+                <a:spcPct val="90000"/>
+              </a:lnSpc>
+              <a:spcBef>
+                <a:spcPts val="1000"/>
+              </a:spcBef>
+              <a:buFont typeface="Arial"/>
+              <a:buChar char="•"/>
+              <a:defRPr sz="2800" kern="1200">
+                <a:solidFill>
+                  <a:srgbClr val="0070C0"/>
+                </a:solidFill>
+                <a:latin typeface="IBM Plex Mono Text" panose="020B0509050203000203" pitchFamily="49" charset="0"/>
+                <a:ea typeface="+mn-ea"/>
+                <a:cs typeface="+mn-cs"/>
+              </a:defRPr>
+            </a:lvl1pPr>
+            <a:lvl2pPr marL="685800" indent="-228600" algn="l" defTabSz="914400" rtl="0" eaLnBrk="1" latinLnBrk="0" hangingPunct="1">
+              <a:lnSpc>
+                <a:spcPct val="90000"/>
+              </a:lnSpc>
+              <a:spcBef>
+                <a:spcPts val="500"/>
+              </a:spcBef>
+              <a:buFont typeface="Arial"/>
+              <a:buChar char="•"/>
+              <a:defRPr sz="2400" kern="1200">
+                <a:solidFill>
+                  <a:srgbClr val="0070C0"/>
+                </a:solidFill>
+                <a:latin typeface="IBM Plex Mono Text" panose="020B0509050203000203" pitchFamily="49" charset="0"/>
+                <a:ea typeface="+mn-ea"/>
+                <a:cs typeface="+mn-cs"/>
+              </a:defRPr>
+            </a:lvl2pPr>
+            <a:lvl3pPr marL="1143000" indent="-228600" algn="l" defTabSz="914400" rtl="0" eaLnBrk="1" latinLnBrk="0" hangingPunct="1">
+              <a:lnSpc>
+                <a:spcPct val="90000"/>
+              </a:lnSpc>
+              <a:spcBef>
+                <a:spcPts val="500"/>
+              </a:spcBef>
+              <a:buFont typeface="Arial"/>
+              <a:buChar char="•"/>
+              <a:defRPr sz="2000" kern="1200">
+                <a:solidFill>
+                  <a:srgbClr val="0070C0"/>
+                </a:solidFill>
+                <a:latin typeface="IBM Plex Mono Text" panose="020B0509050203000203" pitchFamily="49" charset="0"/>
+                <a:ea typeface="+mn-ea"/>
+                <a:cs typeface="+mn-cs"/>
+              </a:defRPr>
+            </a:lvl3pPr>
+            <a:lvl4pPr marL="1600200" indent="-228600" algn="l" defTabSz="914400" rtl="0" eaLnBrk="1" latinLnBrk="0" hangingPunct="1">
+              <a:lnSpc>
+                <a:spcPct val="90000"/>
+              </a:lnSpc>
+              <a:spcBef>
+                <a:spcPts val="500"/>
+              </a:spcBef>
+              <a:buFont typeface="Arial"/>
+              <a:buChar char="•"/>
+              <a:defRPr sz="1800" kern="1200">
+                <a:solidFill>
+                  <a:srgbClr val="0070C0"/>
+                </a:solidFill>
+                <a:latin typeface="IBM Plex Mono Text" panose="020B0509050203000203" pitchFamily="49" charset="0"/>
+                <a:ea typeface="+mn-ea"/>
+                <a:cs typeface="+mn-cs"/>
+              </a:defRPr>
+            </a:lvl4pPr>
+            <a:lvl5pPr marL="2057400" indent="-228600" algn="l" defTabSz="914400" rtl="0" eaLnBrk="1" latinLnBrk="0" hangingPunct="1">
+              <a:lnSpc>
+                <a:spcPct val="90000"/>
+              </a:lnSpc>
+              <a:spcBef>
+                <a:spcPts val="500"/>
+              </a:spcBef>
+              <a:buFont typeface="Arial"/>
+              <a:buChar char="•"/>
+              <a:defRPr sz="1800" kern="1200">
+                <a:solidFill>
+                  <a:srgbClr val="0070C0"/>
+                </a:solidFill>
+                <a:latin typeface="IBM Plex Mono Text" panose="020B0509050203000203" pitchFamily="49" charset="0"/>
+                <a:ea typeface="+mn-ea"/>
+                <a:cs typeface="+mn-cs"/>
+              </a:defRPr>
+            </a:lvl5pPr>
+            <a:lvl6pPr marL="2514600" indent="-228600" algn="l" defTabSz="914400" rtl="0" eaLnBrk="1" latinLnBrk="0" hangingPunct="1">
+              <a:lnSpc>
+                <a:spcPct val="90000"/>
+              </a:lnSpc>
+              <a:spcBef>
+                <a:spcPts val="500"/>
+              </a:spcBef>
+              <a:buFont typeface="Arial"/>
+              <a:buChar char="•"/>
+              <a:defRPr sz="1800" kern="1200">
+                <a:solidFill>
+                  <a:schemeClr val="tx1"/>
+                </a:solidFill>
+                <a:latin typeface="+mn-lt"/>
+                <a:ea typeface="+mn-ea"/>
+                <a:cs typeface="+mn-cs"/>
+              </a:defRPr>
+            </a:lvl6pPr>
+            <a:lvl7pPr marL="2971800" indent="-228600" algn="l" defTabSz="914400" rtl="0" eaLnBrk="1" latinLnBrk="0" hangingPunct="1">
+              <a:lnSpc>
+                <a:spcPct val="90000"/>
+              </a:lnSpc>
+              <a:spcBef>
+                <a:spcPts val="500"/>
+              </a:spcBef>
+              <a:buFont typeface="Arial"/>
+              <a:buChar char="•"/>
+              <a:defRPr sz="1800" kern="1200">
+                <a:solidFill>
+                  <a:schemeClr val="tx1"/>
+                </a:solidFill>
+                <a:latin typeface="+mn-lt"/>
+                <a:ea typeface="+mn-ea"/>
+                <a:cs typeface="+mn-cs"/>
+              </a:defRPr>
+            </a:lvl7pPr>
+            <a:lvl8pPr marL="3429000" indent="-228600" algn="l" defTabSz="914400" rtl="0" eaLnBrk="1" latinLnBrk="0" hangingPunct="1">
+              <a:lnSpc>
+                <a:spcPct val="90000"/>
+              </a:lnSpc>
+              <a:spcBef>
+                <a:spcPts val="500"/>
+              </a:spcBef>
+              <a:buFont typeface="Arial"/>
+              <a:buChar char="•"/>
+              <a:defRPr sz="1800" kern="1200">
+                <a:solidFill>
+                  <a:schemeClr val="tx1"/>
+                </a:solidFill>
+                <a:latin typeface="+mn-lt"/>
+                <a:ea typeface="+mn-ea"/>
+                <a:cs typeface="+mn-cs"/>
+              </a:defRPr>
+            </a:lvl8pPr>
+            <a:lvl9pPr marL="3886200" indent="-228600" algn="l" defTabSz="914400" rtl="0" eaLnBrk="1" latinLnBrk="0" hangingPunct="1">
+              <a:lnSpc>
+                <a:spcPct val="90000"/>
+              </a:lnSpc>
+              <a:spcBef>
+                <a:spcPts val="500"/>
+              </a:spcBef>
+              <a:buFont typeface="Arial"/>
+              <a:buChar char="•"/>
+              <a:defRPr sz="1800" kern="1200">
+                <a:solidFill>
+                  <a:schemeClr val="tx1"/>
+                </a:solidFill>
+                <a:latin typeface="+mn-lt"/>
+                <a:ea typeface="+mn-ea"/>
+                <a:cs typeface="+mn-cs"/>
+              </a:defRPr>
+            </a:lvl9pPr>
+          </a:lstStyle>
           <a:p>
             <a:pPr marL="0" indent="0">
               <a:buNone/>
             </a:pPr>
-            <a:endParaRPr lang="en-US" dirty="0"/>
-          </a:p>
+            <a:r>
+              <a:rPr lang="en-US" sz="2200" dirty="0"/>
+              <a:t>&lt;Bar chart of top 5 programming languages for the current year goes here.&gt;</a:t>
+            </a:r>
+          </a:p>
+        </p:txBody>
+      </p:sp>
+      <p:sp>
+        <p:nvSpPr>
+          <p:cNvPr id="10" name="Content Placeholder 2">
+            <a:extLst>
+              <a:ext uri="{FF2B5EF4-FFF2-40B4-BE49-F238E27FC236}">
+                <a16:creationId xmlns:a16="http://schemas.microsoft.com/office/drawing/2014/main" id="{AE706D50-7D14-4DB8-BE17-5497AA1715EE}"/>
+              </a:ext>
+            </a:extLst>
+          </p:cNvPr>
+          <p:cNvSpPr txBox="1">
+            <a:spLocks/>
+          </p:cNvSpPr>
+          <p:nvPr/>
+        </p:nvSpPr>
+        <p:spPr>
+          <a:xfrm>
+            <a:off x="6172200" y="2506661"/>
+            <a:ext cx="4614949" cy="3670301"/>
+          </a:xfrm>
+          <a:prstGeom prst="rect">
+            <a:avLst/>
+          </a:prstGeom>
+        </p:spPr>
+        <p:txBody>
+          <a:bodyPr vert="horz" lIns="91440" tIns="45720" rIns="91440" bIns="45720" rtlCol="0">
+            <a:normAutofit/>
+          </a:bodyPr>
+          <a:lstStyle>
+            <a:lvl1pPr marL="228600" indent="-228600" algn="l" defTabSz="914400" rtl="0" eaLnBrk="1" latinLnBrk="0" hangingPunct="1">
+              <a:lnSpc>
+                <a:spcPct val="90000"/>
+              </a:lnSpc>
+              <a:spcBef>
+                <a:spcPts val="1000"/>
+              </a:spcBef>
+              <a:buFont typeface="Arial"/>
+              <a:buChar char="•"/>
+              <a:defRPr sz="2800" kern="1200">
+                <a:solidFill>
+                  <a:srgbClr val="0070C0"/>
+                </a:solidFill>
+                <a:latin typeface="IBM Plex Mono Text" panose="020B0509050203000203" pitchFamily="49" charset="0"/>
+                <a:ea typeface="+mn-ea"/>
+                <a:cs typeface="+mn-cs"/>
+              </a:defRPr>
+            </a:lvl1pPr>
+            <a:lvl2pPr marL="685800" indent="-228600" algn="l" defTabSz="914400" rtl="0" eaLnBrk="1" latinLnBrk="0" hangingPunct="1">
+              <a:lnSpc>
+                <a:spcPct val="90000"/>
+              </a:lnSpc>
+              <a:spcBef>
+                <a:spcPts val="500"/>
+              </a:spcBef>
+              <a:buFont typeface="Arial"/>
+              <a:buChar char="•"/>
+              <a:defRPr sz="2400" kern="1200">
+                <a:solidFill>
+                  <a:srgbClr val="0070C0"/>
+                </a:solidFill>
+                <a:latin typeface="IBM Plex Mono Text" panose="020B0509050203000203" pitchFamily="49" charset="0"/>
+                <a:ea typeface="+mn-ea"/>
+                <a:cs typeface="+mn-cs"/>
+              </a:defRPr>
+            </a:lvl2pPr>
+            <a:lvl3pPr marL="1143000" indent="-228600" algn="l" defTabSz="914400" rtl="0" eaLnBrk="1" latinLnBrk="0" hangingPunct="1">
+              <a:lnSpc>
+                <a:spcPct val="90000"/>
+              </a:lnSpc>
+              <a:spcBef>
+                <a:spcPts val="500"/>
+              </a:spcBef>
+              <a:buFont typeface="Arial"/>
+              <a:buChar char="•"/>
+              <a:defRPr sz="2000" kern="1200">
+                <a:solidFill>
+                  <a:srgbClr val="0070C0"/>
+                </a:solidFill>
+                <a:latin typeface="IBM Plex Mono Text" panose="020B0509050203000203" pitchFamily="49" charset="0"/>
+                <a:ea typeface="+mn-ea"/>
+                <a:cs typeface="+mn-cs"/>
+              </a:defRPr>
+            </a:lvl3pPr>
+            <a:lvl4pPr marL="1600200" indent="-228600" algn="l" defTabSz="914400" rtl="0" eaLnBrk="1" latinLnBrk="0" hangingPunct="1">
+              <a:lnSpc>
+                <a:spcPct val="90000"/>
+              </a:lnSpc>
+              <a:spcBef>
+                <a:spcPts val="500"/>
+              </a:spcBef>
+              <a:buFont typeface="Arial"/>
+              <a:buChar char="•"/>
+              <a:defRPr sz="1800" kern="1200">
+                <a:solidFill>
+                  <a:srgbClr val="0070C0"/>
+                </a:solidFill>
+                <a:latin typeface="IBM Plex Mono Text" panose="020B0509050203000203" pitchFamily="49" charset="0"/>
+                <a:ea typeface="+mn-ea"/>
+                <a:cs typeface="+mn-cs"/>
+              </a:defRPr>
+            </a:lvl4pPr>
+            <a:lvl5pPr marL="2057400" indent="-228600" algn="l" defTabSz="914400" rtl="0" eaLnBrk="1" latinLnBrk="0" hangingPunct="1">
+              <a:lnSpc>
+                <a:spcPct val="90000"/>
+              </a:lnSpc>
+              <a:spcBef>
+                <a:spcPts val="500"/>
+              </a:spcBef>
+              <a:buFont typeface="Arial"/>
+              <a:buChar char="•"/>
+              <a:defRPr sz="1800" kern="1200">
+                <a:solidFill>
+                  <a:srgbClr val="0070C0"/>
+                </a:solidFill>
+                <a:latin typeface="IBM Plex Mono Text" panose="020B0509050203000203" pitchFamily="49" charset="0"/>
+                <a:ea typeface="+mn-ea"/>
+                <a:cs typeface="+mn-cs"/>
+              </a:defRPr>
+            </a:lvl5pPr>
+            <a:lvl6pPr marL="2514600" indent="-228600" algn="l" defTabSz="914400" rtl="0" eaLnBrk="1" latinLnBrk="0" hangingPunct="1">
+              <a:lnSpc>
+                <a:spcPct val="90000"/>
+              </a:lnSpc>
+              <a:spcBef>
+                <a:spcPts val="500"/>
+              </a:spcBef>
+              <a:buFont typeface="Arial"/>
+              <a:buChar char="•"/>
+              <a:defRPr sz="1800" kern="1200">
+                <a:solidFill>
+                  <a:schemeClr val="tx1"/>
+                </a:solidFill>
+                <a:latin typeface="+mn-lt"/>
+                <a:ea typeface="+mn-ea"/>
+                <a:cs typeface="+mn-cs"/>
+              </a:defRPr>
+            </a:lvl6pPr>
+            <a:lvl7pPr marL="2971800" indent="-228600" algn="l" defTabSz="914400" rtl="0" eaLnBrk="1" latinLnBrk="0" hangingPunct="1">
+              <a:lnSpc>
+                <a:spcPct val="90000"/>
+              </a:lnSpc>
+              <a:spcBef>
+                <a:spcPts val="500"/>
+              </a:spcBef>
+              <a:buFont typeface="Arial"/>
+              <a:buChar char="•"/>
+              <a:defRPr sz="1800" kern="1200">
+                <a:solidFill>
+                  <a:schemeClr val="tx1"/>
+                </a:solidFill>
+                <a:latin typeface="+mn-lt"/>
+                <a:ea typeface="+mn-ea"/>
+                <a:cs typeface="+mn-cs"/>
+              </a:defRPr>
+            </a:lvl7pPr>
+            <a:lvl8pPr marL="3429000" indent="-228600" algn="l" defTabSz="914400" rtl="0" eaLnBrk="1" latinLnBrk="0" hangingPunct="1">
+              <a:lnSpc>
+                <a:spcPct val="90000"/>
+              </a:lnSpc>
+              <a:spcBef>
+                <a:spcPts val="500"/>
+              </a:spcBef>
+              <a:buFont typeface="Arial"/>
+              <a:buChar char="•"/>
+              <a:defRPr sz="1800" kern="1200">
+                <a:solidFill>
+                  <a:schemeClr val="tx1"/>
+                </a:solidFill>
+                <a:latin typeface="+mn-lt"/>
+                <a:ea typeface="+mn-ea"/>
+                <a:cs typeface="+mn-cs"/>
+              </a:defRPr>
+            </a:lvl8pPr>
+            <a:lvl9pPr marL="3886200" indent="-228600" algn="l" defTabSz="914400" rtl="0" eaLnBrk="1" latinLnBrk="0" hangingPunct="1">
+              <a:lnSpc>
+                <a:spcPct val="90000"/>
+              </a:lnSpc>
+              <a:spcBef>
+                <a:spcPts val="500"/>
+              </a:spcBef>
+              <a:buFont typeface="Arial"/>
+              <a:buChar char="•"/>
+              <a:defRPr sz="1800" kern="1200">
+                <a:solidFill>
+                  <a:schemeClr val="tx1"/>
+                </a:solidFill>
+                <a:latin typeface="+mn-lt"/>
+                <a:ea typeface="+mn-ea"/>
+                <a:cs typeface="+mn-cs"/>
+              </a:defRPr>
+            </a:lvl9pPr>
+          </a:lstStyle>
           <a:p>
             <a:pPr marL="0" indent="0">
               <a:buNone/>
             </a:pPr>
-            <a:endParaRPr lang="en-US" dirty="0"/>
-          </a:p>
-          <a:p>
-            <a:pPr marL="0" indent="0">
-              <a:buNone/>
-            </a:pPr>
-            <a:r>
-              <a:rPr lang="en-US" dirty="0"/>
-              <a:t>Screenshot of dashboard tab 3 goes here</a:t>
+            <a:r>
+              <a:rPr lang="en-US" sz="2200" dirty="0"/>
+              <a:t>&lt; Bar chart of top 5 programming languages for the next year goes here.&gt;</a:t>
             </a:r>
           </a:p>
         </p:txBody>
@@ -6815,7 +8293,7 @@
     </p:spTree>
     <p:extLst>
       <p:ext uri="{BB962C8B-B14F-4D97-AF65-F5344CB8AC3E}">
-        <p14:creationId xmlns:p14="http://schemas.microsoft.com/office/powerpoint/2010/main" val="3517973280"/>
+        <p14:creationId xmlns:p14="http://schemas.microsoft.com/office/powerpoint/2010/main" val="1957259874"/>
       </p:ext>
     </p:extLst>
   </p:cSld>
@@ -6847,7 +8325,7 @@
           <p:cNvPr id="2" name="Title 1">
             <a:extLst>
               <a:ext uri="{FF2B5EF4-FFF2-40B4-BE49-F238E27FC236}">
-                <a16:creationId xmlns:a16="http://schemas.microsoft.com/office/drawing/2014/main" id="{2873BEC0-94F5-4226-A9E7-51B66045EF49}"/>
+                <a16:creationId xmlns:a16="http://schemas.microsoft.com/office/drawing/2014/main" id="{65C3525F-7CB4-4C06-B037-C81D2DED9B80}"/>
               </a:ext>
             </a:extLst>
           </p:cNvPr>
@@ -6858,64 +8336,86 @@
             <p:ph type="title"/>
           </p:nvPr>
         </p:nvSpPr>
+        <p:spPr/>
+        <p:txBody>
+          <a:bodyPr>
+            <a:normAutofit/>
+          </a:bodyPr>
+          <a:lstStyle/>
+          <a:p>
+            <a:r>
+              <a:rPr lang="en-US" sz="2800" dirty="0"/>
+              <a:t>PROGRAMMING LANGUAGE TRENDS - FINDINGS &amp; IMPLICATIONS</a:t>
+            </a:r>
+          </a:p>
+        </p:txBody>
+      </p:sp>
+      <p:sp>
+        <p:nvSpPr>
+          <p:cNvPr id="3" name="Content Placeholder 2">
+            <a:extLst>
+              <a:ext uri="{FF2B5EF4-FFF2-40B4-BE49-F238E27FC236}">
+                <a16:creationId xmlns:a16="http://schemas.microsoft.com/office/drawing/2014/main" id="{E4FC0D20-FACF-4D73-BD27-CF8F6B97546A}"/>
+              </a:ext>
+            </a:extLst>
+          </p:cNvPr>
+          <p:cNvSpPr>
+            <a:spLocks noGrp="1"/>
+          </p:cNvSpPr>
+          <p:nvPr>
+            <p:ph sz="half" idx="1"/>
+          </p:nvPr>
+        </p:nvSpPr>
         <p:spPr>
           <a:xfrm>
-            <a:off x="838200" y="365125"/>
-            <a:ext cx="10515600" cy="1325563"/>
+            <a:off x="813816" y="1825625"/>
+            <a:ext cx="5181600" cy="4351338"/>
           </a:xfrm>
         </p:spPr>
         <p:txBody>
-          <a:bodyPr anchor="ctr">
-            <a:normAutofit/>
-          </a:bodyPr>
+          <a:bodyPr/>
           <a:lstStyle/>
           <a:p>
+            <a:pPr marL="0" indent="0">
+              <a:buNone/>
+            </a:pPr>
             <a:r>
               <a:rPr lang="en-US" dirty="0"/>
-              <a:t>DISCUSSION</a:t>
+              <a:t>Findings</a:t>
+            </a:r>
+          </a:p>
+          <a:p>
+            <a:pPr marL="0" indent="0">
+              <a:buNone/>
+            </a:pPr>
+            <a:endParaRPr lang="en-US" dirty="0"/>
+          </a:p>
+          <a:p>
+            <a:r>
+              <a:rPr lang="en-US" dirty="0"/>
+              <a:t>Finding 1</a:t>
+            </a:r>
+          </a:p>
+          <a:p>
+            <a:r>
+              <a:rPr lang="en-US" dirty="0"/>
+              <a:t>Finding 2</a:t>
+            </a:r>
+          </a:p>
+          <a:p>
+            <a:r>
+              <a:rPr lang="en-US" dirty="0"/>
+              <a:t>Finding 3</a:t>
             </a:r>
           </a:p>
         </p:txBody>
       </p:sp>
-      <p:pic>
-        <p:nvPicPr>
-          <p:cNvPr id="3" name="Content Placeholder 2">
+      <p:sp>
+        <p:nvSpPr>
+          <p:cNvPr id="4" name="Content Placeholder 3">
             <a:extLst>
               <a:ext uri="{FF2B5EF4-FFF2-40B4-BE49-F238E27FC236}">
-                <a16:creationId xmlns:a16="http://schemas.microsoft.com/office/drawing/2014/main" id="{22E5FA6B-CA5C-4FB5-AAB3-8260D2EF86C9}"/>
-              </a:ext>
-            </a:extLst>
-          </p:cNvPr>
-          <p:cNvPicPr>
-            <a:picLocks noGrp="1" noChangeAspect="1"/>
-          </p:cNvPicPr>
-          <p:nvPr>
-            <p:ph sz="half" idx="1"/>
-          </p:nvPr>
-        </p:nvPicPr>
-        <p:blipFill>
-          <a:blip r:embed="rId2"/>
-          <a:stretch>
-            <a:fillRect/>
-          </a:stretch>
-        </p:blipFill>
-        <p:spPr>
-          <a:xfrm>
-            <a:off x="1253331" y="1825625"/>
-            <a:ext cx="4351338" cy="4351338"/>
-          </a:xfrm>
-          <a:prstGeom prst="rect">
-            <a:avLst/>
-          </a:prstGeom>
-          <a:noFill/>
-        </p:spPr>
-      </p:pic>
-      <p:sp>
-        <p:nvSpPr>
-          <p:cNvPr id="5" name="Content Placeholder 3">
-            <a:extLst>
-              <a:ext uri="{FF2B5EF4-FFF2-40B4-BE49-F238E27FC236}">
-                <a16:creationId xmlns:a16="http://schemas.microsoft.com/office/drawing/2014/main" id="{28684E62-A9F8-4E7A-AB01-78893062A1B4}"/>
+                <a16:creationId xmlns:a16="http://schemas.microsoft.com/office/drawing/2014/main" id="{ACA6A89D-097D-4968-A07A-39A5B4F78A62}"/>
               </a:ext>
             </a:extLst>
           </p:cNvPr>
@@ -6926,24 +8426,49 @@
             <p:ph sz="half" idx="2"/>
           </p:nvPr>
         </p:nvSpPr>
-        <p:spPr>
-          <a:xfrm>
-            <a:off x="6172200" y="1825625"/>
-            <a:ext cx="5181600" cy="4351338"/>
-          </a:xfrm>
-        </p:spPr>
+        <p:spPr/>
         <p:txBody>
           <a:bodyPr/>
           <a:lstStyle/>
           <a:p>
+            <a:pPr marL="0" indent="0">
+              <a:buNone/>
+            </a:pPr>
+            <a:r>
+              <a:rPr lang="en-US" dirty="0"/>
+              <a:t>Implications</a:t>
+            </a:r>
+          </a:p>
+          <a:p>
+            <a:pPr marL="0" indent="0">
+              <a:buNone/>
+            </a:pPr>
             <a:endParaRPr lang="en-US" dirty="0"/>
+          </a:p>
+          <a:p>
+            <a:r>
+              <a:rPr lang="en-US" dirty="0"/>
+              <a:t>Implication 1</a:t>
+            </a:r>
+          </a:p>
+          <a:p>
+            <a:r>
+              <a:rPr lang="en-US" dirty="0"/>
+              <a:t>Implication 2</a:t>
+            </a:r>
+          </a:p>
+          <a:p>
+            <a:r>
+              <a:rPr lang="en-US" dirty="0"/>
+              <a:t>Implication 3</a:t>
+            </a:r>
           </a:p>
         </p:txBody>
       </p:sp>
     </p:spTree>
     <p:extLst>
       <p:ext uri="{BB962C8B-B14F-4D97-AF65-F5344CB8AC3E}">
-        <p14:creationId xmlns:p14="http://schemas.microsoft.com/office/powerpoint/2010/main" val="2161130591"/>
+        <p14:creationId xmlns:p14="http://schemas.microsoft.com/office/powerpoint/2010/main" val="545569246"/>
       </p:ext>
     </p:extLst>
   </p:cSld>
@@ -6986,14 +8511,19 @@
             <p:ph type="title"/>
           </p:nvPr>
         </p:nvSpPr>
-        <p:spPr/>
+        <p:spPr>
+          <a:xfrm>
+            <a:off x="862584" y="428768"/>
+            <a:ext cx="10515600" cy="1325563"/>
+          </a:xfrm>
+        </p:spPr>
         <p:txBody>
           <a:bodyPr/>
           <a:lstStyle/>
           <a:p>
             <a:r>
               <a:rPr lang="en-US" dirty="0"/>
-              <a:t>OVERALL FINDINGS &amp; IMPLICATIONS</a:t>
+              <a:t>DATABASE TRENDS</a:t>
             </a:r>
           </a:p>
         </p:txBody>
@@ -7017,13 +8547,11 @@
         <p:spPr>
           <a:xfrm>
             <a:off x="813816" y="1825625"/>
-            <a:ext cx="5181600" cy="4351338"/>
+            <a:ext cx="2228642" cy="501939"/>
           </a:xfrm>
         </p:spPr>
         <p:txBody>
-          <a:bodyPr>
-            <a:normAutofit/>
-          </a:bodyPr>
+          <a:bodyPr/>
           <a:lstStyle/>
           <a:p>
             <a:pPr marL="0" indent="0">
@@ -7031,31 +8559,7 @@
             </a:pPr>
             <a:r>
               <a:rPr lang="en-US" dirty="0"/>
-              <a:t>Findings</a:t>
-            </a:r>
-          </a:p>
-          <a:p>
-            <a:pPr marL="0" indent="0">
-              <a:buNone/>
-            </a:pPr>
-            <a:endParaRPr lang="en-US" dirty="0"/>
-          </a:p>
-          <a:p>
-            <a:r>
-              <a:rPr lang="en-US" dirty="0"/>
-              <a:t>Finding 1</a:t>
-            </a:r>
-          </a:p>
-          <a:p>
-            <a:r>
-              <a:rPr lang="en-US" dirty="0"/>
-              <a:t>Finding 2</a:t>
-            </a:r>
-          </a:p>
-          <a:p>
-            <a:r>
-              <a:rPr lang="en-US" dirty="0"/>
-              <a:t>Finding 3</a:t>
+              <a:t>Current Year</a:t>
             </a:r>
           </a:p>
         </p:txBody>
@@ -7076,11 +8580,14 @@
             <p:ph sz="half" idx="2"/>
           </p:nvPr>
         </p:nvSpPr>
-        <p:spPr/>
+        <p:spPr>
+          <a:xfrm>
+            <a:off x="6172200" y="1825625"/>
+            <a:ext cx="1758142" cy="501939"/>
+          </a:xfrm>
+        </p:spPr>
         <p:txBody>
-          <a:bodyPr>
-            <a:normAutofit/>
-          </a:bodyPr>
+          <a:bodyPr/>
           <a:lstStyle/>
           <a:p>
             <a:pPr marL="0" indent="0">
@@ -7088,31 +8595,411 @@
             </a:pPr>
             <a:r>
               <a:rPr lang="en-US" dirty="0"/>
-              <a:t>Implications</a:t>
-            </a:r>
-          </a:p>
+              <a:t>Next Year</a:t>
+            </a:r>
+          </a:p>
+        </p:txBody>
+      </p:sp>
+      <p:sp>
+        <p:nvSpPr>
+          <p:cNvPr id="8" name="Content Placeholder 2">
+            <a:extLst>
+              <a:ext uri="{FF2B5EF4-FFF2-40B4-BE49-F238E27FC236}">
+                <a16:creationId xmlns:a16="http://schemas.microsoft.com/office/drawing/2014/main" id="{D13C2F43-A283-4FD4-9C0D-BFF93C50AC01}"/>
+              </a:ext>
+            </a:extLst>
+          </p:cNvPr>
+          <p:cNvSpPr txBox="1">
+            <a:spLocks/>
+          </p:cNvSpPr>
+          <p:nvPr/>
+        </p:nvSpPr>
+        <p:spPr>
+          <a:xfrm>
+            <a:off x="838199" y="2506661"/>
+            <a:ext cx="4614949" cy="3670301"/>
+          </a:xfrm>
+          <a:prstGeom prst="rect">
+            <a:avLst/>
+          </a:prstGeom>
+        </p:spPr>
+        <p:txBody>
+          <a:bodyPr vert="horz" lIns="91440" tIns="45720" rIns="91440" bIns="45720" rtlCol="0">
+            <a:normAutofit/>
+          </a:bodyPr>
+          <a:lstStyle>
+            <a:lvl1pPr marL="228600" indent="-228600" algn="l" defTabSz="914400" rtl="0" eaLnBrk="1" latinLnBrk="0" hangingPunct="1">
+              <a:lnSpc>
+                <a:spcPct val="90000"/>
+              </a:lnSpc>
+              <a:spcBef>
+                <a:spcPts val="1000"/>
+              </a:spcBef>
+              <a:buFont typeface="Arial"/>
+              <a:buChar char="•"/>
+              <a:defRPr sz="2800" kern="1200">
+                <a:solidFill>
+                  <a:srgbClr val="0070C0"/>
+                </a:solidFill>
+                <a:latin typeface="IBM Plex Mono Text" panose="020B0509050203000203" pitchFamily="49" charset="0"/>
+                <a:ea typeface="+mn-ea"/>
+                <a:cs typeface="+mn-cs"/>
+              </a:defRPr>
+            </a:lvl1pPr>
+            <a:lvl2pPr marL="685800" indent="-228600" algn="l" defTabSz="914400" rtl="0" eaLnBrk="1" latinLnBrk="0" hangingPunct="1">
+              <a:lnSpc>
+                <a:spcPct val="90000"/>
+              </a:lnSpc>
+              <a:spcBef>
+                <a:spcPts val="500"/>
+              </a:spcBef>
+              <a:buFont typeface="Arial"/>
+              <a:buChar char="•"/>
+              <a:defRPr sz="2400" kern="1200">
+                <a:solidFill>
+                  <a:srgbClr val="0070C0"/>
+                </a:solidFill>
+                <a:latin typeface="IBM Plex Mono Text" panose="020B0509050203000203" pitchFamily="49" charset="0"/>
+                <a:ea typeface="+mn-ea"/>
+                <a:cs typeface="+mn-cs"/>
+              </a:defRPr>
+            </a:lvl2pPr>
+            <a:lvl3pPr marL="1143000" indent="-228600" algn="l" defTabSz="914400" rtl="0" eaLnBrk="1" latinLnBrk="0" hangingPunct="1">
+              <a:lnSpc>
+                <a:spcPct val="90000"/>
+              </a:lnSpc>
+              <a:spcBef>
+                <a:spcPts val="500"/>
+              </a:spcBef>
+              <a:buFont typeface="Arial"/>
+              <a:buChar char="•"/>
+              <a:defRPr sz="2000" kern="1200">
+                <a:solidFill>
+                  <a:srgbClr val="0070C0"/>
+                </a:solidFill>
+                <a:latin typeface="IBM Plex Mono Text" panose="020B0509050203000203" pitchFamily="49" charset="0"/>
+                <a:ea typeface="+mn-ea"/>
+                <a:cs typeface="+mn-cs"/>
+              </a:defRPr>
+            </a:lvl3pPr>
+            <a:lvl4pPr marL="1600200" indent="-228600" algn="l" defTabSz="914400" rtl="0" eaLnBrk="1" latinLnBrk="0" hangingPunct="1">
+              <a:lnSpc>
+                <a:spcPct val="90000"/>
+              </a:lnSpc>
+              <a:spcBef>
+                <a:spcPts val="500"/>
+              </a:spcBef>
+              <a:buFont typeface="Arial"/>
+              <a:buChar char="•"/>
+              <a:defRPr sz="1800" kern="1200">
+                <a:solidFill>
+                  <a:srgbClr val="0070C0"/>
+                </a:solidFill>
+                <a:latin typeface="IBM Plex Mono Text" panose="020B0509050203000203" pitchFamily="49" charset="0"/>
+                <a:ea typeface="+mn-ea"/>
+                <a:cs typeface="+mn-cs"/>
+              </a:defRPr>
+            </a:lvl4pPr>
+            <a:lvl5pPr marL="2057400" indent="-228600" algn="l" defTabSz="914400" rtl="0" eaLnBrk="1" latinLnBrk="0" hangingPunct="1">
+              <a:lnSpc>
+                <a:spcPct val="90000"/>
+              </a:lnSpc>
+              <a:spcBef>
+                <a:spcPts val="500"/>
+              </a:spcBef>
+              <a:buFont typeface="Arial"/>
+              <a:buChar char="•"/>
+              <a:defRPr sz="1800" kern="1200">
+                <a:solidFill>
+                  <a:srgbClr val="0070C0"/>
+                </a:solidFill>
+                <a:latin typeface="IBM Plex Mono Text" panose="020B0509050203000203" pitchFamily="49" charset="0"/>
+                <a:ea typeface="+mn-ea"/>
+                <a:cs typeface="+mn-cs"/>
+              </a:defRPr>
+            </a:lvl5pPr>
+            <a:lvl6pPr marL="2514600" indent="-228600" algn="l" defTabSz="914400" rtl="0" eaLnBrk="1" latinLnBrk="0" hangingPunct="1">
+              <a:lnSpc>
+                <a:spcPct val="90000"/>
+              </a:lnSpc>
+              <a:spcBef>
+                <a:spcPts val="500"/>
+              </a:spcBef>
+              <a:buFont typeface="Arial"/>
+              <a:buChar char="•"/>
+              <a:defRPr sz="1800" kern="1200">
+                <a:solidFill>
+                  <a:schemeClr val="tx1"/>
+                </a:solidFill>
+                <a:latin typeface="+mn-lt"/>
+                <a:ea typeface="+mn-ea"/>
+                <a:cs typeface="+mn-cs"/>
+              </a:defRPr>
+            </a:lvl6pPr>
+            <a:lvl7pPr marL="2971800" indent="-228600" algn="l" defTabSz="914400" rtl="0" eaLnBrk="1" latinLnBrk="0" hangingPunct="1">
+              <a:lnSpc>
+                <a:spcPct val="90000"/>
+              </a:lnSpc>
+              <a:spcBef>
+                <a:spcPts val="500"/>
+              </a:spcBef>
+              <a:buFont typeface="Arial"/>
+              <a:buChar char="•"/>
+              <a:defRPr sz="1800" kern="1200">
+                <a:solidFill>
+                  <a:schemeClr val="tx1"/>
+                </a:solidFill>
+                <a:latin typeface="+mn-lt"/>
+                <a:ea typeface="+mn-ea"/>
+                <a:cs typeface="+mn-cs"/>
+              </a:defRPr>
+            </a:lvl7pPr>
+            <a:lvl8pPr marL="3429000" indent="-228600" algn="l" defTabSz="914400" rtl="0" eaLnBrk="1" latinLnBrk="0" hangingPunct="1">
+              <a:lnSpc>
+                <a:spcPct val="90000"/>
+              </a:lnSpc>
+              <a:spcBef>
+                <a:spcPts val="500"/>
+              </a:spcBef>
+              <a:buFont typeface="Arial"/>
+              <a:buChar char="•"/>
+              <a:defRPr sz="1800" kern="1200">
+                <a:solidFill>
+                  <a:schemeClr val="tx1"/>
+                </a:solidFill>
+                <a:latin typeface="+mn-lt"/>
+                <a:ea typeface="+mn-ea"/>
+                <a:cs typeface="+mn-cs"/>
+              </a:defRPr>
+            </a:lvl8pPr>
+            <a:lvl9pPr marL="3886200" indent="-228600" algn="l" defTabSz="914400" rtl="0" eaLnBrk="1" latinLnBrk="0" hangingPunct="1">
+              <a:lnSpc>
+                <a:spcPct val="90000"/>
+              </a:lnSpc>
+              <a:spcBef>
+                <a:spcPts val="500"/>
+              </a:spcBef>
+              <a:buFont typeface="Arial"/>
+              <a:buChar char="•"/>
+              <a:defRPr sz="1800" kern="1200">
+                <a:solidFill>
+                  <a:schemeClr val="tx1"/>
+                </a:solidFill>
+                <a:latin typeface="+mn-lt"/>
+                <a:ea typeface="+mn-ea"/>
+                <a:cs typeface="+mn-cs"/>
+              </a:defRPr>
+            </a:lvl9pPr>
+          </a:lstStyle>
           <a:p>
             <a:pPr marL="0" indent="0">
               <a:buNone/>
             </a:pPr>
-            <a:endParaRPr lang="en-US" dirty="0"/>
-          </a:p>
-          <a:p>
-            <a:r>
-              <a:rPr lang="en-US" dirty="0"/>
-              <a:t>Implication 1</a:t>
-            </a:r>
-          </a:p>
-          <a:p>
-            <a:r>
-              <a:rPr lang="en-US" dirty="0"/>
-              <a:t>Implication 2</a:t>
-            </a:r>
-          </a:p>
-          <a:p>
-            <a:r>
-              <a:rPr lang="en-US" dirty="0"/>
-              <a:t>Implication 3</a:t>
+            <a:r>
+              <a:rPr lang="en-US" sz="2200" dirty="0"/>
+              <a:t>&lt; Bar chart of top 5 databases for the current year goes here &gt;</a:t>
+            </a:r>
+          </a:p>
+        </p:txBody>
+      </p:sp>
+      <p:sp>
+        <p:nvSpPr>
+          <p:cNvPr id="10" name="Content Placeholder 2">
+            <a:extLst>
+              <a:ext uri="{FF2B5EF4-FFF2-40B4-BE49-F238E27FC236}">
+                <a16:creationId xmlns:a16="http://schemas.microsoft.com/office/drawing/2014/main" id="{AE706D50-7D14-4DB8-BE17-5497AA1715EE}"/>
+              </a:ext>
+            </a:extLst>
+          </p:cNvPr>
+          <p:cNvSpPr txBox="1">
+            <a:spLocks/>
+          </p:cNvSpPr>
+          <p:nvPr/>
+        </p:nvSpPr>
+        <p:spPr>
+          <a:xfrm>
+            <a:off x="6172200" y="2506661"/>
+            <a:ext cx="4614949" cy="3670301"/>
+          </a:xfrm>
+          <a:prstGeom prst="rect">
+            <a:avLst/>
+          </a:prstGeom>
+        </p:spPr>
+        <p:txBody>
+          <a:bodyPr vert="horz" lIns="91440" tIns="45720" rIns="91440" bIns="45720" rtlCol="0">
+            <a:normAutofit/>
+          </a:bodyPr>
+          <a:lstStyle>
+            <a:lvl1pPr marL="228600" indent="-228600" algn="l" defTabSz="914400" rtl="0" eaLnBrk="1" latinLnBrk="0" hangingPunct="1">
+              <a:lnSpc>
+                <a:spcPct val="90000"/>
+              </a:lnSpc>
+              <a:spcBef>
+                <a:spcPts val="1000"/>
+              </a:spcBef>
+              <a:buFont typeface="Arial"/>
+              <a:buChar char="•"/>
+              <a:defRPr sz="2800" kern="1200">
+                <a:solidFill>
+                  <a:srgbClr val="0070C0"/>
+                </a:solidFill>
+                <a:latin typeface="IBM Plex Mono Text" panose="020B0509050203000203" pitchFamily="49" charset="0"/>
+                <a:ea typeface="+mn-ea"/>
+                <a:cs typeface="+mn-cs"/>
+              </a:defRPr>
+            </a:lvl1pPr>
+            <a:lvl2pPr marL="685800" indent="-228600" algn="l" defTabSz="914400" rtl="0" eaLnBrk="1" latinLnBrk="0" hangingPunct="1">
+              <a:lnSpc>
+                <a:spcPct val="90000"/>
+              </a:lnSpc>
+              <a:spcBef>
+                <a:spcPts val="500"/>
+              </a:spcBef>
+              <a:buFont typeface="Arial"/>
+              <a:buChar char="•"/>
+              <a:defRPr sz="2400" kern="1200">
+                <a:solidFill>
+                  <a:srgbClr val="0070C0"/>
+                </a:solidFill>
+                <a:latin typeface="IBM Plex Mono Text" panose="020B0509050203000203" pitchFamily="49" charset="0"/>
+                <a:ea typeface="+mn-ea"/>
+                <a:cs typeface="+mn-cs"/>
+              </a:defRPr>
+            </a:lvl2pPr>
+            <a:lvl3pPr marL="1143000" indent="-228600" algn="l" defTabSz="914400" rtl="0" eaLnBrk="1" latinLnBrk="0" hangingPunct="1">
+              <a:lnSpc>
+                <a:spcPct val="90000"/>
+              </a:lnSpc>
+              <a:spcBef>
+                <a:spcPts val="500"/>
+              </a:spcBef>
+              <a:buFont typeface="Arial"/>
+              <a:buChar char="•"/>
+              <a:defRPr sz="2000" kern="1200">
+                <a:solidFill>
+                  <a:srgbClr val="0070C0"/>
+                </a:solidFill>
+                <a:latin typeface="IBM Plex Mono Text" panose="020B0509050203000203" pitchFamily="49" charset="0"/>
+                <a:ea typeface="+mn-ea"/>
+                <a:cs typeface="+mn-cs"/>
+              </a:defRPr>
+            </a:lvl3pPr>
+            <a:lvl4pPr marL="1600200" indent="-228600" algn="l" defTabSz="914400" rtl="0" eaLnBrk="1" latinLnBrk="0" hangingPunct="1">
+              <a:lnSpc>
+                <a:spcPct val="90000"/>
+              </a:lnSpc>
+              <a:spcBef>
+                <a:spcPts val="500"/>
+              </a:spcBef>
+              <a:buFont typeface="Arial"/>
+              <a:buChar char="•"/>
+              <a:defRPr sz="1800" kern="1200">
+                <a:solidFill>
+                  <a:srgbClr val="0070C0"/>
+                </a:solidFill>
+                <a:latin typeface="IBM Plex Mono Text" panose="020B0509050203000203" pitchFamily="49" charset="0"/>
+                <a:ea typeface="+mn-ea"/>
+                <a:cs typeface="+mn-cs"/>
+              </a:defRPr>
+            </a:lvl4pPr>
+            <a:lvl5pPr marL="2057400" indent="-228600" algn="l" defTabSz="914400" rtl="0" eaLnBrk="1" latinLnBrk="0" hangingPunct="1">
+              <a:lnSpc>
+                <a:spcPct val="90000"/>
+              </a:lnSpc>
+              <a:spcBef>
+                <a:spcPts val="500"/>
+              </a:spcBef>
+              <a:buFont typeface="Arial"/>
+              <a:buChar char="•"/>
+              <a:defRPr sz="1800" kern="1200">
+                <a:solidFill>
+                  <a:srgbClr val="0070C0"/>
+                </a:solidFill>
+                <a:latin typeface="IBM Plex Mono Text" panose="020B0509050203000203" pitchFamily="49" charset="0"/>
+                <a:ea typeface="+mn-ea"/>
+                <a:cs typeface="+mn-cs"/>
+              </a:defRPr>
+            </a:lvl5pPr>
+            <a:lvl6pPr marL="2514600" indent="-228600" algn="l" defTabSz="914400" rtl="0" eaLnBrk="1" latinLnBrk="0" hangingPunct="1">
+              <a:lnSpc>
+                <a:spcPct val="90000"/>
+              </a:lnSpc>
+              <a:spcBef>
+                <a:spcPts val="500"/>
+              </a:spcBef>
+              <a:buFont typeface="Arial"/>
+              <a:buChar char="•"/>
+              <a:defRPr sz="1800" kern="1200">
+                <a:solidFill>
+                  <a:schemeClr val="tx1"/>
+                </a:solidFill>
+                <a:latin typeface="+mn-lt"/>
+                <a:ea typeface="+mn-ea"/>
+                <a:cs typeface="+mn-cs"/>
+              </a:defRPr>
+            </a:lvl6pPr>
+            <a:lvl7pPr marL="2971800" indent="-228600" algn="l" defTabSz="914400" rtl="0" eaLnBrk="1" latinLnBrk="0" hangingPunct="1">
+              <a:lnSpc>
+                <a:spcPct val="90000"/>
+              </a:lnSpc>
+              <a:spcBef>
+                <a:spcPts val="500"/>
+              </a:spcBef>
+              <a:buFont typeface="Arial"/>
+              <a:buChar char="•"/>
+              <a:defRPr sz="1800" kern="1200">
+                <a:solidFill>
+                  <a:schemeClr val="tx1"/>
+                </a:solidFill>
+                <a:latin typeface="+mn-lt"/>
+                <a:ea typeface="+mn-ea"/>
+                <a:cs typeface="+mn-cs"/>
+              </a:defRPr>
+            </a:lvl7pPr>
+            <a:lvl8pPr marL="3429000" indent="-228600" algn="l" defTabSz="914400" rtl="0" eaLnBrk="1" latinLnBrk="0" hangingPunct="1">
+              <a:lnSpc>
+                <a:spcPct val="90000"/>
+              </a:lnSpc>
+              <a:spcBef>
+                <a:spcPts val="500"/>
+              </a:spcBef>
+              <a:buFont typeface="Arial"/>
+              <a:buChar char="•"/>
+              <a:defRPr sz="1800" kern="1200">
+                <a:solidFill>
+                  <a:schemeClr val="tx1"/>
+                </a:solidFill>
+                <a:latin typeface="+mn-lt"/>
+                <a:ea typeface="+mn-ea"/>
+                <a:cs typeface="+mn-cs"/>
+              </a:defRPr>
+            </a:lvl8pPr>
+            <a:lvl9pPr marL="3886200" indent="-228600" algn="l" defTabSz="914400" rtl="0" eaLnBrk="1" latinLnBrk="0" hangingPunct="1">
+              <a:lnSpc>
+                <a:spcPct val="90000"/>
+              </a:lnSpc>
+              <a:spcBef>
+                <a:spcPts val="500"/>
+              </a:spcBef>
+              <a:buFont typeface="Arial"/>
+              <a:buChar char="•"/>
+              <a:defRPr sz="1800" kern="1200">
+                <a:solidFill>
+                  <a:schemeClr val="tx1"/>
+                </a:solidFill>
+                <a:latin typeface="+mn-lt"/>
+                <a:ea typeface="+mn-ea"/>
+                <a:cs typeface="+mn-cs"/>
+              </a:defRPr>
+            </a:lvl9pPr>
+          </a:lstStyle>
+          <a:p>
+            <a:pPr marL="0" indent="0">
+              <a:buNone/>
+            </a:pPr>
+            <a:r>
+              <a:rPr lang="en-US" sz="2200" dirty="0"/>
+              <a:t>&lt; Bar chart of top 5 databases for the next year goes here.&gt;</a:t>
             </a:r>
           </a:p>
         </p:txBody>
@@ -7120,7 +9007,7 @@
     </p:spTree>
     <p:extLst>
       <p:ext uri="{BB962C8B-B14F-4D97-AF65-F5344CB8AC3E}">
-        <p14:creationId xmlns:p14="http://schemas.microsoft.com/office/powerpoint/2010/main" val="647271476"/>
+        <p14:creationId xmlns:p14="http://schemas.microsoft.com/office/powerpoint/2010/main" val="1074638838"/>
       </p:ext>
     </p:extLst>
   </p:cSld>
@@ -7152,7 +9039,7 @@
           <p:cNvPr id="2" name="Title 1">
             <a:extLst>
               <a:ext uri="{FF2B5EF4-FFF2-40B4-BE49-F238E27FC236}">
-                <a16:creationId xmlns:a16="http://schemas.microsoft.com/office/drawing/2014/main" id="{2873BEC0-94F5-4226-A9E7-51B66045EF49}"/>
+                <a16:creationId xmlns:a16="http://schemas.microsoft.com/office/drawing/2014/main" id="{65C3525F-7CB4-4C06-B037-C81D2DED9B80}"/>
               </a:ext>
             </a:extLst>
           </p:cNvPr>
@@ -7163,31 +9050,84 @@
             <p:ph type="title"/>
           </p:nvPr>
         </p:nvSpPr>
-        <p:spPr>
-          <a:xfrm>
-            <a:off x="838200" y="365125"/>
-            <a:ext cx="10515600" cy="1325563"/>
-          </a:xfrm>
-        </p:spPr>
+        <p:spPr/>
         <p:txBody>
-          <a:bodyPr anchor="ctr">
-            <a:normAutofit/>
-          </a:bodyPr>
+          <a:bodyPr/>
           <a:lstStyle/>
           <a:p>
             <a:r>
               <a:rPr lang="en-US" dirty="0"/>
-              <a:t>CONCLUSION</a:t>
+              <a:t>DATABASE TRENDS - FINDINGS &amp; IMPLICATIONS</a:t>
             </a:r>
           </a:p>
         </p:txBody>
       </p:sp>
       <p:sp>
         <p:nvSpPr>
-          <p:cNvPr id="5" name="Content Placeholder 3">
+          <p:cNvPr id="3" name="Content Placeholder 2">
             <a:extLst>
               <a:ext uri="{FF2B5EF4-FFF2-40B4-BE49-F238E27FC236}">
-                <a16:creationId xmlns:a16="http://schemas.microsoft.com/office/drawing/2014/main" id="{28684E62-A9F8-4E7A-AB01-78893062A1B4}"/>
+                <a16:creationId xmlns:a16="http://schemas.microsoft.com/office/drawing/2014/main" id="{E4FC0D20-FACF-4D73-BD27-CF8F6B97546A}"/>
+              </a:ext>
+            </a:extLst>
+          </p:cNvPr>
+          <p:cNvSpPr>
+            <a:spLocks noGrp="1"/>
+          </p:cNvSpPr>
+          <p:nvPr>
+            <p:ph sz="half" idx="1"/>
+          </p:nvPr>
+        </p:nvSpPr>
+        <p:spPr>
+          <a:xfrm>
+            <a:off x="813816" y="1825625"/>
+            <a:ext cx="5181600" cy="4351338"/>
+          </a:xfrm>
+        </p:spPr>
+        <p:txBody>
+          <a:bodyPr/>
+          <a:lstStyle/>
+          <a:p>
+            <a:pPr marL="0" indent="0">
+              <a:buNone/>
+            </a:pPr>
+            <a:r>
+              <a:rPr lang="en-US" dirty="0"/>
+              <a:t>Findings</a:t>
+            </a:r>
+          </a:p>
+          <a:p>
+            <a:pPr marL="0" indent="0">
+              <a:buNone/>
+            </a:pPr>
+            <a:endParaRPr lang="en-US" dirty="0"/>
+          </a:p>
+          <a:p>
+            <a:r>
+              <a:rPr lang="en-US" dirty="0"/>
+              <a:t>Finding 1</a:t>
+            </a:r>
+          </a:p>
+          <a:p>
+            <a:r>
+              <a:rPr lang="en-US" dirty="0"/>
+              <a:t>Finding 2</a:t>
+            </a:r>
+          </a:p>
+          <a:p>
+            <a:r>
+              <a:rPr lang="en-US" dirty="0"/>
+              <a:t>Finding 3</a:t>
+            </a:r>
+          </a:p>
+        </p:txBody>
+      </p:sp>
+      <p:sp>
+        <p:nvSpPr>
+          <p:cNvPr id="4" name="Content Placeholder 3">
+            <a:extLst>
+              <a:ext uri="{FF2B5EF4-FFF2-40B4-BE49-F238E27FC236}">
+                <a16:creationId xmlns:a16="http://schemas.microsoft.com/office/drawing/2014/main" id="{ACA6A89D-097D-4968-A07A-39A5B4F78A62}"/>
               </a:ext>
             </a:extLst>
           </p:cNvPr>
@@ -7198,77 +9138,49 @@
             <p:ph sz="half" idx="2"/>
           </p:nvPr>
         </p:nvSpPr>
-        <p:spPr>
-          <a:xfrm>
-            <a:off x="4544291" y="1825625"/>
-            <a:ext cx="6809509" cy="4351338"/>
-          </a:xfrm>
-        </p:spPr>
+        <p:spPr/>
         <p:txBody>
           <a:bodyPr/>
           <a:lstStyle/>
           <a:p>
+            <a:pPr marL="0" indent="0">
+              <a:buNone/>
+            </a:pPr>
             <a:r>
               <a:rPr lang="en-US" dirty="0"/>
-              <a:t>Point 1</a:t>
-            </a:r>
+              <a:t>Implications</a:t>
+            </a:r>
+          </a:p>
+          <a:p>
+            <a:pPr marL="0" indent="0">
+              <a:buNone/>
+            </a:pPr>
+            <a:endParaRPr lang="en-US" dirty="0"/>
           </a:p>
           <a:p>
             <a:r>
               <a:rPr lang="en-US" dirty="0"/>
-              <a:t>Point 2</a:t>
+              <a:t>Implication 1</a:t>
             </a:r>
           </a:p>
           <a:p>
             <a:r>
               <a:rPr lang="en-US" dirty="0"/>
-              <a:t>Point 3</a:t>
+              <a:t>Implication 2</a:t>
             </a:r>
           </a:p>
           <a:p>
             <a:r>
               <a:rPr lang="en-US" dirty="0"/>
-              <a:t>Point 4</a:t>
+              <a:t>Implication 3</a:t>
             </a:r>
           </a:p>
         </p:txBody>
       </p:sp>
-      <p:pic>
-        <p:nvPicPr>
-          <p:cNvPr id="6" name="Content Placeholder 5">
-            <a:extLst>
-              <a:ext uri="{FF2B5EF4-FFF2-40B4-BE49-F238E27FC236}">
-                <a16:creationId xmlns:a16="http://schemas.microsoft.com/office/drawing/2014/main" id="{5E013141-2139-434F-83AB-CF1C80A7AC4A}"/>
-              </a:ext>
-            </a:extLst>
-          </p:cNvPr>
-          <p:cNvPicPr>
-            <a:picLocks noGrp="1" noChangeAspect="1"/>
-          </p:cNvPicPr>
-          <p:nvPr>
-            <p:ph sz="half" idx="1"/>
-          </p:nvPr>
-        </p:nvPicPr>
-        <p:blipFill>
-          <a:blip r:embed="rId2"/>
-          <a:stretch>
-            <a:fillRect/>
-          </a:stretch>
-        </p:blipFill>
-        <p:spPr>
-          <a:xfrm>
-            <a:off x="1125967" y="2113896"/>
-            <a:ext cx="3054361" cy="3054361"/>
-          </a:xfrm>
-          <a:prstGeom prst="rect">
-            <a:avLst/>
-          </a:prstGeom>
-        </p:spPr>
-      </p:pic>
     </p:spTree>
     <p:extLst>
       <p:ext uri="{BB962C8B-B14F-4D97-AF65-F5344CB8AC3E}">
-        <p14:creationId xmlns:p14="http://schemas.microsoft.com/office/powerpoint/2010/main" val="1630123617"/>
+        <p14:creationId xmlns:p14="http://schemas.microsoft.com/office/powerpoint/2010/main" val="2659604895"/>
       </p:ext>
     </p:extLst>
   </p:cSld>
@@ -7325,17 +9237,17 @@
           <a:p>
             <a:r>
               <a:rPr lang="en-US" dirty="0"/>
-              <a:t>APPENDIX</a:t>
+              <a:t>DASHBOARD</a:t>
             </a:r>
           </a:p>
         </p:txBody>
       </p:sp>
       <p:sp>
         <p:nvSpPr>
-          <p:cNvPr id="5" name="Content Placeholder 3">
+          <p:cNvPr id="3" name="Content Placeholder 2">
             <a:extLst>
               <a:ext uri="{FF2B5EF4-FFF2-40B4-BE49-F238E27FC236}">
-                <a16:creationId xmlns:a16="http://schemas.microsoft.com/office/drawing/2014/main" id="{28684E62-A9F8-4E7A-AB01-78893062A1B4}"/>
+                <a16:creationId xmlns:a16="http://schemas.microsoft.com/office/drawing/2014/main" id="{902FD5C4-FE5F-46D2-ABC9-49FA4BB8442F}"/>
               </a:ext>
             </a:extLst>
           </p:cNvPr>
@@ -7348,36 +9260,39 @@
         </p:nvSpPr>
         <p:spPr>
           <a:xfrm>
-            <a:off x="4544291" y="1825625"/>
-            <a:ext cx="6809509" cy="4351338"/>
+            <a:off x="4285075" y="3142210"/>
+            <a:ext cx="7068725" cy="2569239"/>
           </a:xfrm>
         </p:spPr>
         <p:txBody>
-          <a:bodyPr/>
+          <a:bodyPr>
+            <a:normAutofit/>
+          </a:bodyPr>
           <a:lstStyle/>
           <a:p>
-            <a:r>
-              <a:rPr lang="en-US" dirty="0"/>
-              <a:t>Include any relevant additional charts, or tables that you may have created during the analysis phase.</a:t>
+            <a:pPr marL="0" indent="0">
+              <a:buNone/>
+            </a:pPr>
+            <a:r>
+              <a:rPr lang="en-US" sz="2200" dirty="0"/>
+              <a:t>&lt;The permanent link of the read-only view of the Cognos dashboard goes here.&gt;</a:t>
             </a:r>
           </a:p>
         </p:txBody>
       </p:sp>
       <p:pic>
         <p:nvPicPr>
-          <p:cNvPr id="4" name="Content Placeholder 3">
+          <p:cNvPr id="5" name="Picture 4">
             <a:extLst>
               <a:ext uri="{FF2B5EF4-FFF2-40B4-BE49-F238E27FC236}">
-                <a16:creationId xmlns:a16="http://schemas.microsoft.com/office/drawing/2014/main" id="{D5D63823-FC2E-4AC2-93D5-3C2B6F315436}"/>
+                <a16:creationId xmlns:a16="http://schemas.microsoft.com/office/drawing/2014/main" id="{49F6C466-B847-478E-ADAD-F2B14AA5067A}"/>
               </a:ext>
             </a:extLst>
           </p:cNvPr>
           <p:cNvPicPr>
-            <a:picLocks noGrp="1" noChangeAspect="1"/>
+            <a:picLocks noChangeAspect="1"/>
           </p:cNvPicPr>
-          <p:nvPr>
-            <p:ph sz="half" idx="1"/>
-          </p:nvPr>
+          <p:nvPr/>
         </p:nvPicPr>
         <p:blipFill>
           <a:blip r:embed="rId2"/>
@@ -7387,8 +9302,8 @@
         </p:blipFill>
         <p:spPr>
           <a:xfrm>
-            <a:off x="1055857" y="1849823"/>
-            <a:ext cx="3194581" cy="3194581"/>
+            <a:off x="1077475" y="1901819"/>
+            <a:ext cx="3054361" cy="3054361"/>
           </a:xfrm>
           <a:prstGeom prst="rect">
             <a:avLst/>
@@ -7398,7 +9313,7 @@
     </p:spTree>
     <p:extLst>
       <p:ext uri="{BB962C8B-B14F-4D97-AF65-F5344CB8AC3E}">
-        <p14:creationId xmlns:p14="http://schemas.microsoft.com/office/powerpoint/2010/main" val="3410008520"/>
+        <p14:creationId xmlns:p14="http://schemas.microsoft.com/office/powerpoint/2010/main" val="9691683"/>
       </p:ext>
     </p:extLst>
   </p:cSld>
@@ -7443,8 +9358,8 @@
         </p:nvSpPr>
         <p:spPr>
           <a:xfrm>
-            <a:off x="538248" y="383051"/>
-            <a:ext cx="5929053" cy="1325563"/>
+            <a:off x="838200" y="365125"/>
+            <a:ext cx="10515600" cy="1325563"/>
           </a:xfrm>
         </p:spPr>
         <p:txBody>
@@ -7455,17 +9370,17 @@
           <a:p>
             <a:r>
               <a:rPr lang="en-US" dirty="0"/>
-              <a:t> JOB POSTINGS</a:t>
+              <a:t>DASHBOARD TAB 1</a:t>
             </a:r>
           </a:p>
         </p:txBody>
       </p:sp>
       <p:sp>
         <p:nvSpPr>
-          <p:cNvPr id="3" name="Content Placeholder 2">
+          <p:cNvPr id="8" name="Content Placeholder 2">
             <a:extLst>
               <a:ext uri="{FF2B5EF4-FFF2-40B4-BE49-F238E27FC236}">
-                <a16:creationId xmlns:a16="http://schemas.microsoft.com/office/drawing/2014/main" id="{902FD5C4-FE5F-46D2-ABC9-49FA4BB8442F}"/>
+                <a16:creationId xmlns:a16="http://schemas.microsoft.com/office/drawing/2014/main" id="{EFCC0E64-0E5B-4BA1-BC72-30FA1DE96F29}"/>
               </a:ext>
             </a:extLst>
           </p:cNvPr>
@@ -7473,48 +9388,45 @@
             <a:spLocks noGrp="1"/>
           </p:cNvSpPr>
           <p:nvPr>
-            <p:ph sz="half" idx="2"/>
+            <p:ph idx="1"/>
           </p:nvPr>
         </p:nvSpPr>
         <p:spPr>
           <a:xfrm>
-            <a:off x="914400" y="2191385"/>
-            <a:ext cx="10489276" cy="2862753"/>
+            <a:off x="838200" y="1690688"/>
+            <a:ext cx="10515600" cy="4351338"/>
           </a:xfrm>
         </p:spPr>
         <p:txBody>
-          <a:bodyPr>
-            <a:normAutofit/>
-          </a:bodyPr>
+          <a:bodyPr/>
           <a:lstStyle/>
           <a:p>
             <a:pPr marL="0" indent="0">
               <a:buNone/>
             </a:pPr>
-            <a:r>
-              <a:rPr lang="en-US" sz="2200" dirty="0"/>
-              <a:t>In Module 1 you have collected the job posting data using Job API in a file named “</a:t>
-            </a:r>
-            <a:r>
-              <a:rPr lang="en-IN" sz="2400" dirty="0"/>
-              <a:t>job-postings.xlsx</a:t>
-            </a:r>
-            <a:r>
-              <a:rPr lang="en-US" sz="2200" dirty="0"/>
-              <a:t>”. Present that data using a bar chart here. Order the bar chart in the descending order of the number of job </a:t>
-            </a:r>
-            <a:r>
-              <a:rPr lang="en-US" sz="2200"/>
-              <a:t>postings.</a:t>
-            </a:r>
-            <a:endParaRPr lang="en-US" sz="2200" dirty="0"/>
+            <a:endParaRPr lang="en-US" dirty="0"/>
+          </a:p>
+          <a:p>
+            <a:pPr marL="0" indent="0">
+              <a:buNone/>
+            </a:pPr>
+            <a:endParaRPr lang="en-US" dirty="0"/>
+          </a:p>
+          <a:p>
+            <a:pPr marL="0" indent="0">
+              <a:buNone/>
+            </a:pPr>
+            <a:r>
+              <a:rPr lang="en-US" dirty="0"/>
+              <a:t>Screenshot of dashboard tab 1 goes here</a:t>
+            </a:r>
           </a:p>
         </p:txBody>
       </p:sp>
     </p:spTree>
     <p:extLst>
       <p:ext uri="{BB962C8B-B14F-4D97-AF65-F5344CB8AC3E}">
-        <p14:creationId xmlns:p14="http://schemas.microsoft.com/office/powerpoint/2010/main" val="3078551498"/>
+        <p14:creationId xmlns:p14="http://schemas.microsoft.com/office/powerpoint/2010/main" val="916853615"/>
       </p:ext>
     </p:extLst>
   </p:cSld>
@@ -8258,6 +10170,931 @@
         </p:nvSpPr>
         <p:spPr>
           <a:xfrm>
+            <a:off x="838200" y="365125"/>
+            <a:ext cx="10515600" cy="1325563"/>
+          </a:xfrm>
+        </p:spPr>
+        <p:txBody>
+          <a:bodyPr anchor="ctr">
+            <a:normAutofit/>
+          </a:bodyPr>
+          <a:lstStyle/>
+          <a:p>
+            <a:r>
+              <a:rPr lang="en-US" dirty="0"/>
+              <a:t>DASHBOARD TAB 2</a:t>
+            </a:r>
+          </a:p>
+        </p:txBody>
+      </p:sp>
+      <p:sp>
+        <p:nvSpPr>
+          <p:cNvPr id="8" name="Content Placeholder 2">
+            <a:extLst>
+              <a:ext uri="{FF2B5EF4-FFF2-40B4-BE49-F238E27FC236}">
+                <a16:creationId xmlns:a16="http://schemas.microsoft.com/office/drawing/2014/main" id="{EFCC0E64-0E5B-4BA1-BC72-30FA1DE96F29}"/>
+              </a:ext>
+            </a:extLst>
+          </p:cNvPr>
+          <p:cNvSpPr>
+            <a:spLocks noGrp="1"/>
+          </p:cNvSpPr>
+          <p:nvPr>
+            <p:ph idx="1"/>
+          </p:nvPr>
+        </p:nvSpPr>
+        <p:spPr>
+          <a:xfrm>
+            <a:off x="838200" y="1690688"/>
+            <a:ext cx="10515600" cy="4351338"/>
+          </a:xfrm>
+        </p:spPr>
+        <p:txBody>
+          <a:bodyPr/>
+          <a:lstStyle/>
+          <a:p>
+            <a:pPr marL="0" indent="0">
+              <a:buNone/>
+            </a:pPr>
+            <a:endParaRPr lang="en-US" dirty="0"/>
+          </a:p>
+          <a:p>
+            <a:pPr marL="0" indent="0">
+              <a:buNone/>
+            </a:pPr>
+            <a:endParaRPr lang="en-US" dirty="0"/>
+          </a:p>
+          <a:p>
+            <a:pPr marL="0" indent="0">
+              <a:buNone/>
+            </a:pPr>
+            <a:r>
+              <a:rPr lang="en-US" dirty="0"/>
+              <a:t>Screenshot of dashboard tab 2 goes here</a:t>
+            </a:r>
+          </a:p>
+        </p:txBody>
+      </p:sp>
+    </p:spTree>
+    <p:extLst>
+      <p:ext uri="{BB962C8B-B14F-4D97-AF65-F5344CB8AC3E}">
+        <p14:creationId xmlns:p14="http://schemas.microsoft.com/office/powerpoint/2010/main" val="3266127139"/>
+      </p:ext>
+    </p:extLst>
+  </p:cSld>
+  <p:clrMapOvr>
+    <a:masterClrMapping/>
+  </p:clrMapOvr>
+</p:sld>
+</file>
+
+<file path=ppt/slides/slide21.xml><?xml version="1.0" encoding="utf-8"?>
+<p:sld xmlns:a="http://schemas.openxmlformats.org/drawingml/2006/main" xmlns:r="http://schemas.openxmlformats.org/officeDocument/2006/relationships" xmlns:p="http://schemas.openxmlformats.org/presentationml/2006/main">
+  <p:cSld>
+    <p:spTree>
+      <p:nvGrpSpPr>
+        <p:cNvPr id="1" name=""/>
+        <p:cNvGrpSpPr/>
+        <p:nvPr/>
+      </p:nvGrpSpPr>
+      <p:grpSpPr>
+        <a:xfrm>
+          <a:off x="0" y="0"/>
+          <a:ext cx="0" cy="0"/>
+          <a:chOff x="0" y="0"/>
+          <a:chExt cx="0" cy="0"/>
+        </a:xfrm>
+      </p:grpSpPr>
+      <p:sp>
+        <p:nvSpPr>
+          <p:cNvPr id="2" name="Title 1">
+            <a:extLst>
+              <a:ext uri="{FF2B5EF4-FFF2-40B4-BE49-F238E27FC236}">
+                <a16:creationId xmlns:a16="http://schemas.microsoft.com/office/drawing/2014/main" id="{2873BEC0-94F5-4226-A9E7-51B66045EF49}"/>
+              </a:ext>
+            </a:extLst>
+          </p:cNvPr>
+          <p:cNvSpPr>
+            <a:spLocks noGrp="1"/>
+          </p:cNvSpPr>
+          <p:nvPr>
+            <p:ph type="title"/>
+          </p:nvPr>
+        </p:nvSpPr>
+        <p:spPr>
+          <a:xfrm>
+            <a:off x="838200" y="365125"/>
+            <a:ext cx="10515600" cy="1325563"/>
+          </a:xfrm>
+        </p:spPr>
+        <p:txBody>
+          <a:bodyPr anchor="ctr">
+            <a:normAutofit/>
+          </a:bodyPr>
+          <a:lstStyle/>
+          <a:p>
+            <a:r>
+              <a:rPr lang="en-US" dirty="0"/>
+              <a:t>DASHBOARD TAB 3</a:t>
+            </a:r>
+          </a:p>
+        </p:txBody>
+      </p:sp>
+      <p:sp>
+        <p:nvSpPr>
+          <p:cNvPr id="8" name="Content Placeholder 2">
+            <a:extLst>
+              <a:ext uri="{FF2B5EF4-FFF2-40B4-BE49-F238E27FC236}">
+                <a16:creationId xmlns:a16="http://schemas.microsoft.com/office/drawing/2014/main" id="{EFCC0E64-0E5B-4BA1-BC72-30FA1DE96F29}"/>
+              </a:ext>
+            </a:extLst>
+          </p:cNvPr>
+          <p:cNvSpPr>
+            <a:spLocks noGrp="1"/>
+          </p:cNvSpPr>
+          <p:nvPr>
+            <p:ph idx="1"/>
+          </p:nvPr>
+        </p:nvSpPr>
+        <p:spPr>
+          <a:xfrm>
+            <a:off x="838200" y="1690688"/>
+            <a:ext cx="10515600" cy="4351338"/>
+          </a:xfrm>
+        </p:spPr>
+        <p:txBody>
+          <a:bodyPr/>
+          <a:lstStyle/>
+          <a:p>
+            <a:pPr marL="0" indent="0">
+              <a:buNone/>
+            </a:pPr>
+            <a:endParaRPr lang="en-US" dirty="0"/>
+          </a:p>
+          <a:p>
+            <a:pPr marL="0" indent="0">
+              <a:buNone/>
+            </a:pPr>
+            <a:endParaRPr lang="en-US" dirty="0"/>
+          </a:p>
+          <a:p>
+            <a:pPr marL="0" indent="0">
+              <a:buNone/>
+            </a:pPr>
+            <a:r>
+              <a:rPr lang="en-US" dirty="0"/>
+              <a:t>Screenshot of dashboard tab 3 goes here</a:t>
+            </a:r>
+          </a:p>
+        </p:txBody>
+      </p:sp>
+    </p:spTree>
+    <p:extLst>
+      <p:ext uri="{BB962C8B-B14F-4D97-AF65-F5344CB8AC3E}">
+        <p14:creationId xmlns:p14="http://schemas.microsoft.com/office/powerpoint/2010/main" val="3517973280"/>
+      </p:ext>
+    </p:extLst>
+  </p:cSld>
+  <p:clrMapOvr>
+    <a:masterClrMapping/>
+  </p:clrMapOvr>
+</p:sld>
+</file>
+
+<file path=ppt/slides/slide22.xml><?xml version="1.0" encoding="utf-8"?>
+<p:sld xmlns:a="http://schemas.openxmlformats.org/drawingml/2006/main" xmlns:r="http://schemas.openxmlformats.org/officeDocument/2006/relationships" xmlns:p="http://schemas.openxmlformats.org/presentationml/2006/main">
+  <p:cSld>
+    <p:spTree>
+      <p:nvGrpSpPr>
+        <p:cNvPr id="1" name=""/>
+        <p:cNvGrpSpPr/>
+        <p:nvPr/>
+      </p:nvGrpSpPr>
+      <p:grpSpPr>
+        <a:xfrm>
+          <a:off x="0" y="0"/>
+          <a:ext cx="0" cy="0"/>
+          <a:chOff x="0" y="0"/>
+          <a:chExt cx="0" cy="0"/>
+        </a:xfrm>
+      </p:grpSpPr>
+      <p:sp>
+        <p:nvSpPr>
+          <p:cNvPr id="2" name="Title 1">
+            <a:extLst>
+              <a:ext uri="{FF2B5EF4-FFF2-40B4-BE49-F238E27FC236}">
+                <a16:creationId xmlns:a16="http://schemas.microsoft.com/office/drawing/2014/main" id="{2873BEC0-94F5-4226-A9E7-51B66045EF49}"/>
+              </a:ext>
+            </a:extLst>
+          </p:cNvPr>
+          <p:cNvSpPr>
+            <a:spLocks noGrp="1"/>
+          </p:cNvSpPr>
+          <p:nvPr>
+            <p:ph type="title"/>
+          </p:nvPr>
+        </p:nvSpPr>
+        <p:spPr>
+          <a:xfrm>
+            <a:off x="838200" y="365125"/>
+            <a:ext cx="10515600" cy="1325563"/>
+          </a:xfrm>
+        </p:spPr>
+        <p:txBody>
+          <a:bodyPr anchor="ctr">
+            <a:normAutofit/>
+          </a:bodyPr>
+          <a:lstStyle/>
+          <a:p>
+            <a:r>
+              <a:rPr lang="en-US" dirty="0"/>
+              <a:t>DISCUSSION</a:t>
+            </a:r>
+          </a:p>
+        </p:txBody>
+      </p:sp>
+      <p:pic>
+        <p:nvPicPr>
+          <p:cNvPr id="3" name="Content Placeholder 2">
+            <a:extLst>
+              <a:ext uri="{FF2B5EF4-FFF2-40B4-BE49-F238E27FC236}">
+                <a16:creationId xmlns:a16="http://schemas.microsoft.com/office/drawing/2014/main" id="{22E5FA6B-CA5C-4FB5-AAB3-8260D2EF86C9}"/>
+              </a:ext>
+            </a:extLst>
+          </p:cNvPr>
+          <p:cNvPicPr>
+            <a:picLocks noGrp="1" noChangeAspect="1"/>
+          </p:cNvPicPr>
+          <p:nvPr>
+            <p:ph sz="half" idx="1"/>
+          </p:nvPr>
+        </p:nvPicPr>
+        <p:blipFill>
+          <a:blip r:embed="rId2"/>
+          <a:stretch>
+            <a:fillRect/>
+          </a:stretch>
+        </p:blipFill>
+        <p:spPr>
+          <a:xfrm>
+            <a:off x="1253331" y="1825625"/>
+            <a:ext cx="4351338" cy="4351338"/>
+          </a:xfrm>
+          <a:prstGeom prst="rect">
+            <a:avLst/>
+          </a:prstGeom>
+          <a:noFill/>
+        </p:spPr>
+      </p:pic>
+      <p:sp>
+        <p:nvSpPr>
+          <p:cNvPr id="5" name="Content Placeholder 3">
+            <a:extLst>
+              <a:ext uri="{FF2B5EF4-FFF2-40B4-BE49-F238E27FC236}">
+                <a16:creationId xmlns:a16="http://schemas.microsoft.com/office/drawing/2014/main" id="{28684E62-A9F8-4E7A-AB01-78893062A1B4}"/>
+              </a:ext>
+            </a:extLst>
+          </p:cNvPr>
+          <p:cNvSpPr>
+            <a:spLocks noGrp="1"/>
+          </p:cNvSpPr>
+          <p:nvPr>
+            <p:ph sz="half" idx="2"/>
+          </p:nvPr>
+        </p:nvSpPr>
+        <p:spPr>
+          <a:xfrm>
+            <a:off x="6172200" y="1825625"/>
+            <a:ext cx="5181600" cy="4351338"/>
+          </a:xfrm>
+        </p:spPr>
+        <p:txBody>
+          <a:bodyPr/>
+          <a:lstStyle/>
+          <a:p>
+            <a:endParaRPr lang="en-US" dirty="0"/>
+          </a:p>
+        </p:txBody>
+      </p:sp>
+    </p:spTree>
+    <p:extLst>
+      <p:ext uri="{BB962C8B-B14F-4D97-AF65-F5344CB8AC3E}">
+        <p14:creationId xmlns:p14="http://schemas.microsoft.com/office/powerpoint/2010/main" val="2161130591"/>
+      </p:ext>
+    </p:extLst>
+  </p:cSld>
+  <p:clrMapOvr>
+    <a:masterClrMapping/>
+  </p:clrMapOvr>
+</p:sld>
+</file>
+
+<file path=ppt/slides/slide23.xml><?xml version="1.0" encoding="utf-8"?>
+<p:sld xmlns:a="http://schemas.openxmlformats.org/drawingml/2006/main" xmlns:r="http://schemas.openxmlformats.org/officeDocument/2006/relationships" xmlns:p="http://schemas.openxmlformats.org/presentationml/2006/main">
+  <p:cSld>
+    <p:spTree>
+      <p:nvGrpSpPr>
+        <p:cNvPr id="1" name=""/>
+        <p:cNvGrpSpPr/>
+        <p:nvPr/>
+      </p:nvGrpSpPr>
+      <p:grpSpPr>
+        <a:xfrm>
+          <a:off x="0" y="0"/>
+          <a:ext cx="0" cy="0"/>
+          <a:chOff x="0" y="0"/>
+          <a:chExt cx="0" cy="0"/>
+        </a:xfrm>
+      </p:grpSpPr>
+      <p:sp>
+        <p:nvSpPr>
+          <p:cNvPr id="2" name="Title 1">
+            <a:extLst>
+              <a:ext uri="{FF2B5EF4-FFF2-40B4-BE49-F238E27FC236}">
+                <a16:creationId xmlns:a16="http://schemas.microsoft.com/office/drawing/2014/main" id="{65C3525F-7CB4-4C06-B037-C81D2DED9B80}"/>
+              </a:ext>
+            </a:extLst>
+          </p:cNvPr>
+          <p:cNvSpPr>
+            <a:spLocks noGrp="1"/>
+          </p:cNvSpPr>
+          <p:nvPr>
+            <p:ph type="title"/>
+          </p:nvPr>
+        </p:nvSpPr>
+        <p:spPr/>
+        <p:txBody>
+          <a:bodyPr/>
+          <a:lstStyle/>
+          <a:p>
+            <a:r>
+              <a:rPr lang="en-US" dirty="0"/>
+              <a:t>OVERALL FINDINGS &amp; IMPLICATIONS</a:t>
+            </a:r>
+          </a:p>
+        </p:txBody>
+      </p:sp>
+      <p:sp>
+        <p:nvSpPr>
+          <p:cNvPr id="3" name="Content Placeholder 2">
+            <a:extLst>
+              <a:ext uri="{FF2B5EF4-FFF2-40B4-BE49-F238E27FC236}">
+                <a16:creationId xmlns:a16="http://schemas.microsoft.com/office/drawing/2014/main" id="{E4FC0D20-FACF-4D73-BD27-CF8F6B97546A}"/>
+              </a:ext>
+            </a:extLst>
+          </p:cNvPr>
+          <p:cNvSpPr>
+            <a:spLocks noGrp="1"/>
+          </p:cNvSpPr>
+          <p:nvPr>
+            <p:ph sz="half" idx="1"/>
+          </p:nvPr>
+        </p:nvSpPr>
+        <p:spPr>
+          <a:xfrm>
+            <a:off x="813816" y="1825625"/>
+            <a:ext cx="5181600" cy="4351338"/>
+          </a:xfrm>
+        </p:spPr>
+        <p:txBody>
+          <a:bodyPr>
+            <a:normAutofit/>
+          </a:bodyPr>
+          <a:lstStyle/>
+          <a:p>
+            <a:pPr marL="0" indent="0">
+              <a:buNone/>
+            </a:pPr>
+            <a:r>
+              <a:rPr lang="en-US" dirty="0"/>
+              <a:t>Findings</a:t>
+            </a:r>
+          </a:p>
+          <a:p>
+            <a:pPr marL="0" indent="0">
+              <a:buNone/>
+            </a:pPr>
+            <a:endParaRPr lang="en-US" dirty="0"/>
+          </a:p>
+          <a:p>
+            <a:r>
+              <a:rPr lang="en-US" dirty="0"/>
+              <a:t>Finding 1</a:t>
+            </a:r>
+          </a:p>
+          <a:p>
+            <a:r>
+              <a:rPr lang="en-US" dirty="0"/>
+              <a:t>Finding 2</a:t>
+            </a:r>
+          </a:p>
+          <a:p>
+            <a:r>
+              <a:rPr lang="en-US" dirty="0"/>
+              <a:t>Finding 3</a:t>
+            </a:r>
+          </a:p>
+        </p:txBody>
+      </p:sp>
+      <p:sp>
+        <p:nvSpPr>
+          <p:cNvPr id="4" name="Content Placeholder 3">
+            <a:extLst>
+              <a:ext uri="{FF2B5EF4-FFF2-40B4-BE49-F238E27FC236}">
+                <a16:creationId xmlns:a16="http://schemas.microsoft.com/office/drawing/2014/main" id="{ACA6A89D-097D-4968-A07A-39A5B4F78A62}"/>
+              </a:ext>
+            </a:extLst>
+          </p:cNvPr>
+          <p:cNvSpPr>
+            <a:spLocks noGrp="1"/>
+          </p:cNvSpPr>
+          <p:nvPr>
+            <p:ph sz="half" idx="2"/>
+          </p:nvPr>
+        </p:nvSpPr>
+        <p:spPr/>
+        <p:txBody>
+          <a:bodyPr>
+            <a:normAutofit/>
+          </a:bodyPr>
+          <a:lstStyle/>
+          <a:p>
+            <a:pPr marL="0" indent="0">
+              <a:buNone/>
+            </a:pPr>
+            <a:r>
+              <a:rPr lang="en-US" dirty="0"/>
+              <a:t>Implications</a:t>
+            </a:r>
+          </a:p>
+          <a:p>
+            <a:pPr marL="0" indent="0">
+              <a:buNone/>
+            </a:pPr>
+            <a:endParaRPr lang="en-US" dirty="0"/>
+          </a:p>
+          <a:p>
+            <a:r>
+              <a:rPr lang="en-US" dirty="0"/>
+              <a:t>Implication 1</a:t>
+            </a:r>
+          </a:p>
+          <a:p>
+            <a:r>
+              <a:rPr lang="en-US" dirty="0"/>
+              <a:t>Implication 2</a:t>
+            </a:r>
+          </a:p>
+          <a:p>
+            <a:r>
+              <a:rPr lang="en-US" dirty="0"/>
+              <a:t>Implication 3</a:t>
+            </a:r>
+          </a:p>
+        </p:txBody>
+      </p:sp>
+    </p:spTree>
+    <p:extLst>
+      <p:ext uri="{BB962C8B-B14F-4D97-AF65-F5344CB8AC3E}">
+        <p14:creationId xmlns:p14="http://schemas.microsoft.com/office/powerpoint/2010/main" val="647271476"/>
+      </p:ext>
+    </p:extLst>
+  </p:cSld>
+  <p:clrMapOvr>
+    <a:masterClrMapping/>
+  </p:clrMapOvr>
+</p:sld>
+</file>
+
+<file path=ppt/slides/slide24.xml><?xml version="1.0" encoding="utf-8"?>
+<p:sld xmlns:a="http://schemas.openxmlformats.org/drawingml/2006/main" xmlns:r="http://schemas.openxmlformats.org/officeDocument/2006/relationships" xmlns:p="http://schemas.openxmlformats.org/presentationml/2006/main">
+  <p:cSld>
+    <p:spTree>
+      <p:nvGrpSpPr>
+        <p:cNvPr id="1" name=""/>
+        <p:cNvGrpSpPr/>
+        <p:nvPr/>
+      </p:nvGrpSpPr>
+      <p:grpSpPr>
+        <a:xfrm>
+          <a:off x="0" y="0"/>
+          <a:ext cx="0" cy="0"/>
+          <a:chOff x="0" y="0"/>
+          <a:chExt cx="0" cy="0"/>
+        </a:xfrm>
+      </p:grpSpPr>
+      <p:sp>
+        <p:nvSpPr>
+          <p:cNvPr id="2" name="Title 1">
+            <a:extLst>
+              <a:ext uri="{FF2B5EF4-FFF2-40B4-BE49-F238E27FC236}">
+                <a16:creationId xmlns:a16="http://schemas.microsoft.com/office/drawing/2014/main" id="{2873BEC0-94F5-4226-A9E7-51B66045EF49}"/>
+              </a:ext>
+            </a:extLst>
+          </p:cNvPr>
+          <p:cNvSpPr>
+            <a:spLocks noGrp="1"/>
+          </p:cNvSpPr>
+          <p:nvPr>
+            <p:ph type="title"/>
+          </p:nvPr>
+        </p:nvSpPr>
+        <p:spPr>
+          <a:xfrm>
+            <a:off x="838200" y="365125"/>
+            <a:ext cx="10515600" cy="1325563"/>
+          </a:xfrm>
+        </p:spPr>
+        <p:txBody>
+          <a:bodyPr anchor="ctr">
+            <a:normAutofit/>
+          </a:bodyPr>
+          <a:lstStyle/>
+          <a:p>
+            <a:r>
+              <a:rPr lang="en-US" dirty="0"/>
+              <a:t>CONCLUSION</a:t>
+            </a:r>
+          </a:p>
+        </p:txBody>
+      </p:sp>
+      <p:sp>
+        <p:nvSpPr>
+          <p:cNvPr id="5" name="Content Placeholder 3">
+            <a:extLst>
+              <a:ext uri="{FF2B5EF4-FFF2-40B4-BE49-F238E27FC236}">
+                <a16:creationId xmlns:a16="http://schemas.microsoft.com/office/drawing/2014/main" id="{28684E62-A9F8-4E7A-AB01-78893062A1B4}"/>
+              </a:ext>
+            </a:extLst>
+          </p:cNvPr>
+          <p:cNvSpPr>
+            <a:spLocks noGrp="1"/>
+          </p:cNvSpPr>
+          <p:nvPr>
+            <p:ph sz="half" idx="2"/>
+          </p:nvPr>
+        </p:nvSpPr>
+        <p:spPr>
+          <a:xfrm>
+            <a:off x="4544291" y="1825625"/>
+            <a:ext cx="6809509" cy="4351338"/>
+          </a:xfrm>
+        </p:spPr>
+        <p:txBody>
+          <a:bodyPr/>
+          <a:lstStyle/>
+          <a:p>
+            <a:r>
+              <a:rPr lang="en-US" dirty="0"/>
+              <a:t>Point 1</a:t>
+            </a:r>
+          </a:p>
+          <a:p>
+            <a:r>
+              <a:rPr lang="en-US" dirty="0"/>
+              <a:t>Point 2</a:t>
+            </a:r>
+          </a:p>
+          <a:p>
+            <a:r>
+              <a:rPr lang="en-US" dirty="0"/>
+              <a:t>Point 3</a:t>
+            </a:r>
+          </a:p>
+          <a:p>
+            <a:r>
+              <a:rPr lang="en-US" dirty="0"/>
+              <a:t>Point 4</a:t>
+            </a:r>
+          </a:p>
+        </p:txBody>
+      </p:sp>
+      <p:pic>
+        <p:nvPicPr>
+          <p:cNvPr id="6" name="Content Placeholder 5">
+            <a:extLst>
+              <a:ext uri="{FF2B5EF4-FFF2-40B4-BE49-F238E27FC236}">
+                <a16:creationId xmlns:a16="http://schemas.microsoft.com/office/drawing/2014/main" id="{5E013141-2139-434F-83AB-CF1C80A7AC4A}"/>
+              </a:ext>
+            </a:extLst>
+          </p:cNvPr>
+          <p:cNvPicPr>
+            <a:picLocks noGrp="1" noChangeAspect="1"/>
+          </p:cNvPicPr>
+          <p:nvPr>
+            <p:ph sz="half" idx="1"/>
+          </p:nvPr>
+        </p:nvPicPr>
+        <p:blipFill>
+          <a:blip r:embed="rId2"/>
+          <a:stretch>
+            <a:fillRect/>
+          </a:stretch>
+        </p:blipFill>
+        <p:spPr>
+          <a:xfrm>
+            <a:off x="1125967" y="2113896"/>
+            <a:ext cx="3054361" cy="3054361"/>
+          </a:xfrm>
+          <a:prstGeom prst="rect">
+            <a:avLst/>
+          </a:prstGeom>
+        </p:spPr>
+      </p:pic>
+    </p:spTree>
+    <p:extLst>
+      <p:ext uri="{BB962C8B-B14F-4D97-AF65-F5344CB8AC3E}">
+        <p14:creationId xmlns:p14="http://schemas.microsoft.com/office/powerpoint/2010/main" val="1630123617"/>
+      </p:ext>
+    </p:extLst>
+  </p:cSld>
+  <p:clrMapOvr>
+    <a:masterClrMapping/>
+  </p:clrMapOvr>
+</p:sld>
+</file>
+
+<file path=ppt/slides/slide25.xml><?xml version="1.0" encoding="utf-8"?>
+<p:sld xmlns:a="http://schemas.openxmlformats.org/drawingml/2006/main" xmlns:r="http://schemas.openxmlformats.org/officeDocument/2006/relationships" xmlns:p="http://schemas.openxmlformats.org/presentationml/2006/main">
+  <p:cSld>
+    <p:spTree>
+      <p:nvGrpSpPr>
+        <p:cNvPr id="1" name=""/>
+        <p:cNvGrpSpPr/>
+        <p:nvPr/>
+      </p:nvGrpSpPr>
+      <p:grpSpPr>
+        <a:xfrm>
+          <a:off x="0" y="0"/>
+          <a:ext cx="0" cy="0"/>
+          <a:chOff x="0" y="0"/>
+          <a:chExt cx="0" cy="0"/>
+        </a:xfrm>
+      </p:grpSpPr>
+      <p:sp>
+        <p:nvSpPr>
+          <p:cNvPr id="2" name="Title 1">
+            <a:extLst>
+              <a:ext uri="{FF2B5EF4-FFF2-40B4-BE49-F238E27FC236}">
+                <a16:creationId xmlns:a16="http://schemas.microsoft.com/office/drawing/2014/main" id="{2873BEC0-94F5-4226-A9E7-51B66045EF49}"/>
+              </a:ext>
+            </a:extLst>
+          </p:cNvPr>
+          <p:cNvSpPr>
+            <a:spLocks noGrp="1"/>
+          </p:cNvSpPr>
+          <p:nvPr>
+            <p:ph type="title"/>
+          </p:nvPr>
+        </p:nvSpPr>
+        <p:spPr>
+          <a:xfrm>
+            <a:off x="838200" y="365125"/>
+            <a:ext cx="10515600" cy="1325563"/>
+          </a:xfrm>
+        </p:spPr>
+        <p:txBody>
+          <a:bodyPr anchor="ctr">
+            <a:normAutofit/>
+          </a:bodyPr>
+          <a:lstStyle/>
+          <a:p>
+            <a:r>
+              <a:rPr lang="en-US" dirty="0"/>
+              <a:t>APPENDIX</a:t>
+            </a:r>
+          </a:p>
+        </p:txBody>
+      </p:sp>
+      <p:sp>
+        <p:nvSpPr>
+          <p:cNvPr id="5" name="Content Placeholder 3">
+            <a:extLst>
+              <a:ext uri="{FF2B5EF4-FFF2-40B4-BE49-F238E27FC236}">
+                <a16:creationId xmlns:a16="http://schemas.microsoft.com/office/drawing/2014/main" id="{28684E62-A9F8-4E7A-AB01-78893062A1B4}"/>
+              </a:ext>
+            </a:extLst>
+          </p:cNvPr>
+          <p:cNvSpPr>
+            <a:spLocks noGrp="1"/>
+          </p:cNvSpPr>
+          <p:nvPr>
+            <p:ph sz="half" idx="2"/>
+          </p:nvPr>
+        </p:nvSpPr>
+        <p:spPr>
+          <a:xfrm>
+            <a:off x="4544291" y="1825625"/>
+            <a:ext cx="6809509" cy="4351338"/>
+          </a:xfrm>
+        </p:spPr>
+        <p:txBody>
+          <a:bodyPr/>
+          <a:lstStyle/>
+          <a:p>
+            <a:r>
+              <a:rPr lang="en-US" dirty="0"/>
+              <a:t>Include any relevant additional charts, or tables that you may have created during the analysis phase.</a:t>
+            </a:r>
+          </a:p>
+        </p:txBody>
+      </p:sp>
+      <p:pic>
+        <p:nvPicPr>
+          <p:cNvPr id="4" name="Content Placeholder 3">
+            <a:extLst>
+              <a:ext uri="{FF2B5EF4-FFF2-40B4-BE49-F238E27FC236}">
+                <a16:creationId xmlns:a16="http://schemas.microsoft.com/office/drawing/2014/main" id="{D5D63823-FC2E-4AC2-93D5-3C2B6F315436}"/>
+              </a:ext>
+            </a:extLst>
+          </p:cNvPr>
+          <p:cNvPicPr>
+            <a:picLocks noGrp="1" noChangeAspect="1"/>
+          </p:cNvPicPr>
+          <p:nvPr>
+            <p:ph sz="half" idx="1"/>
+          </p:nvPr>
+        </p:nvPicPr>
+        <p:blipFill>
+          <a:blip r:embed="rId2"/>
+          <a:stretch>
+            <a:fillRect/>
+          </a:stretch>
+        </p:blipFill>
+        <p:spPr>
+          <a:xfrm>
+            <a:off x="1055857" y="1849823"/>
+            <a:ext cx="3194581" cy="3194581"/>
+          </a:xfrm>
+          <a:prstGeom prst="rect">
+            <a:avLst/>
+          </a:prstGeom>
+        </p:spPr>
+      </p:pic>
+    </p:spTree>
+    <p:extLst>
+      <p:ext uri="{BB962C8B-B14F-4D97-AF65-F5344CB8AC3E}">
+        <p14:creationId xmlns:p14="http://schemas.microsoft.com/office/powerpoint/2010/main" val="3410008520"/>
+      </p:ext>
+    </p:extLst>
+  </p:cSld>
+  <p:clrMapOvr>
+    <a:masterClrMapping/>
+  </p:clrMapOvr>
+</p:sld>
+</file>
+
+<file path=ppt/slides/slide26.xml><?xml version="1.0" encoding="utf-8"?>
+<p:sld xmlns:a="http://schemas.openxmlformats.org/drawingml/2006/main" xmlns:r="http://schemas.openxmlformats.org/officeDocument/2006/relationships" xmlns:p="http://schemas.openxmlformats.org/presentationml/2006/main">
+  <p:cSld>
+    <p:spTree>
+      <p:nvGrpSpPr>
+        <p:cNvPr id="1" name=""/>
+        <p:cNvGrpSpPr/>
+        <p:nvPr/>
+      </p:nvGrpSpPr>
+      <p:grpSpPr>
+        <a:xfrm>
+          <a:off x="0" y="0"/>
+          <a:ext cx="0" cy="0"/>
+          <a:chOff x="0" y="0"/>
+          <a:chExt cx="0" cy="0"/>
+        </a:xfrm>
+      </p:grpSpPr>
+      <p:sp>
+        <p:nvSpPr>
+          <p:cNvPr id="2" name="Title 1">
+            <a:extLst>
+              <a:ext uri="{FF2B5EF4-FFF2-40B4-BE49-F238E27FC236}">
+                <a16:creationId xmlns:a16="http://schemas.microsoft.com/office/drawing/2014/main" id="{2873BEC0-94F5-4226-A9E7-51B66045EF49}"/>
+              </a:ext>
+            </a:extLst>
+          </p:cNvPr>
+          <p:cNvSpPr>
+            <a:spLocks noGrp="1"/>
+          </p:cNvSpPr>
+          <p:nvPr>
+            <p:ph type="title"/>
+          </p:nvPr>
+        </p:nvSpPr>
+        <p:spPr>
+          <a:xfrm>
+            <a:off x="538248" y="383051"/>
+            <a:ext cx="5929053" cy="1325563"/>
+          </a:xfrm>
+        </p:spPr>
+        <p:txBody>
+          <a:bodyPr anchor="ctr">
+            <a:normAutofit/>
+          </a:bodyPr>
+          <a:lstStyle/>
+          <a:p>
+            <a:r>
+              <a:rPr lang="en-US" dirty="0"/>
+              <a:t> JOB POSTINGS</a:t>
+            </a:r>
+          </a:p>
+        </p:txBody>
+      </p:sp>
+      <p:sp>
+        <p:nvSpPr>
+          <p:cNvPr id="3" name="Content Placeholder 2">
+            <a:extLst>
+              <a:ext uri="{FF2B5EF4-FFF2-40B4-BE49-F238E27FC236}">
+                <a16:creationId xmlns:a16="http://schemas.microsoft.com/office/drawing/2014/main" id="{902FD5C4-FE5F-46D2-ABC9-49FA4BB8442F}"/>
+              </a:ext>
+            </a:extLst>
+          </p:cNvPr>
+          <p:cNvSpPr>
+            <a:spLocks noGrp="1"/>
+          </p:cNvSpPr>
+          <p:nvPr>
+            <p:ph sz="half" idx="2"/>
+          </p:nvPr>
+        </p:nvSpPr>
+        <p:spPr>
+          <a:xfrm>
+            <a:off x="914400" y="2191385"/>
+            <a:ext cx="10489276" cy="2862753"/>
+          </a:xfrm>
+        </p:spPr>
+        <p:txBody>
+          <a:bodyPr>
+            <a:normAutofit/>
+          </a:bodyPr>
+          <a:lstStyle/>
+          <a:p>
+            <a:pPr marL="0" indent="0">
+              <a:buNone/>
+            </a:pPr>
+            <a:r>
+              <a:rPr lang="en-US" sz="2200" dirty="0"/>
+              <a:t>In Module 1 you have collected the job posting data using Job API in a file named “</a:t>
+            </a:r>
+            <a:r>
+              <a:rPr lang="en-IN" sz="2400" dirty="0"/>
+              <a:t>job-postings.xlsx</a:t>
+            </a:r>
+            <a:r>
+              <a:rPr lang="en-US" sz="2200" dirty="0"/>
+              <a:t>”. Present that data using a bar chart here. Order the bar chart in the descending order of the number of job </a:t>
+            </a:r>
+            <a:r>
+              <a:rPr lang="en-US" sz="2200"/>
+              <a:t>postings.</a:t>
+            </a:r>
+            <a:endParaRPr lang="en-US" sz="2200" dirty="0"/>
+          </a:p>
+        </p:txBody>
+      </p:sp>
+    </p:spTree>
+    <p:extLst>
+      <p:ext uri="{BB962C8B-B14F-4D97-AF65-F5344CB8AC3E}">
+        <p14:creationId xmlns:p14="http://schemas.microsoft.com/office/powerpoint/2010/main" val="3078551498"/>
+      </p:ext>
+    </p:extLst>
+  </p:cSld>
+  <p:clrMapOvr>
+    <a:masterClrMapping/>
+  </p:clrMapOvr>
+</p:sld>
+</file>
+
+<file path=ppt/slides/slide27.xml><?xml version="1.0" encoding="utf-8"?>
+<p:sld xmlns:a="http://schemas.openxmlformats.org/drawingml/2006/main" xmlns:r="http://schemas.openxmlformats.org/officeDocument/2006/relationships" xmlns:p="http://schemas.openxmlformats.org/presentationml/2006/main">
+  <p:cSld>
+    <p:spTree>
+      <p:nvGrpSpPr>
+        <p:cNvPr id="1" name=""/>
+        <p:cNvGrpSpPr/>
+        <p:nvPr/>
+      </p:nvGrpSpPr>
+      <p:grpSpPr>
+        <a:xfrm>
+          <a:off x="0" y="0"/>
+          <a:ext cx="0" cy="0"/>
+          <a:chOff x="0" y="0"/>
+          <a:chExt cx="0" cy="0"/>
+        </a:xfrm>
+      </p:grpSpPr>
+      <p:sp>
+        <p:nvSpPr>
+          <p:cNvPr id="2" name="Title 1">
+            <a:extLst>
+              <a:ext uri="{FF2B5EF4-FFF2-40B4-BE49-F238E27FC236}">
+                <a16:creationId xmlns:a16="http://schemas.microsoft.com/office/drawing/2014/main" id="{2873BEC0-94F5-4226-A9E7-51B66045EF49}"/>
+              </a:ext>
+            </a:extLst>
+          </p:cNvPr>
+          <p:cNvSpPr>
+            <a:spLocks noGrp="1"/>
+          </p:cNvSpPr>
+          <p:nvPr>
+            <p:ph type="title"/>
+          </p:nvPr>
+        </p:nvSpPr>
+        <p:spPr>
+          <a:xfrm>
             <a:off x="538248" y="383051"/>
             <a:ext cx="5929053" cy="1325563"/>
           </a:xfrm>
@@ -8898,8 +11735,8 @@
         </p:nvSpPr>
         <p:spPr>
           <a:xfrm>
-            <a:off x="4285075" y="1825625"/>
-            <a:ext cx="7068725" cy="4351338"/>
+            <a:off x="559559" y="1825625"/>
+            <a:ext cx="10794242" cy="4351338"/>
           </a:xfrm>
         </p:spPr>
         <p:txBody>
@@ -8920,16 +11757,28 @@
             <a:pPr marL="0" indent="0">
               <a:buNone/>
             </a:pPr>
-            <a:r>
-              <a:rPr lang="en-US" sz="1800" dirty="0"/>
-              <a:t>Exploratory data analysis (EDA) was performed on the clean data using visualization tools like Python's matplotlib and seaborn libraries, as well as SQL queries to answer questions. Python's interactive visualization packages were used to answer some analytical questions. </a:t>
-            </a:r>
+            <a:endParaRPr lang="en-US" sz="1800" dirty="0"/>
           </a:p>
           <a:p>
             <a:pPr marL="0" indent="0">
               <a:buNone/>
             </a:pPr>
             <a:r>
+              <a:rPr lang="en-US" sz="1800" dirty="0"/>
+              <a:t>Exploratory data analysis (EDA) was performed on the clean data using visualization tools like Python's matplotlib and seaborn libraries, as well as SQL queries to answer questions. Python's interactive visualization packages were used to answer some analytical questions. </a:t>
+            </a:r>
+          </a:p>
+          <a:p>
+            <a:pPr marL="0" indent="0">
+              <a:buNone/>
+            </a:pPr>
+            <a:endParaRPr lang="en-US" sz="1800" dirty="0"/>
+          </a:p>
+          <a:p>
+            <a:pPr marL="0" indent="0">
+              <a:buNone/>
+            </a:pPr>
+            <a:r>
               <a:rPr lang="en-US" sz="1800" dirty="0" err="1"/>
               <a:t>Plotly</a:t>
             </a:r>
@@ -8937,6 +11786,12 @@
               <a:rPr lang="en-US" sz="1800" dirty="0"/>
               <a:t> Dash was used to create interactive data visualizations and Folium was used to create maps.</a:t>
             </a:r>
+          </a:p>
+          <a:p>
+            <a:pPr marL="0" indent="0">
+              <a:buNone/>
+            </a:pPr>
+            <a:endParaRPr lang="en-US" sz="1800" dirty="0"/>
           </a:p>
           <a:p>
             <a:pPr marL="0" indent="0">
@@ -8965,18 +11820,7 @@
         </p:nvPicPr>
         <p:blipFill>
           <a:blip r:embed="rId3">
-            <a:alphaModFix amt="60000"/>
-            <a:extLst>
-              <a:ext uri="{BEBA8EAE-BF5A-486C-A8C5-ECC9F3942E4B}">
-                <a14:imgProps xmlns:a14="http://schemas.microsoft.com/office/drawing/2010/main">
-                  <a14:imgLayer r:embed="rId4">
-                    <a14:imgEffect>
-                      <a14:brightnessContrast contrast="1000"/>
-                    </a14:imgEffect>
-                  </a14:imgLayer>
-                </a14:imgProps>
-              </a:ext>
-            </a:extLst>
+            <a:alphaModFix amt="7000"/>
           </a:blip>
           <a:stretch>
             <a:fillRect/>
@@ -8990,6 +11834,13 @@
           <a:prstGeom prst="rect">
             <a:avLst/>
           </a:prstGeom>
+          <a:effectLst>
+            <a:glow>
+              <a:schemeClr val="accent1">
+                <a:alpha val="40000"/>
+              </a:schemeClr>
+            </a:glow>
+          </a:effectLst>
         </p:spPr>
       </p:pic>
     </p:spTree>
@@ -9027,119 +11878,7 @@
           <p:cNvPr id="2" name="Title 1">
             <a:extLst>
               <a:ext uri="{FF2B5EF4-FFF2-40B4-BE49-F238E27FC236}">
-                <a16:creationId xmlns:a16="http://schemas.microsoft.com/office/drawing/2014/main" id="{2873BEC0-94F5-4226-A9E7-51B66045EF49}"/>
-              </a:ext>
-            </a:extLst>
-          </p:cNvPr>
-          <p:cNvSpPr>
-            <a:spLocks noGrp="1"/>
-          </p:cNvSpPr>
-          <p:nvPr>
-            <p:ph type="title"/>
-          </p:nvPr>
-        </p:nvSpPr>
-        <p:spPr>
-          <a:xfrm>
-            <a:off x="838200" y="365125"/>
-            <a:ext cx="10515600" cy="1325563"/>
-          </a:xfrm>
-        </p:spPr>
-        <p:txBody>
-          <a:bodyPr anchor="ctr">
-            <a:normAutofit/>
-          </a:bodyPr>
-          <a:lstStyle/>
-          <a:p>
-            <a:r>
-              <a:rPr lang="en-US" dirty="0"/>
-              <a:t>RESULTS</a:t>
-            </a:r>
-          </a:p>
-        </p:txBody>
-      </p:sp>
-      <p:sp>
-        <p:nvSpPr>
-          <p:cNvPr id="3" name="Content Placeholder 2">
-            <a:extLst>
-              <a:ext uri="{FF2B5EF4-FFF2-40B4-BE49-F238E27FC236}">
-                <a16:creationId xmlns:a16="http://schemas.microsoft.com/office/drawing/2014/main" id="{902FD5C4-FE5F-46D2-ABC9-49FA4BB8442F}"/>
-              </a:ext>
-            </a:extLst>
-          </p:cNvPr>
-          <p:cNvSpPr>
-            <a:spLocks noGrp="1"/>
-          </p:cNvSpPr>
-          <p:nvPr>
-            <p:ph sz="half" idx="2"/>
-          </p:nvPr>
-        </p:nvSpPr>
-        <p:spPr>
-          <a:xfrm>
-            <a:off x="1043114" y="1825625"/>
-            <a:ext cx="7068725" cy="4351338"/>
-          </a:xfrm>
-        </p:spPr>
-        <p:txBody>
-          <a:bodyPr>
-            <a:normAutofit/>
-          </a:bodyPr>
-          <a:lstStyle/>
-          <a:p>
-            <a:pPr marL="0" indent="0">
-              <a:buNone/>
-            </a:pPr>
-            <a:endParaRPr lang="en-US" sz="1800" dirty="0"/>
-          </a:p>
-          <a:p>
-            <a:pPr marL="0" indent="0">
-              <a:buNone/>
-            </a:pPr>
-            <a:endParaRPr lang="en-US" sz="1800" dirty="0"/>
-          </a:p>
-          <a:p>
-            <a:pPr marL="0" indent="0">
-              <a:buNone/>
-            </a:pPr>
-            <a:endParaRPr lang="en-US" sz="1800" dirty="0"/>
-          </a:p>
-        </p:txBody>
-      </p:sp>
-    </p:spTree>
-    <p:extLst>
-      <p:ext uri="{BB962C8B-B14F-4D97-AF65-F5344CB8AC3E}">
-        <p14:creationId xmlns:p14="http://schemas.microsoft.com/office/powerpoint/2010/main" val="1464666480"/>
-      </p:ext>
-    </p:extLst>
-  </p:cSld>
-  <p:clrMapOvr>
-    <a:masterClrMapping/>
-  </p:clrMapOvr>
-</p:sld>
-</file>
-
-<file path=ppt/slides/slide7.xml><?xml version="1.0" encoding="utf-8"?>
-<p:sld xmlns:a="http://schemas.openxmlformats.org/drawingml/2006/main" xmlns:r="http://schemas.openxmlformats.org/officeDocument/2006/relationships" xmlns:p="http://schemas.openxmlformats.org/presentationml/2006/main">
-  <p:cSld>
-    <p:spTree>
-      <p:nvGrpSpPr>
-        <p:cNvPr id="1" name=""/>
-        <p:cNvGrpSpPr/>
-        <p:nvPr/>
-      </p:nvGrpSpPr>
-      <p:grpSpPr>
-        <a:xfrm>
-          <a:off x="0" y="0"/>
-          <a:ext cx="0" cy="0"/>
-          <a:chOff x="0" y="0"/>
-          <a:chExt cx="0" cy="0"/>
-        </a:xfrm>
-      </p:grpSpPr>
-      <p:sp>
-        <p:nvSpPr>
-          <p:cNvPr id="2" name="Title 1">
-            <a:extLst>
-              <a:ext uri="{FF2B5EF4-FFF2-40B4-BE49-F238E27FC236}">
-                <a16:creationId xmlns:a16="http://schemas.microsoft.com/office/drawing/2014/main" id="{65C3525F-7CB4-4C06-B037-C81D2DED9B80}"/>
+                <a16:creationId xmlns:a16="http://schemas.microsoft.com/office/drawing/2014/main" id="{61DF2A16-3A91-D21C-70CC-3E4F09C6D346}"/>
               </a:ext>
             </a:extLst>
           </p:cNvPr>
@@ -9152,13 +11891,57 @@
         </p:nvSpPr>
         <p:spPr/>
         <p:txBody>
-          <a:bodyPr/>
+          <a:bodyPr>
+            <a:normAutofit fontScale="90000"/>
+          </a:bodyPr>
           <a:lstStyle/>
           <a:p>
             <a:r>
               <a:rPr lang="en-US" dirty="0"/>
-              <a:t>PROGRAMMING LANGUAGE TRENDS</a:t>
-            </a:r>
+              <a:t>Completed labs :	</a:t>
+            </a:r>
+            <a:r>
+              <a:rPr lang="en-US" b="1" dirty="0">
+                <a:solidFill>
+                  <a:srgbClr val="569CD6"/>
+                </a:solidFill>
+                <a:effectLst/>
+                <a:latin typeface="Consolas" panose="020B0609020204030204" pitchFamily="49" charset="0"/>
+                <a:hlinkClick r:id="rId2"/>
+              </a:rPr>
+              <a:t>Data wrangling </a:t>
+            </a:r>
+            <a:r>
+              <a:rPr lang="en-US" b="1" dirty="0">
+                <a:solidFill>
+                  <a:srgbClr val="569CD6"/>
+                </a:solidFill>
+                <a:effectLst/>
+                <a:latin typeface="Consolas" panose="020B0609020204030204" pitchFamily="49" charset="0"/>
+              </a:rPr>
+              <a:t>&amp; </a:t>
+            </a:r>
+            <a:r>
+              <a:rPr lang="en-US" b="1" dirty="0">
+                <a:solidFill>
+                  <a:srgbClr val="569CD6"/>
+                </a:solidFill>
+                <a:effectLst/>
+                <a:latin typeface="Consolas" panose="020B0609020204030204" pitchFamily="49" charset="0"/>
+                <a:hlinkClick r:id="rId3"/>
+              </a:rPr>
+              <a:t>Data Collection </a:t>
+            </a:r>
+            <a:br>
+              <a:rPr lang="en-US" b="0" dirty="0">
+                <a:solidFill>
+                  <a:srgbClr val="D4D4D4"/>
+                </a:solidFill>
+                <a:effectLst/>
+                <a:latin typeface="Consolas" panose="020B0609020204030204" pitchFamily="49" charset="0"/>
+              </a:rPr>
+            </a:br>
+            <a:endParaRPr lang="en-US" dirty="0"/>
           </a:p>
         </p:txBody>
       </p:sp>
@@ -9167,7 +11950,7 @@
           <p:cNvPr id="3" name="Content Placeholder 2">
             <a:extLst>
               <a:ext uri="{FF2B5EF4-FFF2-40B4-BE49-F238E27FC236}">
-                <a16:creationId xmlns:a16="http://schemas.microsoft.com/office/drawing/2014/main" id="{E4FC0D20-FACF-4D73-BD27-CF8F6B97546A}"/>
+                <a16:creationId xmlns:a16="http://schemas.microsoft.com/office/drawing/2014/main" id="{AE070912-6FA5-754A-2AC2-5AD09682A932}"/>
               </a:ext>
             </a:extLst>
           </p:cNvPr>
@@ -9178,68 +11961,157 @@
             <p:ph sz="half" idx="1"/>
           </p:nvPr>
         </p:nvSpPr>
-        <p:spPr>
-          <a:xfrm>
-            <a:off x="813816" y="1825625"/>
-            <a:ext cx="2228642" cy="501939"/>
-          </a:xfrm>
-        </p:spPr>
+        <p:spPr/>
         <p:txBody>
           <a:bodyPr/>
           <a:lstStyle/>
           <a:p>
-            <a:pPr marL="0" indent="0">
-              <a:buNone/>
-            </a:pPr>
             <a:r>
               <a:rPr lang="en-US" dirty="0"/>
-              <a:t>Current Year</a:t>
-            </a:r>
+              <a:t>Data Collection :</a:t>
+            </a:r>
+          </a:p>
+          <a:p>
+            <a:pPr algn="l"/>
+            <a:r>
+              <a:rPr lang="en-US" sz="1800" b="0" i="0" u="none" strike="noStrike" baseline="0" dirty="0">
+                <a:solidFill>
+                  <a:srgbClr val="262626"/>
+                </a:solidFill>
+                <a:latin typeface="MicrosoftJhengHeiRegular"/>
+              </a:rPr>
+              <a:t>Request and parse the SpaceX launch data using the GET request</a:t>
+            </a:r>
+          </a:p>
+          <a:p>
+            <a:pPr algn="l"/>
+            <a:r>
+              <a:rPr lang="en-US" sz="1800" b="0" i="0" u="none" strike="noStrike" baseline="0" dirty="0">
+                <a:solidFill>
+                  <a:srgbClr val="262626"/>
+                </a:solidFill>
+                <a:latin typeface="MicrosoftJhengHeiRegular"/>
+              </a:rPr>
+              <a:t>Normalize JSON response into a </a:t>
+            </a:r>
+            <a:r>
+              <a:rPr lang="en-US" sz="1800" b="0" i="0" u="none" strike="noStrike" baseline="0" dirty="0" err="1">
+                <a:solidFill>
+                  <a:srgbClr val="262626"/>
+                </a:solidFill>
+                <a:latin typeface="MicrosoftJhengHeiRegular"/>
+              </a:rPr>
+              <a:t>dataFame</a:t>
+            </a:r>
+            <a:endParaRPr lang="en-US" sz="1800" dirty="0">
+              <a:solidFill>
+                <a:srgbClr val="262626"/>
+              </a:solidFill>
+              <a:latin typeface="MicrosoftJhengHeiRegular"/>
+            </a:endParaRPr>
+          </a:p>
+          <a:p>
+            <a:pPr algn="l"/>
+            <a:r>
+              <a:rPr lang="en-US" sz="1800" b="0" i="0" u="none" strike="noStrike" baseline="0" dirty="0">
+                <a:solidFill>
+                  <a:srgbClr val="262626"/>
+                </a:solidFill>
+                <a:latin typeface="MicrosoftJhengHeiRegular"/>
+              </a:rPr>
+              <a:t>Extract only useful columns using auxiliary</a:t>
+            </a:r>
+            <a:r>
+              <a:rPr lang="en-US" sz="1800" dirty="0">
+                <a:solidFill>
+                  <a:srgbClr val="262626"/>
+                </a:solidFill>
+                <a:latin typeface="MicrosoftJhengHeiRegular"/>
+              </a:rPr>
+              <a:t> </a:t>
+            </a:r>
+            <a:r>
+              <a:rPr lang="en-US" sz="1800" b="0" i="0" u="none" strike="noStrike" baseline="0" dirty="0">
+                <a:solidFill>
+                  <a:srgbClr val="262626"/>
+                </a:solidFill>
+                <a:latin typeface="MicrosoftJhengHeiRegular"/>
+              </a:rPr>
+              <a:t>functions</a:t>
+            </a:r>
+          </a:p>
+          <a:p>
+            <a:pPr algn="l"/>
+            <a:r>
+              <a:rPr lang="en-US" sz="1800" b="0" i="0" u="none" strike="noStrike" baseline="0" dirty="0">
+                <a:solidFill>
+                  <a:srgbClr val="262626"/>
+                </a:solidFill>
+                <a:latin typeface="MicrosoftJhengHeiRegular"/>
+              </a:rPr>
+              <a:t>Create new Pandas data Frame from dictionary</a:t>
+            </a:r>
+            <a:endParaRPr lang="en-US" sz="1800" dirty="0">
+              <a:solidFill>
+                <a:srgbClr val="262626"/>
+              </a:solidFill>
+              <a:latin typeface="MicrosoftJhengHeiRegular"/>
+            </a:endParaRPr>
+          </a:p>
+          <a:p>
+            <a:pPr algn="l"/>
+            <a:r>
+              <a:rPr lang="en-US" sz="1800" b="0" i="0" u="none" strike="noStrike" baseline="0" dirty="0">
+                <a:solidFill>
+                  <a:srgbClr val="262626"/>
+                </a:solidFill>
+                <a:latin typeface="MicrosoftJhengHeiRegular"/>
+              </a:rPr>
+              <a:t>Filter data Frame to only include Falcon 9 launches</a:t>
+            </a:r>
+          </a:p>
+          <a:p>
+            <a:pPr algn="l"/>
+            <a:r>
+              <a:rPr lang="en-US" sz="1800" b="0" i="0" u="none" strike="noStrike" baseline="0" dirty="0">
+                <a:solidFill>
+                  <a:srgbClr val="262626"/>
+                </a:solidFill>
+                <a:latin typeface="MicrosoftJhengHeiRegular"/>
+              </a:rPr>
+              <a:t>Handle missing values</a:t>
+            </a:r>
+            <a:endParaRPr lang="en-US" sz="1800" dirty="0">
+              <a:solidFill>
+                <a:srgbClr val="262626"/>
+              </a:solidFill>
+              <a:latin typeface="MicrosoftJhengHeiRegular"/>
+            </a:endParaRPr>
+          </a:p>
+          <a:p>
+            <a:pPr algn="l"/>
+            <a:r>
+              <a:rPr lang="en-US" sz="1800" b="0" i="0" u="none" strike="noStrike" baseline="0" dirty="0">
+                <a:solidFill>
+                  <a:srgbClr val="262626"/>
+                </a:solidFill>
+                <a:latin typeface="MicrosoftJhengHeiRegular"/>
+              </a:rPr>
+              <a:t>Export to CSV file</a:t>
+            </a:r>
+            <a:endParaRPr lang="en-US" dirty="0"/>
+          </a:p>
+          <a:p>
+            <a:endParaRPr lang="en-US" dirty="0"/>
           </a:p>
         </p:txBody>
       </p:sp>
       <p:sp>
         <p:nvSpPr>
-          <p:cNvPr id="4" name="Content Placeholder 3">
+          <p:cNvPr id="5" name="Content Placeholder 2">
             <a:extLst>
               <a:ext uri="{FF2B5EF4-FFF2-40B4-BE49-F238E27FC236}">
-                <a16:creationId xmlns:a16="http://schemas.microsoft.com/office/drawing/2014/main" id="{ACA6A89D-097D-4968-A07A-39A5B4F78A62}"/>
-              </a:ext>
-            </a:extLst>
-          </p:cNvPr>
-          <p:cNvSpPr>
-            <a:spLocks noGrp="1"/>
-          </p:cNvSpPr>
-          <p:nvPr>
-            <p:ph sz="half" idx="2"/>
-          </p:nvPr>
-        </p:nvSpPr>
-        <p:spPr>
-          <a:xfrm>
-            <a:off x="6172200" y="1825625"/>
-            <a:ext cx="1758142" cy="501939"/>
-          </a:xfrm>
-        </p:spPr>
-        <p:txBody>
-          <a:bodyPr/>
-          <a:lstStyle/>
-          <a:p>
-            <a:pPr marL="0" indent="0">
-              <a:buNone/>
-            </a:pPr>
-            <a:r>
-              <a:rPr lang="en-US" dirty="0"/>
-              <a:t>Next Year</a:t>
-            </a:r>
-          </a:p>
-        </p:txBody>
-      </p:sp>
-      <p:sp>
-        <p:nvSpPr>
-          <p:cNvPr id="8" name="Content Placeholder 2">
-            <a:extLst>
-              <a:ext uri="{FF2B5EF4-FFF2-40B4-BE49-F238E27FC236}">
-                <a16:creationId xmlns:a16="http://schemas.microsoft.com/office/drawing/2014/main" id="{D13C2F43-A283-4FD4-9C0D-BFF93C50AC01}"/>
+                <a16:creationId xmlns:a16="http://schemas.microsoft.com/office/drawing/2014/main" id="{2CA70457-2EBD-808D-ECED-9FF8EB5C89E7}"/>
               </a:ext>
             </a:extLst>
           </p:cNvPr>
@@ -9250,8 +12122,8 @@
         </p:nvSpPr>
         <p:spPr>
           <a:xfrm>
-            <a:off x="838199" y="2506661"/>
-            <a:ext cx="4614949" cy="3670301"/>
+            <a:off x="6019800" y="1825625"/>
+            <a:ext cx="5181600" cy="4351338"/>
           </a:xfrm>
           <a:prstGeom prst="rect">
             <a:avLst/>
@@ -9426,222 +12298,411 @@
             </a:lvl9pPr>
           </a:lstStyle>
           <a:p>
-            <a:pPr marL="0" indent="0">
-              <a:buNone/>
-            </a:pPr>
-            <a:r>
-              <a:rPr lang="en-US" sz="2200" dirty="0"/>
-              <a:t>&lt;Bar chart of top 5 programming languages for the current year goes here.&gt;</a:t>
-            </a:r>
-          </a:p>
-        </p:txBody>
-      </p:sp>
-      <p:sp>
-        <p:nvSpPr>
-          <p:cNvPr id="10" name="Content Placeholder 2">
-            <a:extLst>
-              <a:ext uri="{FF2B5EF4-FFF2-40B4-BE49-F238E27FC236}">
-                <a16:creationId xmlns:a16="http://schemas.microsoft.com/office/drawing/2014/main" id="{AE706D50-7D14-4DB8-BE17-5497AA1715EE}"/>
-              </a:ext>
-            </a:extLst>
-          </p:cNvPr>
-          <p:cNvSpPr txBox="1">
-            <a:spLocks/>
-          </p:cNvSpPr>
-          <p:nvPr/>
-        </p:nvSpPr>
-        <p:spPr>
-          <a:xfrm>
-            <a:off x="6172200" y="2506661"/>
-            <a:ext cx="4614949" cy="3670301"/>
-          </a:xfrm>
-          <a:prstGeom prst="rect">
-            <a:avLst/>
-          </a:prstGeom>
-        </p:spPr>
-        <p:txBody>
-          <a:bodyPr vert="horz" lIns="91440" tIns="45720" rIns="91440" bIns="45720" rtlCol="0">
-            <a:normAutofit/>
-          </a:bodyPr>
-          <a:lstStyle>
-            <a:lvl1pPr marL="228600" indent="-228600" algn="l" defTabSz="914400" rtl="0" eaLnBrk="1" latinLnBrk="0" hangingPunct="1">
-              <a:lnSpc>
-                <a:spcPct val="90000"/>
-              </a:lnSpc>
-              <a:spcBef>
-                <a:spcPts val="1000"/>
-              </a:spcBef>
-              <a:buFont typeface="Arial"/>
-              <a:buChar char="•"/>
-              <a:defRPr sz="2800" kern="1200">
-                <a:solidFill>
-                  <a:srgbClr val="0070C0"/>
-                </a:solidFill>
-                <a:latin typeface="IBM Plex Mono Text" panose="020B0509050203000203" pitchFamily="49" charset="0"/>
-                <a:ea typeface="+mn-ea"/>
-                <a:cs typeface="+mn-cs"/>
-              </a:defRPr>
-            </a:lvl1pPr>
-            <a:lvl2pPr marL="685800" indent="-228600" algn="l" defTabSz="914400" rtl="0" eaLnBrk="1" latinLnBrk="0" hangingPunct="1">
-              <a:lnSpc>
-                <a:spcPct val="90000"/>
-              </a:lnSpc>
-              <a:spcBef>
-                <a:spcPts val="500"/>
-              </a:spcBef>
-              <a:buFont typeface="Arial"/>
-              <a:buChar char="•"/>
-              <a:defRPr sz="2400" kern="1200">
-                <a:solidFill>
-                  <a:srgbClr val="0070C0"/>
-                </a:solidFill>
-                <a:latin typeface="IBM Plex Mono Text" panose="020B0509050203000203" pitchFamily="49" charset="0"/>
-                <a:ea typeface="+mn-ea"/>
-                <a:cs typeface="+mn-cs"/>
-              </a:defRPr>
-            </a:lvl2pPr>
-            <a:lvl3pPr marL="1143000" indent="-228600" algn="l" defTabSz="914400" rtl="0" eaLnBrk="1" latinLnBrk="0" hangingPunct="1">
-              <a:lnSpc>
-                <a:spcPct val="90000"/>
-              </a:lnSpc>
-              <a:spcBef>
-                <a:spcPts val="500"/>
-              </a:spcBef>
-              <a:buFont typeface="Arial"/>
-              <a:buChar char="•"/>
-              <a:defRPr sz="2000" kern="1200">
-                <a:solidFill>
-                  <a:srgbClr val="0070C0"/>
-                </a:solidFill>
-                <a:latin typeface="IBM Plex Mono Text" panose="020B0509050203000203" pitchFamily="49" charset="0"/>
-                <a:ea typeface="+mn-ea"/>
-                <a:cs typeface="+mn-cs"/>
-              </a:defRPr>
-            </a:lvl3pPr>
-            <a:lvl4pPr marL="1600200" indent="-228600" algn="l" defTabSz="914400" rtl="0" eaLnBrk="1" latinLnBrk="0" hangingPunct="1">
-              <a:lnSpc>
-                <a:spcPct val="90000"/>
-              </a:lnSpc>
-              <a:spcBef>
-                <a:spcPts val="500"/>
-              </a:spcBef>
-              <a:buFont typeface="Arial"/>
-              <a:buChar char="•"/>
-              <a:defRPr sz="1800" kern="1200">
-                <a:solidFill>
-                  <a:srgbClr val="0070C0"/>
-                </a:solidFill>
-                <a:latin typeface="IBM Plex Mono Text" panose="020B0509050203000203" pitchFamily="49" charset="0"/>
-                <a:ea typeface="+mn-ea"/>
-                <a:cs typeface="+mn-cs"/>
-              </a:defRPr>
-            </a:lvl4pPr>
-            <a:lvl5pPr marL="2057400" indent="-228600" algn="l" defTabSz="914400" rtl="0" eaLnBrk="1" latinLnBrk="0" hangingPunct="1">
-              <a:lnSpc>
-                <a:spcPct val="90000"/>
-              </a:lnSpc>
-              <a:spcBef>
-                <a:spcPts val="500"/>
-              </a:spcBef>
-              <a:buFont typeface="Arial"/>
-              <a:buChar char="•"/>
-              <a:defRPr sz="1800" kern="1200">
-                <a:solidFill>
-                  <a:srgbClr val="0070C0"/>
-                </a:solidFill>
-                <a:latin typeface="IBM Plex Mono Text" panose="020B0509050203000203" pitchFamily="49" charset="0"/>
-                <a:ea typeface="+mn-ea"/>
-                <a:cs typeface="+mn-cs"/>
-              </a:defRPr>
-            </a:lvl5pPr>
-            <a:lvl6pPr marL="2514600" indent="-228600" algn="l" defTabSz="914400" rtl="0" eaLnBrk="1" latinLnBrk="0" hangingPunct="1">
-              <a:lnSpc>
-                <a:spcPct val="90000"/>
-              </a:lnSpc>
-              <a:spcBef>
-                <a:spcPts val="500"/>
-              </a:spcBef>
-              <a:buFont typeface="Arial"/>
-              <a:buChar char="•"/>
-              <a:defRPr sz="1800" kern="1200">
-                <a:solidFill>
-                  <a:schemeClr val="tx1"/>
-                </a:solidFill>
-                <a:latin typeface="+mn-lt"/>
-                <a:ea typeface="+mn-ea"/>
-                <a:cs typeface="+mn-cs"/>
-              </a:defRPr>
-            </a:lvl6pPr>
-            <a:lvl7pPr marL="2971800" indent="-228600" algn="l" defTabSz="914400" rtl="0" eaLnBrk="1" latinLnBrk="0" hangingPunct="1">
-              <a:lnSpc>
-                <a:spcPct val="90000"/>
-              </a:lnSpc>
-              <a:spcBef>
-                <a:spcPts val="500"/>
-              </a:spcBef>
-              <a:buFont typeface="Arial"/>
-              <a:buChar char="•"/>
-              <a:defRPr sz="1800" kern="1200">
-                <a:solidFill>
-                  <a:schemeClr val="tx1"/>
-                </a:solidFill>
-                <a:latin typeface="+mn-lt"/>
-                <a:ea typeface="+mn-ea"/>
-                <a:cs typeface="+mn-cs"/>
-              </a:defRPr>
-            </a:lvl7pPr>
-            <a:lvl8pPr marL="3429000" indent="-228600" algn="l" defTabSz="914400" rtl="0" eaLnBrk="1" latinLnBrk="0" hangingPunct="1">
-              <a:lnSpc>
-                <a:spcPct val="90000"/>
-              </a:lnSpc>
-              <a:spcBef>
-                <a:spcPts val="500"/>
-              </a:spcBef>
-              <a:buFont typeface="Arial"/>
-              <a:buChar char="•"/>
-              <a:defRPr sz="1800" kern="1200">
-                <a:solidFill>
-                  <a:schemeClr val="tx1"/>
-                </a:solidFill>
-                <a:latin typeface="+mn-lt"/>
-                <a:ea typeface="+mn-ea"/>
-                <a:cs typeface="+mn-cs"/>
-              </a:defRPr>
-            </a:lvl8pPr>
-            <a:lvl9pPr marL="3886200" indent="-228600" algn="l" defTabSz="914400" rtl="0" eaLnBrk="1" latinLnBrk="0" hangingPunct="1">
-              <a:lnSpc>
-                <a:spcPct val="90000"/>
-              </a:lnSpc>
-              <a:spcBef>
-                <a:spcPts val="500"/>
-              </a:spcBef>
-              <a:buFont typeface="Arial"/>
-              <a:buChar char="•"/>
-              <a:defRPr sz="1800" kern="1200">
-                <a:solidFill>
-                  <a:schemeClr val="tx1"/>
-                </a:solidFill>
-                <a:latin typeface="+mn-lt"/>
-                <a:ea typeface="+mn-ea"/>
-                <a:cs typeface="+mn-cs"/>
-              </a:defRPr>
-            </a:lvl9pPr>
-          </a:lstStyle>
-          <a:p>
-            <a:pPr marL="0" indent="0">
-              <a:buNone/>
-            </a:pPr>
-            <a:r>
-              <a:rPr lang="en-US" sz="2200" dirty="0"/>
-              <a:t>&lt; Bar chart of top 5 programming languages for the next year goes here.&gt;</a:t>
-            </a:r>
+            <a:r>
+              <a:rPr lang="en-US" dirty="0"/>
+              <a:t>Data Wrangling :</a:t>
+            </a:r>
+          </a:p>
+          <a:p>
+            <a:r>
+              <a:rPr lang="en-US" sz="1800" b="0" i="0" u="none" strike="noStrike" baseline="0" dirty="0">
+                <a:latin typeface="MicrosoftJhengHeiRegular"/>
+              </a:rPr>
+              <a:t>Calculate the number of launches on each site</a:t>
+            </a:r>
+          </a:p>
+          <a:p>
+            <a:r>
+              <a:rPr lang="en-US" sz="1800" b="0" i="0" u="none" strike="noStrike" baseline="0" dirty="0">
+                <a:latin typeface="MicrosoftJhengHeiRegular"/>
+              </a:rPr>
+              <a:t>Calculate the number and occurrence of each orbit</a:t>
+            </a:r>
+            <a:endParaRPr lang="en-US" sz="1800" dirty="0">
+              <a:latin typeface="MicrosoftJhengHeiRegular"/>
+            </a:endParaRPr>
+          </a:p>
+          <a:p>
+            <a:pPr algn="l"/>
+            <a:r>
+              <a:rPr lang="en-US" sz="1800" b="0" i="0" u="none" strike="noStrike" baseline="0" dirty="0">
+                <a:latin typeface="MicrosoftJhengHeiRegular"/>
+              </a:rPr>
+              <a:t>Calculate the number and occurrence of mission outcome per orbit type</a:t>
+            </a:r>
+          </a:p>
+          <a:p>
+            <a:pPr algn="l"/>
+            <a:r>
+              <a:rPr lang="en-US" sz="1800" b="0" i="0" u="none" strike="noStrike" baseline="0" dirty="0">
+                <a:latin typeface="MicrosoftJhengHeiRegular"/>
+              </a:rPr>
+              <a:t>Create a landing outcome label from Outcome column using one-hot encoding</a:t>
+            </a:r>
+          </a:p>
+          <a:p>
+            <a:pPr algn="l"/>
+            <a:r>
+              <a:rPr lang="en-US" sz="1800" b="0" i="0" u="none" strike="noStrike" baseline="0" dirty="0">
+                <a:latin typeface="MicrosoftJhengHeiRegular"/>
+              </a:rPr>
+              <a:t>Export to CSV</a:t>
+            </a:r>
+            <a:endParaRPr lang="en-US" dirty="0"/>
           </a:p>
         </p:txBody>
       </p:sp>
     </p:spTree>
     <p:extLst>
       <p:ext uri="{BB962C8B-B14F-4D97-AF65-F5344CB8AC3E}">
-        <p14:creationId xmlns:p14="http://schemas.microsoft.com/office/powerpoint/2010/main" val="1957259874"/>
+        <p14:creationId xmlns:p14="http://schemas.microsoft.com/office/powerpoint/2010/main" val="1526434062"/>
+      </p:ext>
+    </p:extLst>
+  </p:cSld>
+  <p:clrMapOvr>
+    <a:masterClrMapping/>
+  </p:clrMapOvr>
+</p:sld>
+</file>
+
+<file path=ppt/slides/slide7.xml><?xml version="1.0" encoding="utf-8"?>
+<p:sld xmlns:a="http://schemas.openxmlformats.org/drawingml/2006/main" xmlns:r="http://schemas.openxmlformats.org/officeDocument/2006/relationships" xmlns:p="http://schemas.openxmlformats.org/presentationml/2006/main">
+  <p:cSld>
+    <p:spTree>
+      <p:nvGrpSpPr>
+        <p:cNvPr id="1" name=""/>
+        <p:cNvGrpSpPr/>
+        <p:nvPr/>
+      </p:nvGrpSpPr>
+      <p:grpSpPr>
+        <a:xfrm>
+          <a:off x="0" y="0"/>
+          <a:ext cx="0" cy="0"/>
+          <a:chOff x="0" y="0"/>
+          <a:chExt cx="0" cy="0"/>
+        </a:xfrm>
+      </p:grpSpPr>
+      <p:sp>
+        <p:nvSpPr>
+          <p:cNvPr id="2" name="Title 1">
+            <a:extLst>
+              <a:ext uri="{FF2B5EF4-FFF2-40B4-BE49-F238E27FC236}">
+                <a16:creationId xmlns:a16="http://schemas.microsoft.com/office/drawing/2014/main" id="{4FD93555-ECE4-F1F3-368D-94C0E5BA6669}"/>
+              </a:ext>
+            </a:extLst>
+          </p:cNvPr>
+          <p:cNvSpPr>
+            <a:spLocks noGrp="1"/>
+          </p:cNvSpPr>
+          <p:nvPr>
+            <p:ph type="title"/>
+          </p:nvPr>
+        </p:nvSpPr>
+        <p:spPr/>
+        <p:txBody>
+          <a:bodyPr/>
+          <a:lstStyle/>
+          <a:p>
+            <a:r>
+              <a:rPr lang="en-US" sz="3600" dirty="0"/>
+              <a:t>EDA with Data Visualizations </a:t>
+            </a:r>
+          </a:p>
+        </p:txBody>
+      </p:sp>
+      <p:sp>
+        <p:nvSpPr>
+          <p:cNvPr id="3" name="Content Placeholder 2">
+            <a:extLst>
+              <a:ext uri="{FF2B5EF4-FFF2-40B4-BE49-F238E27FC236}">
+                <a16:creationId xmlns:a16="http://schemas.microsoft.com/office/drawing/2014/main" id="{039ECF59-FA6C-EE7C-B872-84490855FCBD}"/>
+              </a:ext>
+            </a:extLst>
+          </p:cNvPr>
+          <p:cNvSpPr>
+            <a:spLocks noGrp="1"/>
+          </p:cNvSpPr>
+          <p:nvPr>
+            <p:ph sz="half" idx="1"/>
+          </p:nvPr>
+        </p:nvSpPr>
+        <p:spPr>
+          <a:xfrm>
+            <a:off x="218364" y="1825625"/>
+            <a:ext cx="5801436" cy="4351338"/>
+          </a:xfrm>
+        </p:spPr>
+        <p:txBody>
+          <a:bodyPr>
+            <a:normAutofit lnSpcReduction="10000"/>
+          </a:bodyPr>
+          <a:lstStyle/>
+          <a:p>
+            <a:pPr marL="0" indent="0">
+              <a:buNone/>
+            </a:pPr>
+            <a:r>
+              <a:rPr kumimoji="0" lang="en-US" sz="2600" b="1" i="0" u="none" strike="noStrike" kern="1200" cap="none" spc="0" normalizeH="0" baseline="0" noProof="0" dirty="0">
+                <a:ln>
+                  <a:noFill/>
+                </a:ln>
+                <a:solidFill>
+                  <a:schemeClr val="tx1"/>
+                </a:solidFill>
+                <a:effectLst/>
+                <a:uLnTx/>
+                <a:uFillTx/>
+                <a:latin typeface="Consolas" panose="020B0609020204030204" pitchFamily="49" charset="0"/>
+                <a:ea typeface="+mn-ea"/>
+                <a:cs typeface="+mn-cs"/>
+              </a:rPr>
+              <a:t>Visualize the relationship between : </a:t>
+            </a:r>
+            <a:endParaRPr lang="en-US" b="1" dirty="0">
+              <a:solidFill>
+                <a:schemeClr val="tx1"/>
+              </a:solidFill>
+              <a:effectLst/>
+              <a:latin typeface="Consolas" panose="020B0609020204030204" pitchFamily="49" charset="0"/>
+            </a:endParaRPr>
+          </a:p>
+          <a:p>
+            <a:r>
+              <a:rPr lang="en-US" b="1" dirty="0">
+                <a:solidFill>
+                  <a:srgbClr val="569CD6"/>
+                </a:solidFill>
+                <a:effectLst/>
+                <a:latin typeface="Consolas" panose="020B0609020204030204" pitchFamily="49" charset="0"/>
+              </a:rPr>
+              <a:t>Flight Number and Launch Site- </a:t>
+            </a:r>
+            <a:r>
+              <a:rPr lang="en-US" b="0" dirty="0">
+                <a:solidFill>
+                  <a:srgbClr val="6A9955"/>
+                </a:solidFill>
+                <a:effectLst/>
+                <a:latin typeface="Consolas" panose="020B0609020204030204" pitchFamily="49" charset="0"/>
+              </a:rPr>
+              <a:t>scatter plot</a:t>
+            </a:r>
+            <a:endParaRPr lang="en-US" b="0" dirty="0">
+              <a:solidFill>
+                <a:srgbClr val="D4D4D4"/>
+              </a:solidFill>
+              <a:effectLst/>
+              <a:latin typeface="Consolas" panose="020B0609020204030204" pitchFamily="49" charset="0"/>
+            </a:endParaRPr>
+          </a:p>
+          <a:p>
+            <a:r>
+              <a:rPr lang="en-US" b="1" dirty="0">
+                <a:solidFill>
+                  <a:srgbClr val="569CD6"/>
+                </a:solidFill>
+                <a:effectLst/>
+                <a:latin typeface="Consolas" panose="020B0609020204030204" pitchFamily="49" charset="0"/>
+              </a:rPr>
+              <a:t>Payload and Launch Site- </a:t>
+            </a:r>
+            <a:r>
+              <a:rPr lang="en-US" b="0" dirty="0">
+                <a:solidFill>
+                  <a:srgbClr val="6A9955"/>
+                </a:solidFill>
+                <a:effectLst/>
+                <a:latin typeface="Consolas" panose="020B0609020204030204" pitchFamily="49" charset="0"/>
+              </a:rPr>
+              <a:t>scatter plot</a:t>
+            </a:r>
+          </a:p>
+          <a:p>
+            <a:r>
+              <a:rPr lang="en-US" b="1" dirty="0">
+                <a:solidFill>
+                  <a:srgbClr val="569CD6"/>
+                </a:solidFill>
+                <a:effectLst/>
+                <a:latin typeface="Consolas" panose="020B0609020204030204" pitchFamily="49" charset="0"/>
+              </a:rPr>
+              <a:t>success rate of each orbit type -</a:t>
+            </a:r>
+            <a:r>
+              <a:rPr lang="en-US" b="0" dirty="0">
+                <a:solidFill>
+                  <a:srgbClr val="FF0000"/>
+                </a:solidFill>
+                <a:effectLst/>
+                <a:latin typeface="Consolas" panose="020B0609020204030204" pitchFamily="49" charset="0"/>
+              </a:rPr>
+              <a:t>bar plot</a:t>
+            </a:r>
+            <a:br>
+              <a:rPr lang="en-US" b="0" dirty="0">
+                <a:solidFill>
+                  <a:srgbClr val="D4D4D4"/>
+                </a:solidFill>
+                <a:effectLst/>
+                <a:latin typeface="Consolas" panose="020B0609020204030204" pitchFamily="49" charset="0"/>
+              </a:rPr>
+            </a:br>
+            <a:endParaRPr lang="en-US" b="0" dirty="0">
+              <a:solidFill>
+                <a:srgbClr val="D4D4D4"/>
+              </a:solidFill>
+              <a:effectLst/>
+              <a:latin typeface="Consolas" panose="020B0609020204030204" pitchFamily="49" charset="0"/>
+            </a:endParaRPr>
+          </a:p>
+          <a:p>
+            <a:r>
+              <a:rPr lang="en-US" dirty="0">
+                <a:hlinkClick r:id="rId3"/>
+              </a:rPr>
+              <a:t>Click here </a:t>
+            </a:r>
+            <a:endParaRPr lang="en-US" dirty="0"/>
+          </a:p>
+        </p:txBody>
+      </p:sp>
+      <p:sp>
+        <p:nvSpPr>
+          <p:cNvPr id="4" name="Content Placeholder 3">
+            <a:extLst>
+              <a:ext uri="{FF2B5EF4-FFF2-40B4-BE49-F238E27FC236}">
+                <a16:creationId xmlns:a16="http://schemas.microsoft.com/office/drawing/2014/main" id="{4E8798E4-E79E-5797-4427-602DE3F26ED1}"/>
+              </a:ext>
+            </a:extLst>
+          </p:cNvPr>
+          <p:cNvSpPr>
+            <a:spLocks noGrp="1"/>
+          </p:cNvSpPr>
+          <p:nvPr>
+            <p:ph sz="half" idx="2"/>
+          </p:nvPr>
+        </p:nvSpPr>
+        <p:spPr>
+          <a:xfrm>
+            <a:off x="6172200" y="2647665"/>
+            <a:ext cx="6019800" cy="3529297"/>
+          </a:xfrm>
+        </p:spPr>
+        <p:txBody>
+          <a:bodyPr>
+            <a:normAutofit lnSpcReduction="10000"/>
+          </a:bodyPr>
+          <a:lstStyle/>
+          <a:p>
+            <a:r>
+              <a:rPr lang="en-US" b="1" dirty="0">
+                <a:solidFill>
+                  <a:srgbClr val="569CD6"/>
+                </a:solidFill>
+                <a:effectLst/>
+                <a:latin typeface="Consolas" panose="020B0609020204030204" pitchFamily="49" charset="0"/>
+              </a:rPr>
+              <a:t>Flight Number and Orbit type -</a:t>
+            </a:r>
+            <a:r>
+              <a:rPr lang="en-US" b="0" dirty="0">
+                <a:solidFill>
+                  <a:srgbClr val="6A9955"/>
+                </a:solidFill>
+                <a:effectLst/>
+                <a:latin typeface="Consolas" panose="020B0609020204030204" pitchFamily="49" charset="0"/>
+              </a:rPr>
+              <a:t>scatter plot</a:t>
+            </a:r>
+            <a:endParaRPr lang="en-US" b="0" dirty="0">
+              <a:solidFill>
+                <a:srgbClr val="D4D4D4"/>
+              </a:solidFill>
+              <a:effectLst/>
+              <a:latin typeface="Consolas" panose="020B0609020204030204" pitchFamily="49" charset="0"/>
+            </a:endParaRPr>
+          </a:p>
+          <a:p>
+            <a:r>
+              <a:rPr lang="en-US" b="1" dirty="0">
+                <a:solidFill>
+                  <a:srgbClr val="569CD6"/>
+                </a:solidFill>
+                <a:effectLst/>
+                <a:latin typeface="Consolas" panose="020B0609020204030204" pitchFamily="49" charset="0"/>
+              </a:rPr>
+              <a:t>Payload and Orbit type- </a:t>
+            </a:r>
+            <a:r>
+              <a:rPr lang="en-US" b="0" dirty="0">
+                <a:solidFill>
+                  <a:srgbClr val="6A9955"/>
+                </a:solidFill>
+                <a:effectLst/>
+                <a:latin typeface="Consolas" panose="020B0609020204030204" pitchFamily="49" charset="0"/>
+              </a:rPr>
+              <a:t>scatter plot</a:t>
+            </a:r>
+            <a:r>
+              <a:rPr lang="en-US" b="1" dirty="0">
+                <a:solidFill>
+                  <a:srgbClr val="569CD6"/>
+                </a:solidFill>
+                <a:effectLst/>
+                <a:latin typeface="Consolas" panose="020B0609020204030204" pitchFamily="49" charset="0"/>
+              </a:rPr>
+              <a:t> </a:t>
+            </a:r>
+            <a:endParaRPr lang="en-US" b="0" dirty="0">
+              <a:solidFill>
+                <a:srgbClr val="D4D4D4"/>
+              </a:solidFill>
+              <a:effectLst/>
+              <a:latin typeface="Consolas" panose="020B0609020204030204" pitchFamily="49" charset="0"/>
+            </a:endParaRPr>
+          </a:p>
+          <a:p>
+            <a:r>
+              <a:rPr lang="en-US" b="1" dirty="0">
+                <a:solidFill>
+                  <a:srgbClr val="569CD6"/>
+                </a:solidFill>
+                <a:effectLst/>
+                <a:latin typeface="Consolas" panose="020B0609020204030204" pitchFamily="49" charset="0"/>
+              </a:rPr>
+              <a:t>launch success yearly trend – </a:t>
+            </a:r>
+            <a:r>
+              <a:rPr lang="en-US" b="0" dirty="0">
+                <a:solidFill>
+                  <a:schemeClr val="tx2">
+                    <a:lumMod val="50000"/>
+                  </a:schemeClr>
+                </a:solidFill>
+                <a:effectLst/>
+                <a:latin typeface="Consolas" panose="020B0609020204030204" pitchFamily="49" charset="0"/>
+              </a:rPr>
+              <a:t>line  plot</a:t>
+            </a:r>
+          </a:p>
+          <a:p>
+            <a:endParaRPr lang="en-US" b="0" dirty="0">
+              <a:solidFill>
+                <a:srgbClr val="D4D4D4"/>
+              </a:solidFill>
+              <a:effectLst/>
+              <a:latin typeface="Consolas" panose="020B0609020204030204" pitchFamily="49" charset="0"/>
+            </a:endParaRPr>
+          </a:p>
+          <a:p>
+            <a:endParaRPr lang="en-US" dirty="0"/>
+          </a:p>
+        </p:txBody>
+      </p:sp>
+    </p:spTree>
+    <p:extLst>
+      <p:ext uri="{BB962C8B-B14F-4D97-AF65-F5344CB8AC3E}">
+        <p14:creationId xmlns:p14="http://schemas.microsoft.com/office/powerpoint/2010/main" val="1681648847"/>
       </p:ext>
     </p:extLst>
   </p:cSld>
@@ -9673,7 +12734,7 @@
           <p:cNvPr id="2" name="Title 1">
             <a:extLst>
               <a:ext uri="{FF2B5EF4-FFF2-40B4-BE49-F238E27FC236}">
-                <a16:creationId xmlns:a16="http://schemas.microsoft.com/office/drawing/2014/main" id="{65C3525F-7CB4-4C06-B037-C81D2DED9B80}"/>
+                <a16:creationId xmlns:a16="http://schemas.microsoft.com/office/drawing/2014/main" id="{3CD64104-383A-BE18-8AD9-C85EB12A14C9}"/>
               </a:ext>
             </a:extLst>
           </p:cNvPr>
@@ -9692,8 +12753,15 @@
           <a:lstStyle/>
           <a:p>
             <a:r>
-              <a:rPr lang="en-US" sz="2800" dirty="0"/>
-              <a:t>PROGRAMMING LANGUAGE TRENDS - FINDINGS &amp; IMPLICATIONS</a:t>
+              <a:rPr lang="en-US" sz="4000" dirty="0"/>
+              <a:t>EDA with SQL</a:t>
+            </a:r>
+            <a:br>
+              <a:rPr lang="en-US" sz="4000" dirty="0"/>
+            </a:br>
+            <a:r>
+              <a:rPr lang="en-US" sz="1800" dirty="0"/>
+              <a:t>The following are some of the SQL queries operated on the dataset:</a:t>
             </a:r>
           </a:p>
         </p:txBody>
@@ -9703,7 +12771,7 @@
           <p:cNvPr id="3" name="Content Placeholder 2">
             <a:extLst>
               <a:ext uri="{FF2B5EF4-FFF2-40B4-BE49-F238E27FC236}">
-                <a16:creationId xmlns:a16="http://schemas.microsoft.com/office/drawing/2014/main" id="{E4FC0D20-FACF-4D73-BD27-CF8F6B97546A}"/>
+                <a16:creationId xmlns:a16="http://schemas.microsoft.com/office/drawing/2014/main" id="{4678368F-9945-B539-796C-F982C3E72F0F}"/>
               </a:ext>
             </a:extLst>
           </p:cNvPr>
@@ -9716,45 +12784,53 @@
         </p:nvSpPr>
         <p:spPr>
           <a:xfrm>
-            <a:off x="813816" y="1825625"/>
-            <a:ext cx="5181600" cy="4351338"/>
+            <a:off x="723331" y="2347415"/>
+            <a:ext cx="5296469" cy="3870492"/>
           </a:xfrm>
         </p:spPr>
         <p:txBody>
-          <a:bodyPr/>
+          <a:bodyPr>
+            <a:normAutofit fontScale="92500" lnSpcReduction="20000"/>
+          </a:bodyPr>
           <a:lstStyle/>
           <a:p>
-            <a:pPr marL="0" indent="0">
-              <a:buNone/>
-            </a:pPr>
-            <a:r>
-              <a:rPr lang="en-US" dirty="0"/>
-              <a:t>Findings</a:t>
-            </a:r>
-          </a:p>
-          <a:p>
-            <a:pPr marL="0" indent="0">
-              <a:buNone/>
-            </a:pPr>
+            <a:r>
+              <a:rPr lang="en-US" b="1" i="0" dirty="0">
+                <a:effectLst/>
+                <a:latin typeface="-apple-system"/>
+              </a:rPr>
+              <a:t>the names of the unique launch sites in the space mission</a:t>
+            </a:r>
+          </a:p>
+          <a:p>
+            <a:r>
+              <a:rPr lang="en-US" b="1" i="0" dirty="0">
+                <a:effectLst/>
+                <a:latin typeface="-apple-system"/>
+              </a:rPr>
+              <a:t>5 records where launch sites begin with the string 'CCA'</a:t>
+            </a:r>
+          </a:p>
+          <a:p>
+            <a:r>
+              <a:rPr lang="en-US" b="1" i="0" dirty="0">
+                <a:effectLst/>
+                <a:latin typeface="-apple-system"/>
+              </a:rPr>
+              <a:t> total payload mass carried by boosters launched by NASA (CRS)</a:t>
+            </a:r>
+          </a:p>
+          <a:p>
+            <a:r>
+              <a:rPr lang="en-US" b="1" i="0" dirty="0">
+                <a:effectLst/>
+                <a:latin typeface="-apple-system"/>
+              </a:rPr>
+              <a:t>average payload mass carried by booster version F9 v1.1</a:t>
+            </a:r>
+          </a:p>
+          <a:p>
             <a:endParaRPr lang="en-US" dirty="0"/>
-          </a:p>
-          <a:p>
-            <a:r>
-              <a:rPr lang="en-US" dirty="0"/>
-              <a:t>Finding 1</a:t>
-            </a:r>
-          </a:p>
-          <a:p>
-            <a:r>
-              <a:rPr lang="en-US" dirty="0"/>
-              <a:t>Finding 2</a:t>
-            </a:r>
-          </a:p>
-          <a:p>
-            <a:r>
-              <a:rPr lang="en-US" dirty="0"/>
-              <a:t>Finding 3</a:t>
-            </a:r>
           </a:p>
         </p:txBody>
       </p:sp>
@@ -9763,7 +12839,7 @@
           <p:cNvPr id="4" name="Content Placeholder 3">
             <a:extLst>
               <a:ext uri="{FF2B5EF4-FFF2-40B4-BE49-F238E27FC236}">
-                <a16:creationId xmlns:a16="http://schemas.microsoft.com/office/drawing/2014/main" id="{ACA6A89D-097D-4968-A07A-39A5B4F78A62}"/>
+                <a16:creationId xmlns:a16="http://schemas.microsoft.com/office/drawing/2014/main" id="{E191C1A5-2C91-908B-AD9A-120B85BFA8EB}"/>
               </a:ext>
             </a:extLst>
           </p:cNvPr>
@@ -9774,41 +12850,147 @@
             <p:ph sz="half" idx="2"/>
           </p:nvPr>
         </p:nvSpPr>
-        <p:spPr/>
+        <p:spPr>
+          <a:xfrm>
+            <a:off x="6172200" y="2213907"/>
+            <a:ext cx="5181600" cy="3963056"/>
+          </a:xfrm>
+        </p:spPr>
         <p:txBody>
-          <a:bodyPr/>
+          <a:bodyPr>
+            <a:normAutofit fontScale="92500" lnSpcReduction="20000"/>
+          </a:bodyPr>
           <a:lstStyle/>
           <a:p>
-            <a:pPr marL="0" indent="0">
-              <a:buNone/>
-            </a:pPr>
-            <a:r>
-              <a:rPr lang="en-US" dirty="0"/>
-              <a:t>Implications</a:t>
-            </a:r>
-          </a:p>
-          <a:p>
-            <a:pPr marL="0" indent="0">
-              <a:buNone/>
-            </a:pPr>
+            <a:r>
+              <a:rPr lang="en-US" b="1" i="0" dirty="0">
+                <a:effectLst/>
+                <a:latin typeface="-apple-system"/>
+              </a:rPr>
+              <a:t>the date when the first successful landing outcome in ground pad was achieved.</a:t>
+            </a:r>
+          </a:p>
+          <a:p>
+            <a:r>
+              <a:rPr lang="en-US" b="1" i="0" dirty="0">
+                <a:effectLst/>
+                <a:latin typeface="-apple-system"/>
+              </a:rPr>
+              <a:t>names of the boosters which have success in drone ship and have payload mass greater than 4000 but less than 6000</a:t>
+            </a:r>
+          </a:p>
+          <a:p>
+            <a:r>
+              <a:rPr lang="en-US" b="1" i="0" dirty="0">
+                <a:effectLst/>
+                <a:latin typeface="-apple-system"/>
+              </a:rPr>
+              <a:t> total number of successful and failure mission outcomes</a:t>
+            </a:r>
+          </a:p>
+          <a:p>
+            <a:r>
+              <a:rPr lang="en-US" b="1" i="0" dirty="0">
+                <a:effectLst/>
+                <a:latin typeface="-apple-system"/>
+              </a:rPr>
+              <a:t>names of the </a:t>
+            </a:r>
+            <a:r>
+              <a:rPr lang="en-US" b="1" i="0" dirty="0" err="1">
+                <a:effectLst/>
+                <a:latin typeface="-apple-system"/>
+              </a:rPr>
+              <a:t>booster_versions</a:t>
+            </a:r>
+            <a:r>
+              <a:rPr lang="en-US" b="1" i="0" dirty="0">
+                <a:effectLst/>
+                <a:latin typeface="-apple-system"/>
+              </a:rPr>
+              <a:t> which have carried the maximum payload mass.</a:t>
+            </a:r>
+          </a:p>
+          <a:p>
             <a:endParaRPr lang="en-US" dirty="0"/>
           </a:p>
-          <a:p>
-            <a:r>
-              <a:rPr lang="en-US" dirty="0"/>
-              <a:t>Implication 1</a:t>
-            </a:r>
-          </a:p>
-          <a:p>
-            <a:r>
-              <a:rPr lang="en-US" dirty="0"/>
-              <a:t>Implication 2</a:t>
-            </a:r>
-          </a:p>
-          <a:p>
-            <a:r>
-              <a:rPr lang="en-US" dirty="0"/>
-              <a:t>Implication 3</a:t>
+        </p:txBody>
+      </p:sp>
+      <p:sp>
+        <p:nvSpPr>
+          <p:cNvPr id="6" name="TextBox 5">
+            <a:extLst>
+              <a:ext uri="{FF2B5EF4-FFF2-40B4-BE49-F238E27FC236}">
+                <a16:creationId xmlns:a16="http://schemas.microsoft.com/office/drawing/2014/main" id="{BB0C8A8E-81AD-F4A5-5B3E-42A6355BD349}"/>
+              </a:ext>
+            </a:extLst>
+          </p:cNvPr>
+          <p:cNvSpPr txBox="1"/>
+          <p:nvPr/>
+        </p:nvSpPr>
+        <p:spPr>
+          <a:xfrm>
+            <a:off x="723331" y="1690687"/>
+            <a:ext cx="1978925" cy="523220"/>
+          </a:xfrm>
+          <a:prstGeom prst="rect">
+            <a:avLst/>
+          </a:prstGeom>
+          <a:noFill/>
+        </p:spPr>
+        <p:txBody>
+          <a:bodyPr wrap="square" rtlCol="0">
+            <a:spAutoFit/>
+          </a:bodyPr>
+          <a:lstStyle/>
+          <a:p>
+            <a:r>
+              <a:rPr lang="en-US" sz="2800" b="1" i="0" dirty="0">
+                <a:solidFill>
+                  <a:schemeClr val="tx1"/>
+                </a:solidFill>
+                <a:effectLst/>
+                <a:latin typeface="-apple-system"/>
+              </a:rPr>
+              <a:t>Displaying</a:t>
+            </a:r>
+            <a:endParaRPr lang="en-US" dirty="0"/>
+          </a:p>
+        </p:txBody>
+      </p:sp>
+      <p:sp>
+        <p:nvSpPr>
+          <p:cNvPr id="7" name="TextBox 6">
+            <a:extLst>
+              <a:ext uri="{FF2B5EF4-FFF2-40B4-BE49-F238E27FC236}">
+                <a16:creationId xmlns:a16="http://schemas.microsoft.com/office/drawing/2014/main" id="{A53D78A2-028F-65BB-1269-AD4AF5D88C5B}"/>
+              </a:ext>
+            </a:extLst>
+          </p:cNvPr>
+          <p:cNvSpPr txBox="1"/>
+          <p:nvPr/>
+        </p:nvSpPr>
+        <p:spPr>
+          <a:xfrm>
+            <a:off x="6172200" y="1690687"/>
+            <a:ext cx="1869743" cy="523220"/>
+          </a:xfrm>
+          <a:prstGeom prst="rect">
+            <a:avLst/>
+          </a:prstGeom>
+          <a:noFill/>
+        </p:spPr>
+        <p:txBody>
+          <a:bodyPr wrap="square" rtlCol="0">
+            <a:spAutoFit/>
+          </a:bodyPr>
+          <a:lstStyle/>
+          <a:p>
+            <a:r>
+              <a:rPr lang="en-US" sz="2800" b="1" dirty="0">
+                <a:latin typeface="-apple-system"/>
+              </a:rPr>
+              <a:t>Listing</a:t>
             </a:r>
           </a:p>
         </p:txBody>
@@ -9816,7 +12998,7 @@
     </p:spTree>
     <p:extLst>
       <p:ext uri="{BB962C8B-B14F-4D97-AF65-F5344CB8AC3E}">
-        <p14:creationId xmlns:p14="http://schemas.microsoft.com/office/powerpoint/2010/main" val="545569246"/>
+        <p14:creationId xmlns:p14="http://schemas.microsoft.com/office/powerpoint/2010/main" val="2478275964"/>
       </p:ext>
     </p:extLst>
   </p:cSld>
@@ -9848,7 +13030,7 @@
           <p:cNvPr id="2" name="Title 1">
             <a:extLst>
               <a:ext uri="{FF2B5EF4-FFF2-40B4-BE49-F238E27FC236}">
-                <a16:creationId xmlns:a16="http://schemas.microsoft.com/office/drawing/2014/main" id="{65C3525F-7CB4-4C06-B037-C81D2DED9B80}"/>
+                <a16:creationId xmlns:a16="http://schemas.microsoft.com/office/drawing/2014/main" id="{3CD64104-383A-BE18-8AD9-C85EB12A14C9}"/>
               </a:ext>
             </a:extLst>
           </p:cNvPr>
@@ -9859,19 +13041,23 @@
             <p:ph type="title"/>
           </p:nvPr>
         </p:nvSpPr>
-        <p:spPr>
-          <a:xfrm>
-            <a:off x="862584" y="428768"/>
-            <a:ext cx="10515600" cy="1325563"/>
-          </a:xfrm>
-        </p:spPr>
+        <p:spPr/>
         <p:txBody>
-          <a:bodyPr/>
+          <a:bodyPr>
+            <a:normAutofit/>
+          </a:bodyPr>
           <a:lstStyle/>
           <a:p>
             <a:r>
-              <a:rPr lang="en-US" dirty="0"/>
-              <a:t>DATABASE TRENDS</a:t>
+              <a:rPr lang="en-US" sz="4000" dirty="0"/>
+              <a:t>EDA with SQL(Continued)</a:t>
+            </a:r>
+            <a:br>
+              <a:rPr lang="en-US" sz="4000" dirty="0"/>
+            </a:br>
+            <a:r>
+              <a:rPr lang="en-US" sz="1800" dirty="0"/>
+              <a:t>The following are some of the SQL queries operated on the dataset:</a:t>
             </a:r>
           </a:p>
         </p:txBody>
@@ -9881,7 +13067,7 @@
           <p:cNvPr id="3" name="Content Placeholder 2">
             <a:extLst>
               <a:ext uri="{FF2B5EF4-FFF2-40B4-BE49-F238E27FC236}">
-                <a16:creationId xmlns:a16="http://schemas.microsoft.com/office/drawing/2014/main" id="{E4FC0D20-FACF-4D73-BD27-CF8F6B97546A}"/>
+                <a16:creationId xmlns:a16="http://schemas.microsoft.com/office/drawing/2014/main" id="{4678368F-9945-B539-796C-F982C3E72F0F}"/>
               </a:ext>
             </a:extLst>
           </p:cNvPr>
@@ -9894,21 +13080,53 @@
         </p:nvSpPr>
         <p:spPr>
           <a:xfrm>
-            <a:off x="813816" y="1825625"/>
-            <a:ext cx="2228642" cy="501939"/>
+            <a:off x="723331" y="2442949"/>
+            <a:ext cx="5296469" cy="3774958"/>
           </a:xfrm>
         </p:spPr>
         <p:txBody>
-          <a:bodyPr/>
+          <a:bodyPr>
+            <a:normAutofit/>
+          </a:bodyPr>
           <a:lstStyle/>
+          <a:p>
+            <a:r>
+              <a:rPr lang="en-US" b="1" i="0" dirty="0">
+                <a:effectLst/>
+                <a:latin typeface="-apple-system"/>
+              </a:rPr>
+              <a:t>the count of landing outcomes (such as Failure (drone ship) or Success (ground pad)) between the date 2010-06-04 and 2017-03-20, in descending order</a:t>
+            </a:r>
+          </a:p>
+          <a:p>
+            <a:endParaRPr lang="en-US" b="1" dirty="0">
+              <a:latin typeface="-apple-system"/>
+            </a:endParaRPr>
+          </a:p>
+          <a:p>
+            <a:endParaRPr lang="en-US" b="1" i="0" dirty="0">
+              <a:effectLst/>
+              <a:latin typeface="-apple-system"/>
+            </a:endParaRPr>
+          </a:p>
+          <a:p>
+            <a:r>
+              <a:rPr lang="en-US" b="1" dirty="0">
+                <a:latin typeface="-apple-system"/>
+                <a:hlinkClick r:id="rId2"/>
+              </a:rPr>
+              <a:t>Click here</a:t>
+            </a:r>
+            <a:endParaRPr lang="en-US" b="1" i="0" dirty="0">
+              <a:effectLst/>
+              <a:latin typeface="-apple-system"/>
+            </a:endParaRPr>
+          </a:p>
           <a:p>
             <a:pPr marL="0" indent="0">
               <a:buNone/>
             </a:pPr>
-            <a:r>
-              <a:rPr lang="en-US" dirty="0"/>
-              <a:t>Current Year</a:t>
-            </a:r>
+            <a:endParaRPr lang="en-US" dirty="0"/>
           </a:p>
         </p:txBody>
       </p:sp>
@@ -9917,7 +13135,7 @@
           <p:cNvPr id="4" name="Content Placeholder 3">
             <a:extLst>
               <a:ext uri="{FF2B5EF4-FFF2-40B4-BE49-F238E27FC236}">
-                <a16:creationId xmlns:a16="http://schemas.microsoft.com/office/drawing/2014/main" id="{ACA6A89D-097D-4968-A07A-39A5B4F78A62}"/>
+                <a16:creationId xmlns:a16="http://schemas.microsoft.com/office/drawing/2014/main" id="{E191C1A5-2C91-908B-AD9A-120B85BFA8EB}"/>
               </a:ext>
             </a:extLst>
           </p:cNvPr>
@@ -9930,424 +13148,113 @@
         </p:nvSpPr>
         <p:spPr>
           <a:xfrm>
-            <a:off x="6172200" y="1825625"/>
-            <a:ext cx="1758142" cy="501939"/>
+            <a:off x="6172200" y="2442949"/>
+            <a:ext cx="5181600" cy="3734014"/>
           </a:xfrm>
         </p:spPr>
         <p:txBody>
-          <a:bodyPr/>
+          <a:bodyPr>
+            <a:normAutofit/>
+          </a:bodyPr>
           <a:lstStyle/>
           <a:p>
-            <a:pPr marL="0" indent="0">
-              <a:buNone/>
-            </a:pPr>
-            <a:r>
-              <a:rPr lang="en-US" dirty="0"/>
-              <a:t>Next Year</a:t>
-            </a:r>
+            <a:r>
+              <a:rPr lang="en-US" b="1" i="0" dirty="0">
+                <a:effectLst/>
+                <a:latin typeface="-apple-system"/>
+              </a:rPr>
+              <a:t>the failed </a:t>
+            </a:r>
+            <a:r>
+              <a:rPr lang="en-US" b="1" i="0" dirty="0" err="1">
+                <a:effectLst/>
+                <a:latin typeface="-apple-system"/>
+              </a:rPr>
+              <a:t>landing_outcomes</a:t>
+            </a:r>
+            <a:r>
+              <a:rPr lang="en-US" b="1" i="0" dirty="0">
+                <a:effectLst/>
+                <a:latin typeface="-apple-system"/>
+              </a:rPr>
+              <a:t> in drone ship, their booster versions, and launch site names for in year 2015</a:t>
+            </a:r>
+          </a:p>
+          <a:p>
+            <a:endParaRPr lang="en-US" dirty="0"/>
           </a:p>
         </p:txBody>
       </p:sp>
       <p:sp>
         <p:nvSpPr>
-          <p:cNvPr id="8" name="Content Placeholder 2">
+          <p:cNvPr id="5" name="TextBox 4">
             <a:extLst>
               <a:ext uri="{FF2B5EF4-FFF2-40B4-BE49-F238E27FC236}">
-                <a16:creationId xmlns:a16="http://schemas.microsoft.com/office/drawing/2014/main" id="{D13C2F43-A283-4FD4-9C0D-BFF93C50AC01}"/>
+                <a16:creationId xmlns:a16="http://schemas.microsoft.com/office/drawing/2014/main" id="{A45470F8-B9AE-F33C-853B-EE6D01C163DD}"/>
               </a:ext>
             </a:extLst>
           </p:cNvPr>
-          <p:cNvSpPr txBox="1">
-            <a:spLocks/>
-          </p:cNvSpPr>
+          <p:cNvSpPr txBox="1"/>
           <p:nvPr/>
         </p:nvSpPr>
         <p:spPr>
           <a:xfrm>
-            <a:off x="838199" y="2506661"/>
-            <a:ext cx="4614949" cy="3670301"/>
+            <a:off x="6322325" y="1748248"/>
+            <a:ext cx="1869743" cy="523220"/>
           </a:xfrm>
           <a:prstGeom prst="rect">
             <a:avLst/>
           </a:prstGeom>
+          <a:noFill/>
         </p:spPr>
         <p:txBody>
-          <a:bodyPr vert="horz" lIns="91440" tIns="45720" rIns="91440" bIns="45720" rtlCol="0">
-            <a:normAutofit/>
+          <a:bodyPr wrap="square" rtlCol="0">
+            <a:spAutoFit/>
           </a:bodyPr>
-          <a:lstStyle>
-            <a:lvl1pPr marL="228600" indent="-228600" algn="l" defTabSz="914400" rtl="0" eaLnBrk="1" latinLnBrk="0" hangingPunct="1">
-              <a:lnSpc>
-                <a:spcPct val="90000"/>
-              </a:lnSpc>
-              <a:spcBef>
-                <a:spcPts val="1000"/>
-              </a:spcBef>
-              <a:buFont typeface="Arial"/>
-              <a:buChar char="•"/>
-              <a:defRPr sz="2800" kern="1200">
-                <a:solidFill>
-                  <a:srgbClr val="0070C0"/>
-                </a:solidFill>
-                <a:latin typeface="IBM Plex Mono Text" panose="020B0509050203000203" pitchFamily="49" charset="0"/>
-                <a:ea typeface="+mn-ea"/>
-                <a:cs typeface="+mn-cs"/>
-              </a:defRPr>
-            </a:lvl1pPr>
-            <a:lvl2pPr marL="685800" indent="-228600" algn="l" defTabSz="914400" rtl="0" eaLnBrk="1" latinLnBrk="0" hangingPunct="1">
-              <a:lnSpc>
-                <a:spcPct val="90000"/>
-              </a:lnSpc>
-              <a:spcBef>
-                <a:spcPts val="500"/>
-              </a:spcBef>
-              <a:buFont typeface="Arial"/>
-              <a:buChar char="•"/>
-              <a:defRPr sz="2400" kern="1200">
-                <a:solidFill>
-                  <a:srgbClr val="0070C0"/>
-                </a:solidFill>
-                <a:latin typeface="IBM Plex Mono Text" panose="020B0509050203000203" pitchFamily="49" charset="0"/>
-                <a:ea typeface="+mn-ea"/>
-                <a:cs typeface="+mn-cs"/>
-              </a:defRPr>
-            </a:lvl2pPr>
-            <a:lvl3pPr marL="1143000" indent="-228600" algn="l" defTabSz="914400" rtl="0" eaLnBrk="1" latinLnBrk="0" hangingPunct="1">
-              <a:lnSpc>
-                <a:spcPct val="90000"/>
-              </a:lnSpc>
-              <a:spcBef>
-                <a:spcPts val="500"/>
-              </a:spcBef>
-              <a:buFont typeface="Arial"/>
-              <a:buChar char="•"/>
-              <a:defRPr sz="2000" kern="1200">
-                <a:solidFill>
-                  <a:srgbClr val="0070C0"/>
-                </a:solidFill>
-                <a:latin typeface="IBM Plex Mono Text" panose="020B0509050203000203" pitchFamily="49" charset="0"/>
-                <a:ea typeface="+mn-ea"/>
-                <a:cs typeface="+mn-cs"/>
-              </a:defRPr>
-            </a:lvl3pPr>
-            <a:lvl4pPr marL="1600200" indent="-228600" algn="l" defTabSz="914400" rtl="0" eaLnBrk="1" latinLnBrk="0" hangingPunct="1">
-              <a:lnSpc>
-                <a:spcPct val="90000"/>
-              </a:lnSpc>
-              <a:spcBef>
-                <a:spcPts val="500"/>
-              </a:spcBef>
-              <a:buFont typeface="Arial"/>
-              <a:buChar char="•"/>
-              <a:defRPr sz="1800" kern="1200">
-                <a:solidFill>
-                  <a:srgbClr val="0070C0"/>
-                </a:solidFill>
-                <a:latin typeface="IBM Plex Mono Text" panose="020B0509050203000203" pitchFamily="49" charset="0"/>
-                <a:ea typeface="+mn-ea"/>
-                <a:cs typeface="+mn-cs"/>
-              </a:defRPr>
-            </a:lvl4pPr>
-            <a:lvl5pPr marL="2057400" indent="-228600" algn="l" defTabSz="914400" rtl="0" eaLnBrk="1" latinLnBrk="0" hangingPunct="1">
-              <a:lnSpc>
-                <a:spcPct val="90000"/>
-              </a:lnSpc>
-              <a:spcBef>
-                <a:spcPts val="500"/>
-              </a:spcBef>
-              <a:buFont typeface="Arial"/>
-              <a:buChar char="•"/>
-              <a:defRPr sz="1800" kern="1200">
-                <a:solidFill>
-                  <a:srgbClr val="0070C0"/>
-                </a:solidFill>
-                <a:latin typeface="IBM Plex Mono Text" panose="020B0509050203000203" pitchFamily="49" charset="0"/>
-                <a:ea typeface="+mn-ea"/>
-                <a:cs typeface="+mn-cs"/>
-              </a:defRPr>
-            </a:lvl5pPr>
-            <a:lvl6pPr marL="2514600" indent="-228600" algn="l" defTabSz="914400" rtl="0" eaLnBrk="1" latinLnBrk="0" hangingPunct="1">
-              <a:lnSpc>
-                <a:spcPct val="90000"/>
-              </a:lnSpc>
-              <a:spcBef>
-                <a:spcPts val="500"/>
-              </a:spcBef>
-              <a:buFont typeface="Arial"/>
-              <a:buChar char="•"/>
-              <a:defRPr sz="1800" kern="1200">
-                <a:solidFill>
-                  <a:schemeClr val="tx1"/>
-                </a:solidFill>
-                <a:latin typeface="+mn-lt"/>
-                <a:ea typeface="+mn-ea"/>
-                <a:cs typeface="+mn-cs"/>
-              </a:defRPr>
-            </a:lvl6pPr>
-            <a:lvl7pPr marL="2971800" indent="-228600" algn="l" defTabSz="914400" rtl="0" eaLnBrk="1" latinLnBrk="0" hangingPunct="1">
-              <a:lnSpc>
-                <a:spcPct val="90000"/>
-              </a:lnSpc>
-              <a:spcBef>
-                <a:spcPts val="500"/>
-              </a:spcBef>
-              <a:buFont typeface="Arial"/>
-              <a:buChar char="•"/>
-              <a:defRPr sz="1800" kern="1200">
-                <a:solidFill>
-                  <a:schemeClr val="tx1"/>
-                </a:solidFill>
-                <a:latin typeface="+mn-lt"/>
-                <a:ea typeface="+mn-ea"/>
-                <a:cs typeface="+mn-cs"/>
-              </a:defRPr>
-            </a:lvl7pPr>
-            <a:lvl8pPr marL="3429000" indent="-228600" algn="l" defTabSz="914400" rtl="0" eaLnBrk="1" latinLnBrk="0" hangingPunct="1">
-              <a:lnSpc>
-                <a:spcPct val="90000"/>
-              </a:lnSpc>
-              <a:spcBef>
-                <a:spcPts val="500"/>
-              </a:spcBef>
-              <a:buFont typeface="Arial"/>
-              <a:buChar char="•"/>
-              <a:defRPr sz="1800" kern="1200">
-                <a:solidFill>
-                  <a:schemeClr val="tx1"/>
-                </a:solidFill>
-                <a:latin typeface="+mn-lt"/>
-                <a:ea typeface="+mn-ea"/>
-                <a:cs typeface="+mn-cs"/>
-              </a:defRPr>
-            </a:lvl8pPr>
-            <a:lvl9pPr marL="3886200" indent="-228600" algn="l" defTabSz="914400" rtl="0" eaLnBrk="1" latinLnBrk="0" hangingPunct="1">
-              <a:lnSpc>
-                <a:spcPct val="90000"/>
-              </a:lnSpc>
-              <a:spcBef>
-                <a:spcPts val="500"/>
-              </a:spcBef>
-              <a:buFont typeface="Arial"/>
-              <a:buChar char="•"/>
-              <a:defRPr sz="1800" kern="1200">
-                <a:solidFill>
-                  <a:schemeClr val="tx1"/>
-                </a:solidFill>
-                <a:latin typeface="+mn-lt"/>
-                <a:ea typeface="+mn-ea"/>
-                <a:cs typeface="+mn-cs"/>
-              </a:defRPr>
-            </a:lvl9pPr>
-          </a:lstStyle>
-          <a:p>
-            <a:pPr marL="0" indent="0">
-              <a:buNone/>
-            </a:pPr>
-            <a:r>
-              <a:rPr lang="en-US" sz="2200" dirty="0"/>
-              <a:t>&lt; Bar chart of top 5 databases for the current year goes here &gt;</a:t>
+          <a:lstStyle/>
+          <a:p>
+            <a:r>
+              <a:rPr lang="en-US" sz="2800" b="1" dirty="0">
+                <a:latin typeface="-apple-system"/>
+              </a:rPr>
+              <a:t>Listing</a:t>
             </a:r>
           </a:p>
         </p:txBody>
       </p:sp>
       <p:sp>
         <p:nvSpPr>
-          <p:cNvPr id="10" name="Content Placeholder 2">
+          <p:cNvPr id="6" name="TextBox 5">
             <a:extLst>
               <a:ext uri="{FF2B5EF4-FFF2-40B4-BE49-F238E27FC236}">
-                <a16:creationId xmlns:a16="http://schemas.microsoft.com/office/drawing/2014/main" id="{AE706D50-7D14-4DB8-BE17-5497AA1715EE}"/>
+                <a16:creationId xmlns:a16="http://schemas.microsoft.com/office/drawing/2014/main" id="{0455FA3C-689B-7E27-76EA-DA9258E40420}"/>
               </a:ext>
             </a:extLst>
           </p:cNvPr>
-          <p:cNvSpPr txBox="1">
-            <a:spLocks/>
-          </p:cNvSpPr>
+          <p:cNvSpPr txBox="1"/>
           <p:nvPr/>
         </p:nvSpPr>
         <p:spPr>
           <a:xfrm>
-            <a:off x="6172200" y="2506661"/>
-            <a:ext cx="4614949" cy="3670301"/>
+            <a:off x="838200" y="1748248"/>
+            <a:ext cx="1550158" cy="523220"/>
           </a:xfrm>
           <a:prstGeom prst="rect">
             <a:avLst/>
           </a:prstGeom>
+          <a:noFill/>
         </p:spPr>
         <p:txBody>
-          <a:bodyPr vert="horz" lIns="91440" tIns="45720" rIns="91440" bIns="45720" rtlCol="0">
-            <a:normAutofit/>
+          <a:bodyPr wrap="square" rtlCol="0">
+            <a:spAutoFit/>
           </a:bodyPr>
-          <a:lstStyle>
-            <a:lvl1pPr marL="228600" indent="-228600" algn="l" defTabSz="914400" rtl="0" eaLnBrk="1" latinLnBrk="0" hangingPunct="1">
-              <a:lnSpc>
-                <a:spcPct val="90000"/>
-              </a:lnSpc>
-              <a:spcBef>
-                <a:spcPts val="1000"/>
-              </a:spcBef>
-              <a:buFont typeface="Arial"/>
-              <a:buChar char="•"/>
-              <a:defRPr sz="2800" kern="1200">
-                <a:solidFill>
-                  <a:srgbClr val="0070C0"/>
-                </a:solidFill>
-                <a:latin typeface="IBM Plex Mono Text" panose="020B0509050203000203" pitchFamily="49" charset="0"/>
-                <a:ea typeface="+mn-ea"/>
-                <a:cs typeface="+mn-cs"/>
-              </a:defRPr>
-            </a:lvl1pPr>
-            <a:lvl2pPr marL="685800" indent="-228600" algn="l" defTabSz="914400" rtl="0" eaLnBrk="1" latinLnBrk="0" hangingPunct="1">
-              <a:lnSpc>
-                <a:spcPct val="90000"/>
-              </a:lnSpc>
-              <a:spcBef>
-                <a:spcPts val="500"/>
-              </a:spcBef>
-              <a:buFont typeface="Arial"/>
-              <a:buChar char="•"/>
-              <a:defRPr sz="2400" kern="1200">
-                <a:solidFill>
-                  <a:srgbClr val="0070C0"/>
-                </a:solidFill>
-                <a:latin typeface="IBM Plex Mono Text" panose="020B0509050203000203" pitchFamily="49" charset="0"/>
-                <a:ea typeface="+mn-ea"/>
-                <a:cs typeface="+mn-cs"/>
-              </a:defRPr>
-            </a:lvl2pPr>
-            <a:lvl3pPr marL="1143000" indent="-228600" algn="l" defTabSz="914400" rtl="0" eaLnBrk="1" latinLnBrk="0" hangingPunct="1">
-              <a:lnSpc>
-                <a:spcPct val="90000"/>
-              </a:lnSpc>
-              <a:spcBef>
-                <a:spcPts val="500"/>
-              </a:spcBef>
-              <a:buFont typeface="Arial"/>
-              <a:buChar char="•"/>
-              <a:defRPr sz="2000" kern="1200">
-                <a:solidFill>
-                  <a:srgbClr val="0070C0"/>
-                </a:solidFill>
-                <a:latin typeface="IBM Plex Mono Text" panose="020B0509050203000203" pitchFamily="49" charset="0"/>
-                <a:ea typeface="+mn-ea"/>
-                <a:cs typeface="+mn-cs"/>
-              </a:defRPr>
-            </a:lvl3pPr>
-            <a:lvl4pPr marL="1600200" indent="-228600" algn="l" defTabSz="914400" rtl="0" eaLnBrk="1" latinLnBrk="0" hangingPunct="1">
-              <a:lnSpc>
-                <a:spcPct val="90000"/>
-              </a:lnSpc>
-              <a:spcBef>
-                <a:spcPts val="500"/>
-              </a:spcBef>
-              <a:buFont typeface="Arial"/>
-              <a:buChar char="•"/>
-              <a:defRPr sz="1800" kern="1200">
-                <a:solidFill>
-                  <a:srgbClr val="0070C0"/>
-                </a:solidFill>
-                <a:latin typeface="IBM Plex Mono Text" panose="020B0509050203000203" pitchFamily="49" charset="0"/>
-                <a:ea typeface="+mn-ea"/>
-                <a:cs typeface="+mn-cs"/>
-              </a:defRPr>
-            </a:lvl4pPr>
-            <a:lvl5pPr marL="2057400" indent="-228600" algn="l" defTabSz="914400" rtl="0" eaLnBrk="1" latinLnBrk="0" hangingPunct="1">
-              <a:lnSpc>
-                <a:spcPct val="90000"/>
-              </a:lnSpc>
-              <a:spcBef>
-                <a:spcPts val="500"/>
-              </a:spcBef>
-              <a:buFont typeface="Arial"/>
-              <a:buChar char="•"/>
-              <a:defRPr sz="1800" kern="1200">
-                <a:solidFill>
-                  <a:srgbClr val="0070C0"/>
-                </a:solidFill>
-                <a:latin typeface="IBM Plex Mono Text" panose="020B0509050203000203" pitchFamily="49" charset="0"/>
-                <a:ea typeface="+mn-ea"/>
-                <a:cs typeface="+mn-cs"/>
-              </a:defRPr>
-            </a:lvl5pPr>
-            <a:lvl6pPr marL="2514600" indent="-228600" algn="l" defTabSz="914400" rtl="0" eaLnBrk="1" latinLnBrk="0" hangingPunct="1">
-              <a:lnSpc>
-                <a:spcPct val="90000"/>
-              </a:lnSpc>
-              <a:spcBef>
-                <a:spcPts val="500"/>
-              </a:spcBef>
-              <a:buFont typeface="Arial"/>
-              <a:buChar char="•"/>
-              <a:defRPr sz="1800" kern="1200">
-                <a:solidFill>
-                  <a:schemeClr val="tx1"/>
-                </a:solidFill>
-                <a:latin typeface="+mn-lt"/>
-                <a:ea typeface="+mn-ea"/>
-                <a:cs typeface="+mn-cs"/>
-              </a:defRPr>
-            </a:lvl6pPr>
-            <a:lvl7pPr marL="2971800" indent="-228600" algn="l" defTabSz="914400" rtl="0" eaLnBrk="1" latinLnBrk="0" hangingPunct="1">
-              <a:lnSpc>
-                <a:spcPct val="90000"/>
-              </a:lnSpc>
-              <a:spcBef>
-                <a:spcPts val="500"/>
-              </a:spcBef>
-              <a:buFont typeface="Arial"/>
-              <a:buChar char="•"/>
-              <a:defRPr sz="1800" kern="1200">
-                <a:solidFill>
-                  <a:schemeClr val="tx1"/>
-                </a:solidFill>
-                <a:latin typeface="+mn-lt"/>
-                <a:ea typeface="+mn-ea"/>
-                <a:cs typeface="+mn-cs"/>
-              </a:defRPr>
-            </a:lvl7pPr>
-            <a:lvl8pPr marL="3429000" indent="-228600" algn="l" defTabSz="914400" rtl="0" eaLnBrk="1" latinLnBrk="0" hangingPunct="1">
-              <a:lnSpc>
-                <a:spcPct val="90000"/>
-              </a:lnSpc>
-              <a:spcBef>
-                <a:spcPts val="500"/>
-              </a:spcBef>
-              <a:buFont typeface="Arial"/>
-              <a:buChar char="•"/>
-              <a:defRPr sz="1800" kern="1200">
-                <a:solidFill>
-                  <a:schemeClr val="tx1"/>
-                </a:solidFill>
-                <a:latin typeface="+mn-lt"/>
-                <a:ea typeface="+mn-ea"/>
-                <a:cs typeface="+mn-cs"/>
-              </a:defRPr>
-            </a:lvl8pPr>
-            <a:lvl9pPr marL="3886200" indent="-228600" algn="l" defTabSz="914400" rtl="0" eaLnBrk="1" latinLnBrk="0" hangingPunct="1">
-              <a:lnSpc>
-                <a:spcPct val="90000"/>
-              </a:lnSpc>
-              <a:spcBef>
-                <a:spcPts val="500"/>
-              </a:spcBef>
-              <a:buFont typeface="Arial"/>
-              <a:buChar char="•"/>
-              <a:defRPr sz="1800" kern="1200">
-                <a:solidFill>
-                  <a:schemeClr val="tx1"/>
-                </a:solidFill>
-                <a:latin typeface="+mn-lt"/>
-                <a:ea typeface="+mn-ea"/>
-                <a:cs typeface="+mn-cs"/>
-              </a:defRPr>
-            </a:lvl9pPr>
-          </a:lstStyle>
-          <a:p>
-            <a:pPr marL="0" indent="0">
-              <a:buNone/>
-            </a:pPr>
-            <a:r>
-              <a:rPr lang="en-US" sz="2200" dirty="0"/>
-              <a:t>&lt; Bar chart of top 5 databases for the next year goes here.&gt;</a:t>
+          <a:lstStyle/>
+          <a:p>
+            <a:r>
+              <a:rPr lang="en-US" sz="2800" b="1" dirty="0">
+                <a:latin typeface="-apple-system"/>
+              </a:rPr>
+              <a:t>Ranking</a:t>
             </a:r>
           </a:p>
         </p:txBody>
@@ -10355,7 +13262,7 @@
     </p:spTree>
     <p:extLst>
       <p:ext uri="{BB962C8B-B14F-4D97-AF65-F5344CB8AC3E}">
-        <p14:creationId xmlns:p14="http://schemas.microsoft.com/office/powerpoint/2010/main" val="1074638838"/>
+        <p14:creationId xmlns:p14="http://schemas.microsoft.com/office/powerpoint/2010/main" val="2964922509"/>
       </p:ext>
     </p:extLst>
   </p:cSld>
@@ -10868,15 +13775,6 @@
 </file>
 
 <file path=customXml/item2.xml><?xml version="1.0" encoding="utf-8"?>
-<?mso-contentType ?>
-<FormTemplates xmlns="http://schemas.microsoft.com/sharepoint/v3/contenttype/forms">
-  <Display>DocumentLibraryForm</Display>
-  <Edit>DocumentLibraryForm</Edit>
-  <New>DocumentLibraryForm</New>
-</FormTemplates>
-</file>
-
-<file path=customXml/item3.xml><?xml version="1.0" encoding="utf-8"?>
 <ct:contentTypeSchema xmlns:ct="http://schemas.microsoft.com/office/2006/metadata/contentType" xmlns:ma="http://schemas.microsoft.com/office/2006/metadata/properties/metaAttributes" ct:_="" ma:_="" ma:contentTypeName="Document" ma:contentTypeID="0x010100EECD86F56755A646AC8AFCBCBD967F21" ma:contentTypeVersion="11" ma:contentTypeDescription="Create a new document." ma:contentTypeScope="" ma:versionID="4bc1015ece1c23b1ef2f55a62f11494f">
   <xsd:schema xmlns:xsd="http://www.w3.org/2001/XMLSchema" xmlns:xs="http://www.w3.org/2001/XMLSchema" xmlns:p="http://schemas.microsoft.com/office/2006/metadata/properties" xmlns:ns2="155be751-a274-42e8-93fb-f39d3b9bccc8" xmlns:ns3="f80a141d-92ca-4d3d-9308-f7e7b1d44ce8" targetNamespace="http://schemas.microsoft.com/office/2006/metadata/properties" ma:root="true" ma:fieldsID="efbf6837a43ed91190e40f849f23a130" ns2:_="" ns3:_="">
     <xsd:import namespace="155be751-a274-42e8-93fb-f39d3b9bccc8"/>
@@ -11087,6 +13985,15 @@
 </ct:contentTypeSchema>
 </file>
 
+<file path=customXml/item3.xml><?xml version="1.0" encoding="utf-8"?>
+<?mso-contentType ?>
+<FormTemplates xmlns="http://schemas.microsoft.com/sharepoint/v3/contenttype/forms">
+  <Display>DocumentLibraryForm</Display>
+  <Edit>DocumentLibraryForm</Edit>
+  <New>DocumentLibraryForm</New>
+</FormTemplates>
+</file>
+
 <file path=customXml/itemProps1.xml><?xml version="1.0" encoding="utf-8"?>
 <ds:datastoreItem xmlns:ds="http://schemas.openxmlformats.org/officeDocument/2006/customXml" ds:itemID="{54DA07C5-A406-4A0D-B3E6-3856C94AC7F3}">
   <ds:schemaRefs>
@@ -11097,14 +14004,6 @@
 </file>
 
 <file path=customXml/itemProps2.xml><?xml version="1.0" encoding="utf-8"?>
-<ds:datastoreItem xmlns:ds="http://schemas.openxmlformats.org/officeDocument/2006/customXml" ds:itemID="{7EFDA260-DDA0-422C-B7AE-778F653FBB36}">
-  <ds:schemaRefs>
-    <ds:schemaRef ds:uri="http://schemas.microsoft.com/sharepoint/v3/contenttype/forms"/>
-  </ds:schemaRefs>
-</ds:datastoreItem>
-</file>
-
-<file path=customXml/itemProps3.xml><?xml version="1.0" encoding="utf-8"?>
 <ds:datastoreItem xmlns:ds="http://schemas.openxmlformats.org/officeDocument/2006/customXml" ds:itemID="{887AE8FE-83F0-42D0-BB5E-14AD3FB1DE17}">
   <ds:schemaRefs>
     <ds:schemaRef ds:uri="http://schemas.microsoft.com/office/2006/metadata/contentType"/>
@@ -11121,4 +14020,12 @@
     <ds:schemaRef ds:uri="http://schemas.microsoft.com/internal/obd"/>
   </ds:schemaRefs>
 </ds:datastoreItem>
+</file>
+
+<file path=customXml/itemProps3.xml><?xml version="1.0" encoding="utf-8"?>
+<ds:datastoreItem xmlns:ds="http://schemas.openxmlformats.org/officeDocument/2006/customXml" ds:itemID="{7EFDA260-DDA0-422C-B7AE-778F653FBB36}">
+  <ds:schemaRefs>
+    <ds:schemaRef ds:uri="http://schemas.microsoft.com/sharepoint/v3/contenttype/forms"/>
+  </ds:schemaRefs>
+</ds:datastoreItem>
 </file>